--- a/Proyecto final/Sustentación data science.pptx
+++ b/Proyecto final/Sustentación data science.pptx
@@ -8,8 +8,14 @@
     <p:sldId id="256" r:id="rId2"/>
     <p:sldId id="257" r:id="rId3"/>
     <p:sldId id="261" r:id="rId4"/>
-    <p:sldId id="263" r:id="rId5"/>
-    <p:sldId id="274" r:id="rId6"/>
+    <p:sldId id="275" r:id="rId5"/>
+    <p:sldId id="276" r:id="rId6"/>
+    <p:sldId id="263" r:id="rId7"/>
+    <p:sldId id="279" r:id="rId8"/>
+    <p:sldId id="280" r:id="rId9"/>
+    <p:sldId id="277" r:id="rId10"/>
+    <p:sldId id="278" r:id="rId11"/>
+    <p:sldId id="274" r:id="rId12"/>
   </p:sldIdLst>
   <p:sldSz cx="12192000" cy="6858000"/>
   <p:notesSz cx="6858000" cy="9144000"/>
@@ -263,7 +269,7 @@
           <a:p>
             <a:fld id="{82EDB8D0-98ED-4B86-9D5F-E61ADC70144D}" type="datetimeFigureOut">
               <a:rPr lang="en-US" smtClean="0"/>
-              <a:t>11/8/2021</a:t>
+              <a:t>11/17/2021</a:t>
             </a:fld>
             <a:endParaRPr lang="en-US" dirty="0"/>
           </a:p>
@@ -690,7 +696,7 @@
           <a:p>
             <a:fld id="{82EDB8D0-98ED-4B86-9D5F-E61ADC70144D}" type="datetimeFigureOut">
               <a:rPr lang="en-US" smtClean="0"/>
-              <a:t>11/8/2021</a:t>
+              <a:t>11/17/2021</a:t>
             </a:fld>
             <a:endParaRPr lang="en-US"/>
           </a:p>
@@ -1194,7 +1200,7 @@
           <a:p>
             <a:fld id="{82EDB8D0-98ED-4B86-9D5F-E61ADC70144D}" type="datetimeFigureOut">
               <a:rPr lang="en-US" smtClean="0"/>
-              <a:t>11/8/2021</a:t>
+              <a:t>11/17/2021</a:t>
             </a:fld>
             <a:endParaRPr lang="en-US"/>
           </a:p>
@@ -1693,7 +1699,7 @@
           <a:p>
             <a:fld id="{82EDB8D0-98ED-4B86-9D5F-E61ADC70144D}" type="datetimeFigureOut">
               <a:rPr lang="en-US" smtClean="0"/>
-              <a:t>11/8/2021</a:t>
+              <a:t>11/17/2021</a:t>
             </a:fld>
             <a:endParaRPr lang="en-US" dirty="0"/>
           </a:p>
@@ -2474,7 +2480,7 @@
           <a:p>
             <a:fld id="{82EDB8D0-98ED-4B86-9D5F-E61ADC70144D}" type="datetimeFigureOut">
               <a:rPr lang="en-US" smtClean="0"/>
-              <a:t>11/8/2021</a:t>
+              <a:t>11/17/2021</a:t>
             </a:fld>
             <a:endParaRPr lang="en-US"/>
           </a:p>
@@ -2968,7 +2974,7 @@
           <a:p>
             <a:fld id="{82EDB8D0-98ED-4B86-9D5F-E61ADC70144D}" type="datetimeFigureOut">
               <a:rPr lang="en-US" smtClean="0"/>
-              <a:t>11/8/2021</a:t>
+              <a:t>11/17/2021</a:t>
             </a:fld>
             <a:endParaRPr lang="en-US"/>
           </a:p>
@@ -3676,7 +3682,7 @@
           <a:p>
             <a:fld id="{82EDB8D0-98ED-4B86-9D5F-E61ADC70144D}" type="datetimeFigureOut">
               <a:rPr lang="en-US" smtClean="0"/>
-              <a:t>11/8/2021</a:t>
+              <a:t>11/17/2021</a:t>
             </a:fld>
             <a:endParaRPr lang="en-US"/>
           </a:p>
@@ -4113,7 +4119,7 @@
           <a:p>
             <a:fld id="{82EDB8D0-98ED-4B86-9D5F-E61ADC70144D}" type="datetimeFigureOut">
               <a:rPr lang="en-US" smtClean="0"/>
-              <a:t>11/8/2021</a:t>
+              <a:t>11/17/2021</a:t>
             </a:fld>
             <a:endParaRPr lang="en-US"/>
           </a:p>
@@ -4522,7 +4528,7 @@
           <a:p>
             <a:fld id="{82EDB8D0-98ED-4B86-9D5F-E61ADC70144D}" type="datetimeFigureOut">
               <a:rPr lang="en-US" smtClean="0"/>
-              <a:t>11/8/2021</a:t>
+              <a:t>11/17/2021</a:t>
             </a:fld>
             <a:endParaRPr lang="en-US"/>
           </a:p>
@@ -5129,7 +5135,7 @@
           <a:p>
             <a:fld id="{82EDB8D0-98ED-4B86-9D5F-E61ADC70144D}" type="datetimeFigureOut">
               <a:rPr lang="en-US" smtClean="0"/>
-              <a:t>11/8/2021</a:t>
+              <a:t>11/17/2021</a:t>
             </a:fld>
             <a:endParaRPr lang="en-US"/>
           </a:p>
@@ -5716,7 +5722,7 @@
           <a:p>
             <a:fld id="{82EDB8D0-98ED-4B86-9D5F-E61ADC70144D}" type="datetimeFigureOut">
               <a:rPr lang="en-US" smtClean="0"/>
-              <a:t>11/8/2021</a:t>
+              <a:t>11/17/2021</a:t>
             </a:fld>
             <a:endParaRPr lang="en-US"/>
           </a:p>
@@ -6255,7 +6261,7 @@
             <a:fld id="{82EDB8D0-98ED-4B86-9D5F-E61ADC70144D}" type="datetimeFigureOut">
               <a:rPr lang="en-US" smtClean="0"/>
               <a:pPr/>
-              <a:t>11/8/2021</a:t>
+              <a:t>11/17/2021</a:t>
             </a:fld>
             <a:endParaRPr lang="en-US" dirty="0"/>
           </a:p>
@@ -6898,13 +6904,13 @@
         </p:nvSpPr>
         <p:spPr>
           <a:xfrm>
-            <a:off x="309057" y="3800105"/>
+            <a:off x="309057" y="4053261"/>
             <a:ext cx="5257800" cy="1209080"/>
           </a:xfrm>
         </p:spPr>
         <p:txBody>
           <a:bodyPr vert="horz" lIns="91440" tIns="45720" rIns="91440" bIns="45720" rtlCol="0" anchor="b">
-            <a:normAutofit/>
+            <a:normAutofit fontScale="90000"/>
           </a:bodyPr>
           <a:lstStyle/>
           <a:p>
@@ -6918,7 +6924,28 @@
                 <a:ea typeface="+mj-ea"/>
                 <a:cs typeface="+mj-cs"/>
               </a:rPr>
-              <a:t>REDUCCIÓN DE DIMENSIONALIDAD </a:t>
+              <a:t>REDUCCIÓN DE DIMENSIONALIDAD y </a:t>
+            </a:r>
+            <a:br>
+              <a:rPr lang="en-US" sz="3700" b="1" kern="1200" dirty="0">
+                <a:solidFill>
+                  <a:schemeClr val="tx1"/>
+                </a:solidFill>
+                <a:latin typeface="+mj-lt"/>
+                <a:ea typeface="+mj-ea"/>
+                <a:cs typeface="+mj-cs"/>
+              </a:rPr>
+            </a:br>
+            <a:r>
+              <a:rPr lang="en-US" sz="3700" b="1" kern="1200" dirty="0">
+                <a:solidFill>
+                  <a:schemeClr val="tx1"/>
+                </a:solidFill>
+                <a:latin typeface="+mj-lt"/>
+                <a:ea typeface="+mj-ea"/>
+                <a:cs typeface="+mj-cs"/>
+              </a:rPr>
+              <a:t>CLUSTER JERÁRQUICO</a:t>
             </a:r>
           </a:p>
         </p:txBody>
@@ -7007,7 +7034,7 @@
         </p:nvSpPr>
         <p:spPr>
           <a:xfrm>
-            <a:off x="309057" y="4797818"/>
+            <a:off x="309057" y="4911909"/>
             <a:ext cx="6030388" cy="929045"/>
           </a:xfrm>
           <a:prstGeom prst="rect">
@@ -7282,6 +7309,602 @@
 </p:sld>
 </file>
 
+<file path=ppt/slides/slide10.xml><?xml version="1.0" encoding="utf-8"?>
+<p:sld xmlns:a="http://schemas.openxmlformats.org/drawingml/2006/main" xmlns:r="http://schemas.openxmlformats.org/officeDocument/2006/relationships" xmlns:p="http://schemas.openxmlformats.org/presentationml/2006/main">
+  <p:cSld>
+    <p:spTree>
+      <p:nvGrpSpPr>
+        <p:cNvPr id="1" name=""/>
+        <p:cNvGrpSpPr/>
+        <p:nvPr/>
+      </p:nvGrpSpPr>
+      <p:grpSpPr>
+        <a:xfrm>
+          <a:off x="0" y="0"/>
+          <a:ext cx="0" cy="0"/>
+          <a:chOff x="0" y="0"/>
+          <a:chExt cx="0" cy="0"/>
+        </a:xfrm>
+      </p:grpSpPr>
+      <p:pic>
+        <p:nvPicPr>
+          <p:cNvPr id="5" name="Imagen 4">
+            <a:extLst>
+              <a:ext uri="{FF2B5EF4-FFF2-40B4-BE49-F238E27FC236}">
+                <a16:creationId xmlns:a16="http://schemas.microsoft.com/office/drawing/2014/main" id="{30DE292E-4442-4FEA-A477-0161561A900F}"/>
+              </a:ext>
+            </a:extLst>
+          </p:cNvPr>
+          <p:cNvPicPr>
+            <a:picLocks noChangeAspect="1"/>
+          </p:cNvPicPr>
+          <p:nvPr/>
+        </p:nvPicPr>
+        <p:blipFill>
+          <a:blip r:embed="rId2"/>
+          <a:stretch>
+            <a:fillRect/>
+          </a:stretch>
+        </p:blipFill>
+        <p:spPr>
+          <a:xfrm>
+            <a:off x="27247" y="2530933"/>
+            <a:ext cx="4014137" cy="2796127"/>
+          </a:xfrm>
+          <a:prstGeom prst="rect">
+            <a:avLst/>
+          </a:prstGeom>
+        </p:spPr>
+      </p:pic>
+      <p:pic>
+        <p:nvPicPr>
+          <p:cNvPr id="3074" name="Picture 2">
+            <a:extLst>
+              <a:ext uri="{FF2B5EF4-FFF2-40B4-BE49-F238E27FC236}">
+                <a16:creationId xmlns:a16="http://schemas.microsoft.com/office/drawing/2014/main" id="{ECF216A8-AA2E-4AEE-9108-942516710A5F}"/>
+              </a:ext>
+            </a:extLst>
+          </p:cNvPr>
+          <p:cNvPicPr>
+            <a:picLocks noChangeAspect="1" noChangeArrowheads="1"/>
+          </p:cNvPicPr>
+          <p:nvPr/>
+        </p:nvPicPr>
+        <p:blipFill>
+          <a:blip r:embed="rId3">
+            <a:extLst>
+              <a:ext uri="{28A0092B-C50C-407E-A947-70E740481C1C}">
+                <a14:useLocalDpi xmlns:a14="http://schemas.microsoft.com/office/drawing/2010/main" val="0"/>
+              </a:ext>
+            </a:extLst>
+          </a:blip>
+          <a:srcRect/>
+          <a:stretch>
+            <a:fillRect/>
+          </a:stretch>
+        </p:blipFill>
+        <p:spPr bwMode="auto">
+          <a:xfrm>
+            <a:off x="3879820" y="2643475"/>
+            <a:ext cx="3913563" cy="2693751"/>
+          </a:xfrm>
+          <a:prstGeom prst="rect">
+            <a:avLst/>
+          </a:prstGeom>
+          <a:noFill/>
+          <a:extLst>
+            <a:ext uri="{909E8E84-426E-40DD-AFC4-6F175D3DCCD1}">
+              <a14:hiddenFill xmlns:a14="http://schemas.microsoft.com/office/drawing/2010/main">
+                <a:solidFill>
+                  <a:srgbClr val="FFFFFF"/>
+                </a:solidFill>
+              </a14:hiddenFill>
+            </a:ext>
+          </a:extLst>
+        </p:spPr>
+      </p:pic>
+      <p:pic>
+        <p:nvPicPr>
+          <p:cNvPr id="7" name="Imagen 6">
+            <a:extLst>
+              <a:ext uri="{FF2B5EF4-FFF2-40B4-BE49-F238E27FC236}">
+                <a16:creationId xmlns:a16="http://schemas.microsoft.com/office/drawing/2014/main" id="{B33E675F-2E17-4072-B873-51391F7F77DB}"/>
+              </a:ext>
+            </a:extLst>
+          </p:cNvPr>
+          <p:cNvPicPr>
+            <a:picLocks noChangeAspect="1"/>
+          </p:cNvPicPr>
+          <p:nvPr/>
+        </p:nvPicPr>
+        <p:blipFill>
+          <a:blip r:embed="rId4"/>
+          <a:stretch>
+            <a:fillRect/>
+          </a:stretch>
+        </p:blipFill>
+        <p:spPr>
+          <a:xfrm>
+            <a:off x="7735025" y="2676469"/>
+            <a:ext cx="4015366" cy="2650592"/>
+          </a:xfrm>
+          <a:prstGeom prst="rect">
+            <a:avLst/>
+          </a:prstGeom>
+        </p:spPr>
+      </p:pic>
+      <p:sp>
+        <p:nvSpPr>
+          <p:cNvPr id="15" name="Título 1">
+            <a:extLst>
+              <a:ext uri="{FF2B5EF4-FFF2-40B4-BE49-F238E27FC236}">
+                <a16:creationId xmlns:a16="http://schemas.microsoft.com/office/drawing/2014/main" id="{3060A05A-7CB8-4892-9F35-4B421898533A}"/>
+              </a:ext>
+            </a:extLst>
+          </p:cNvPr>
+          <p:cNvSpPr txBox="1">
+            <a:spLocks/>
+          </p:cNvSpPr>
+          <p:nvPr/>
+        </p:nvSpPr>
+        <p:spPr>
+          <a:xfrm>
+            <a:off x="1463040" y="638584"/>
+            <a:ext cx="10237891" cy="1325563"/>
+          </a:xfrm>
+          <a:prstGeom prst="rect">
+            <a:avLst/>
+          </a:prstGeom>
+        </p:spPr>
+        <p:txBody>
+          <a:bodyPr vert="horz" lIns="91440" tIns="45720" rIns="91440" bIns="45720" rtlCol="0" anchor="ctr">
+            <a:normAutofit/>
+          </a:bodyPr>
+          <a:lstStyle>
+            <a:lvl1pPr algn="l" defTabSz="914400" rtl="0" eaLnBrk="1" latinLnBrk="0" hangingPunct="1">
+              <a:lnSpc>
+                <a:spcPct val="90000"/>
+              </a:lnSpc>
+              <a:spcBef>
+                <a:spcPct val="0"/>
+              </a:spcBef>
+              <a:buNone/>
+              <a:defRPr sz="3200" kern="1200">
+                <a:solidFill>
+                  <a:schemeClr val="tx1"/>
+                </a:solidFill>
+                <a:latin typeface="+mj-lt"/>
+                <a:ea typeface="+mj-ea"/>
+                <a:cs typeface="+mj-cs"/>
+              </a:defRPr>
+            </a:lvl1pPr>
+          </a:lstStyle>
+          <a:p>
+            <a:r>
+              <a:rPr lang="en-US" sz="4400" b="1" dirty="0">
+                <a:solidFill>
+                  <a:srgbClr val="F46F0C"/>
+                </a:solidFill>
+              </a:rPr>
+              <a:t>BOXPLOT VARIABLES VS CLUSTER</a:t>
+            </a:r>
+          </a:p>
+        </p:txBody>
+      </p:sp>
+    </p:spTree>
+    <p:extLst>
+      <p:ext uri="{BB962C8B-B14F-4D97-AF65-F5344CB8AC3E}">
+        <p14:creationId xmlns:p14="http://schemas.microsoft.com/office/powerpoint/2010/main" val="2942370850"/>
+      </p:ext>
+    </p:extLst>
+  </p:cSld>
+  <p:clrMapOvr>
+    <a:masterClrMapping/>
+  </p:clrMapOvr>
+  <mc:AlternateContent xmlns:mc="http://schemas.openxmlformats.org/markup-compatibility/2006" xmlns:p159="http://schemas.microsoft.com/office/powerpoint/2015/09/main">
+    <mc:Choice Requires="p159">
+      <p:transition xmlns:p14="http://schemas.microsoft.com/office/powerpoint/2010/main" spd="slow" p14:dur="2000">
+        <p159:morph option="byObject"/>
+      </p:transition>
+    </mc:Choice>
+    <mc:Fallback xmlns="">
+      <p:transition spd="slow">
+        <p:fade/>
+      </p:transition>
+    </mc:Fallback>
+  </mc:AlternateContent>
+</p:sld>
+</file>
+
+<file path=ppt/slides/slide11.xml><?xml version="1.0" encoding="utf-8"?>
+<p:sld xmlns:a="http://schemas.openxmlformats.org/drawingml/2006/main" xmlns:r="http://schemas.openxmlformats.org/officeDocument/2006/relationships" xmlns:p="http://schemas.openxmlformats.org/presentationml/2006/main">
+  <p:cSld>
+    <p:spTree>
+      <p:nvGrpSpPr>
+        <p:cNvPr id="1" name=""/>
+        <p:cNvGrpSpPr/>
+        <p:nvPr/>
+      </p:nvGrpSpPr>
+      <p:grpSpPr>
+        <a:xfrm>
+          <a:off x="0" y="0"/>
+          <a:ext cx="0" cy="0"/>
+          <a:chOff x="0" y="0"/>
+          <a:chExt cx="0" cy="0"/>
+        </a:xfrm>
+      </p:grpSpPr>
+      <p:sp>
+        <p:nvSpPr>
+          <p:cNvPr id="7" name="Título 1">
+            <a:extLst>
+              <a:ext uri="{FF2B5EF4-FFF2-40B4-BE49-F238E27FC236}">
+                <a16:creationId xmlns:a16="http://schemas.microsoft.com/office/drawing/2014/main" id="{276B9254-579B-4E76-9B7F-590767144537}"/>
+              </a:ext>
+            </a:extLst>
+          </p:cNvPr>
+          <p:cNvSpPr txBox="1">
+            <a:spLocks/>
+          </p:cNvSpPr>
+          <p:nvPr/>
+        </p:nvSpPr>
+        <p:spPr>
+          <a:xfrm>
+            <a:off x="4189691" y="377687"/>
+            <a:ext cx="5526752" cy="947347"/>
+          </a:xfrm>
+          <a:prstGeom prst="rect">
+            <a:avLst/>
+          </a:prstGeom>
+        </p:spPr>
+        <p:txBody>
+          <a:bodyPr vert="horz" lIns="91440" tIns="45720" rIns="91440" bIns="45720" rtlCol="0" anchor="ctr">
+            <a:normAutofit/>
+          </a:bodyPr>
+          <a:lstStyle>
+            <a:lvl1pPr algn="l" defTabSz="914400" rtl="0" eaLnBrk="1" latinLnBrk="0" hangingPunct="1">
+              <a:lnSpc>
+                <a:spcPct val="90000"/>
+              </a:lnSpc>
+              <a:spcBef>
+                <a:spcPct val="0"/>
+              </a:spcBef>
+              <a:buNone/>
+              <a:defRPr sz="3200" kern="1200">
+                <a:solidFill>
+                  <a:schemeClr val="tx1"/>
+                </a:solidFill>
+                <a:latin typeface="+mj-lt"/>
+                <a:ea typeface="+mj-ea"/>
+                <a:cs typeface="+mj-cs"/>
+              </a:defRPr>
+            </a:lvl1pPr>
+          </a:lstStyle>
+          <a:p>
+            <a:r>
+              <a:rPr lang="es-CO" b="1" dirty="0">
+                <a:solidFill>
+                  <a:srgbClr val="F46F0C"/>
+                </a:solidFill>
+              </a:rPr>
+              <a:t>CONCLUSIONES</a:t>
+            </a:r>
+          </a:p>
+          <a:p>
+            <a:endParaRPr lang="es-CO" b="1" dirty="0">
+              <a:solidFill>
+                <a:srgbClr val="F46F0C"/>
+              </a:solidFill>
+            </a:endParaRPr>
+          </a:p>
+        </p:txBody>
+      </p:sp>
+      <p:sp>
+        <p:nvSpPr>
+          <p:cNvPr id="3" name="Marcador de contenido 2">
+            <a:extLst>
+              <a:ext uri="{FF2B5EF4-FFF2-40B4-BE49-F238E27FC236}">
+                <a16:creationId xmlns:a16="http://schemas.microsoft.com/office/drawing/2014/main" id="{82A3E0D7-368A-4985-B023-E0FE8839D122}"/>
+              </a:ext>
+            </a:extLst>
+          </p:cNvPr>
+          <p:cNvSpPr>
+            <a:spLocks noGrp="1"/>
+          </p:cNvSpPr>
+          <p:nvPr>
+            <p:ph idx="1"/>
+          </p:nvPr>
+        </p:nvSpPr>
+        <p:spPr>
+          <a:xfrm>
+            <a:off x="838200" y="616039"/>
+            <a:ext cx="10515600" cy="4996970"/>
+          </a:xfrm>
+        </p:spPr>
+        <p:txBody>
+          <a:bodyPr>
+            <a:normAutofit/>
+          </a:bodyPr>
+          <a:lstStyle/>
+          <a:p>
+            <a:pPr marL="0" indent="0">
+              <a:lnSpc>
+                <a:spcPct val="110000"/>
+              </a:lnSpc>
+              <a:buNone/>
+            </a:pPr>
+            <a:endParaRPr lang="es-ES" sz="1600" dirty="0">
+              <a:sym typeface="Wingdings" panose="05000000000000000000" pitchFamily="2" charset="2"/>
+            </a:endParaRPr>
+          </a:p>
+          <a:p>
+            <a:pPr algn="just">
+              <a:lnSpc>
+                <a:spcPct val="110000"/>
+              </a:lnSpc>
+            </a:pPr>
+            <a:endParaRPr lang="es-ES" sz="1800" dirty="0">
+              <a:sym typeface="Wingdings" panose="05000000000000000000" pitchFamily="2" charset="2"/>
+            </a:endParaRPr>
+          </a:p>
+          <a:p>
+            <a:pPr marL="0" indent="0">
+              <a:lnSpc>
+                <a:spcPct val="110000"/>
+              </a:lnSpc>
+              <a:buNone/>
+            </a:pPr>
+            <a:endParaRPr lang="es-ES" sz="1800" dirty="0">
+              <a:sym typeface="Wingdings" panose="05000000000000000000" pitchFamily="2" charset="2"/>
+            </a:endParaRPr>
+          </a:p>
+          <a:p>
+            <a:pPr marL="0" indent="0" algn="just">
+              <a:lnSpc>
+                <a:spcPct val="110000"/>
+              </a:lnSpc>
+              <a:buNone/>
+            </a:pPr>
+            <a:endParaRPr lang="es-ES" sz="1800" dirty="0">
+              <a:sym typeface="Wingdings" panose="05000000000000000000" pitchFamily="2" charset="2"/>
+            </a:endParaRPr>
+          </a:p>
+          <a:p>
+            <a:pPr marL="0" indent="0">
+              <a:lnSpc>
+                <a:spcPct val="110000"/>
+              </a:lnSpc>
+              <a:buNone/>
+            </a:pPr>
+            <a:endParaRPr lang="es-ES" sz="1800" dirty="0">
+              <a:sym typeface="Wingdings" panose="05000000000000000000" pitchFamily="2" charset="2"/>
+            </a:endParaRPr>
+          </a:p>
+          <a:p>
+            <a:pPr marL="0" indent="0" algn="just">
+              <a:lnSpc>
+                <a:spcPct val="110000"/>
+              </a:lnSpc>
+              <a:buNone/>
+            </a:pPr>
+            <a:endParaRPr lang="es-ES" sz="1600" dirty="0">
+              <a:sym typeface="Wingdings" panose="05000000000000000000" pitchFamily="2" charset="2"/>
+            </a:endParaRPr>
+          </a:p>
+        </p:txBody>
+      </p:sp>
+      <p:sp>
+        <p:nvSpPr>
+          <p:cNvPr id="5" name="CuadroTexto 4">
+            <a:extLst>
+              <a:ext uri="{FF2B5EF4-FFF2-40B4-BE49-F238E27FC236}">
+                <a16:creationId xmlns:a16="http://schemas.microsoft.com/office/drawing/2014/main" id="{64DFDC1D-AB25-4B91-A0E0-0C4D2397586D}"/>
+              </a:ext>
+            </a:extLst>
+          </p:cNvPr>
+          <p:cNvSpPr txBox="1"/>
+          <p:nvPr/>
+        </p:nvSpPr>
+        <p:spPr>
+          <a:xfrm>
+            <a:off x="3647661" y="6480313"/>
+            <a:ext cx="10893287" cy="307777"/>
+          </a:xfrm>
+          <a:prstGeom prst="rect">
+            <a:avLst/>
+          </a:prstGeom>
+          <a:noFill/>
+        </p:spPr>
+        <p:txBody>
+          <a:bodyPr wrap="square">
+            <a:spAutoFit/>
+          </a:bodyPr>
+          <a:lstStyle/>
+          <a:p>
+            <a:r>
+              <a:rPr lang="es-CO" sz="1400" dirty="0"/>
+              <a:t>LINK REPOSITORIO: https://github.com/lplugof62/lorena_lugo_KC/tree/main/Proyecto%20final</a:t>
+            </a:r>
+          </a:p>
+        </p:txBody>
+      </p:sp>
+      <p:sp>
+        <p:nvSpPr>
+          <p:cNvPr id="8" name="CuadroTexto 7">
+            <a:extLst>
+              <a:ext uri="{FF2B5EF4-FFF2-40B4-BE49-F238E27FC236}">
+                <a16:creationId xmlns:a16="http://schemas.microsoft.com/office/drawing/2014/main" id="{861142CE-0B5D-4287-ADEA-160041318C1A}"/>
+              </a:ext>
+            </a:extLst>
+          </p:cNvPr>
+          <p:cNvSpPr txBox="1"/>
+          <p:nvPr/>
+        </p:nvSpPr>
+        <p:spPr>
+          <a:xfrm>
+            <a:off x="450574" y="1170156"/>
+            <a:ext cx="10903226" cy="4483279"/>
+          </a:xfrm>
+          <a:prstGeom prst="rect">
+            <a:avLst/>
+          </a:prstGeom>
+          <a:noFill/>
+        </p:spPr>
+        <p:txBody>
+          <a:bodyPr wrap="square">
+            <a:spAutoFit/>
+          </a:bodyPr>
+          <a:lstStyle/>
+          <a:p>
+            <a:pPr marL="285750" indent="-285750" algn="l">
+              <a:lnSpc>
+                <a:spcPct val="150000"/>
+              </a:lnSpc>
+              <a:buFont typeface="Arial" panose="020B0604020202020204" pitchFamily="34" charset="0"/>
+              <a:buChar char="•"/>
+            </a:pPr>
+            <a:r>
+              <a:rPr lang="es-ES" sz="1600" b="0" i="0" dirty="0">
+                <a:solidFill>
+                  <a:srgbClr val="212121"/>
+                </a:solidFill>
+                <a:effectLst/>
+                <a:latin typeface="Roboto" panose="02000000000000000000" pitchFamily="2" charset="0"/>
+              </a:rPr>
+              <a:t>El algoritmo de ACP como método de reducción de dimensionalidad, generó un indicio para estimar cuántos grupos se podían obtener.</a:t>
+            </a:r>
+          </a:p>
+          <a:p>
+            <a:pPr marL="285750" indent="-285750" algn="l">
+              <a:lnSpc>
+                <a:spcPct val="150000"/>
+              </a:lnSpc>
+              <a:buFont typeface="Arial" panose="020B0604020202020204" pitchFamily="34" charset="0"/>
+              <a:buChar char="•"/>
+            </a:pPr>
+            <a:endParaRPr lang="es-ES" sz="1600" b="0" i="0" dirty="0">
+              <a:solidFill>
+                <a:srgbClr val="212121"/>
+              </a:solidFill>
+              <a:effectLst/>
+              <a:latin typeface="Roboto" panose="02000000000000000000" pitchFamily="2" charset="0"/>
+            </a:endParaRPr>
+          </a:p>
+          <a:p>
+            <a:pPr marL="285750" indent="-285750" algn="l">
+              <a:lnSpc>
+                <a:spcPct val="150000"/>
+              </a:lnSpc>
+              <a:buFont typeface="Arial" panose="020B0604020202020204" pitchFamily="34" charset="0"/>
+              <a:buChar char="•"/>
+            </a:pPr>
+            <a:r>
+              <a:rPr lang="es-ES" sz="1600" b="0" i="0" dirty="0">
+                <a:solidFill>
+                  <a:srgbClr val="212121"/>
+                </a:solidFill>
+                <a:effectLst/>
+                <a:latin typeface="Roboto" panose="02000000000000000000" pitchFamily="2" charset="0"/>
+              </a:rPr>
+              <a:t>El ACP permitió identificar los registros con datos atípicos, y permite tomar decisiones, como en este caso, tomándolos como datos especiales para realizar un plan de fertilización personalizado.</a:t>
+            </a:r>
+          </a:p>
+          <a:p>
+            <a:pPr marL="285750" indent="-285750" algn="l">
+              <a:lnSpc>
+                <a:spcPct val="150000"/>
+              </a:lnSpc>
+              <a:buFont typeface="Arial" panose="020B0604020202020204" pitchFamily="34" charset="0"/>
+              <a:buChar char="•"/>
+            </a:pPr>
+            <a:endParaRPr lang="es-ES" sz="1600" b="0" i="0" dirty="0">
+              <a:solidFill>
+                <a:srgbClr val="212121"/>
+              </a:solidFill>
+              <a:effectLst/>
+              <a:latin typeface="Roboto" panose="02000000000000000000" pitchFamily="2" charset="0"/>
+            </a:endParaRPr>
+          </a:p>
+          <a:p>
+            <a:pPr marL="285750" indent="-285750" algn="just">
+              <a:lnSpc>
+                <a:spcPct val="150000"/>
+              </a:lnSpc>
+              <a:buFont typeface="Arial" panose="020B0604020202020204" pitchFamily="34" charset="0"/>
+              <a:buChar char="•"/>
+            </a:pPr>
+            <a:r>
+              <a:rPr lang="es-ES" sz="1600" b="0" i="0" dirty="0">
+                <a:solidFill>
+                  <a:srgbClr val="212121"/>
+                </a:solidFill>
+                <a:effectLst/>
+                <a:latin typeface="Roboto" panose="02000000000000000000" pitchFamily="2" charset="0"/>
+              </a:rPr>
+              <a:t>El algoritmo de clúster jerárquico permitió identificar patrones en diferentes variables siendo agrupados en 7 clústeres. Los planes de fertilización se pueden generalizar en 7 grupos y no de forma individual, optimizando el tiempo invertido en comparación con un plan de fertilización por finca.</a:t>
+            </a:r>
+          </a:p>
+          <a:p>
+            <a:pPr marL="285750" indent="-285750" algn="l">
+              <a:lnSpc>
+                <a:spcPct val="150000"/>
+              </a:lnSpc>
+              <a:buFont typeface="Arial" panose="020B0604020202020204" pitchFamily="34" charset="0"/>
+              <a:buChar char="•"/>
+            </a:pPr>
+            <a:endParaRPr lang="es-ES" sz="1600" b="0" i="0" dirty="0">
+              <a:solidFill>
+                <a:srgbClr val="212121"/>
+              </a:solidFill>
+              <a:effectLst/>
+              <a:latin typeface="Roboto" panose="02000000000000000000" pitchFamily="2" charset="0"/>
+            </a:endParaRPr>
+          </a:p>
+          <a:p>
+            <a:pPr marL="285750" indent="-285750" algn="l">
+              <a:lnSpc>
+                <a:spcPct val="150000"/>
+              </a:lnSpc>
+              <a:buFont typeface="Arial" panose="020B0604020202020204" pitchFamily="34" charset="0"/>
+              <a:buChar char="•"/>
+            </a:pPr>
+            <a:r>
+              <a:rPr lang="es-ES" sz="1600" b="0" i="0" dirty="0">
+                <a:solidFill>
+                  <a:srgbClr val="212121"/>
+                </a:solidFill>
+                <a:effectLst/>
+                <a:latin typeface="Roboto" panose="02000000000000000000" pitchFamily="2" charset="0"/>
+              </a:rPr>
+              <a:t>Los algoritmos de aprendizaje no supervisado permiten realizar análisis de datos con múltiples variables sin clasificación.</a:t>
+            </a:r>
+          </a:p>
+        </p:txBody>
+      </p:sp>
+    </p:spTree>
+    <p:extLst>
+      <p:ext uri="{BB962C8B-B14F-4D97-AF65-F5344CB8AC3E}">
+        <p14:creationId xmlns:p14="http://schemas.microsoft.com/office/powerpoint/2010/main" val="2315923275"/>
+      </p:ext>
+    </p:extLst>
+  </p:cSld>
+  <p:clrMapOvr>
+    <a:masterClrMapping/>
+  </p:clrMapOvr>
+  <mc:AlternateContent xmlns:mc="http://schemas.openxmlformats.org/markup-compatibility/2006" xmlns:p159="http://schemas.microsoft.com/office/powerpoint/2015/09/main">
+    <mc:Choice Requires="p159">
+      <p:transition xmlns:p14="http://schemas.microsoft.com/office/powerpoint/2010/main" spd="slow" p14:dur="2000">
+        <p159:morph option="byObject"/>
+      </p:transition>
+    </mc:Choice>
+    <mc:Fallback xmlns="">
+      <p:transition spd="slow">
+        <p:fade/>
+      </p:transition>
+    </mc:Fallback>
+  </mc:AlternateContent>
+</p:sld>
+</file>
+
 <file path=ppt/slides/slide2.xml><?xml version="1.0" encoding="utf-8"?>
 <p:sld xmlns:a="http://schemas.openxmlformats.org/drawingml/2006/main" xmlns:r="http://schemas.openxmlformats.org/officeDocument/2006/relationships" xmlns:p="http://schemas.openxmlformats.org/presentationml/2006/main">
   <p:cSld>
@@ -8876,6 +9499,14 @@
 <file path=ppt/slides/slide4.xml><?xml version="1.0" encoding="utf-8"?>
 <p:sld xmlns:a="http://schemas.openxmlformats.org/drawingml/2006/main" xmlns:r="http://schemas.openxmlformats.org/officeDocument/2006/relationships" xmlns:p="http://schemas.openxmlformats.org/presentationml/2006/main">
   <p:cSld>
+    <p:bg>
+      <p:bgPr>
+        <a:solidFill>
+          <a:schemeClr val="bg1"/>
+        </a:solidFill>
+        <a:effectLst/>
+      </p:bgPr>
+    </p:bg>
     <p:spTree>
       <p:nvGrpSpPr>
         <p:cNvPr id="1" name=""/>
@@ -8892,10 +9523,573 @@
       </p:grpSpPr>
       <p:sp>
         <p:nvSpPr>
-          <p:cNvPr id="2" name="Título 1">
-            <a:extLst>
-              <a:ext uri="{FF2B5EF4-FFF2-40B4-BE49-F238E27FC236}">
-                <a16:creationId xmlns:a16="http://schemas.microsoft.com/office/drawing/2014/main" id="{48415947-46D6-4BB6-851C-50CDD8CAED1C}"/>
+          <p:cNvPr id="19" name="Freeform: Shape 18">
+            <a:extLst>
+              <a:ext uri="{FF2B5EF4-FFF2-40B4-BE49-F238E27FC236}">
+                <a16:creationId xmlns:a16="http://schemas.microsoft.com/office/drawing/2014/main" id="{8A7BA06D-B3FF-4E91-8639-B4569AE3AA23}"/>
+              </a:ext>
+              <a:ext uri="{C183D7F6-B498-43B3-948B-1728B52AA6E4}">
+                <adec:decorative xmlns:adec="http://schemas.microsoft.com/office/drawing/2017/decorative" val="1"/>
+              </a:ext>
+            </a:extLst>
+          </p:cNvPr>
+          <p:cNvSpPr>
+            <a:spLocks noGrp="1" noRot="1" noChangeAspect="1" noMove="1" noResize="1" noEditPoints="1" noAdjustHandles="1" noChangeArrowheads="1" noChangeShapeType="1" noTextEdit="1"/>
+          </p:cNvSpPr>
+          <p:nvPr>
+            <p:extLst>
+              <p:ext uri="{386F3935-93C4-4BCD-93E2-E3B085C9AB24}">
+                <p16:designElem xmlns:p16="http://schemas.microsoft.com/office/powerpoint/2015/main" val="1"/>
+              </p:ext>
+            </p:extLst>
+          </p:nvPr>
+        </p:nvSpPr>
+        <p:spPr>
+          <a:xfrm>
+            <a:off x="10208695" y="1"/>
+            <a:ext cx="1135066" cy="477997"/>
+          </a:xfrm>
+          <a:custGeom>
+            <a:avLst/>
+            <a:gdLst/>
+            <a:ahLst/>
+            <a:cxnLst/>
+            <a:rect l="l" t="t" r="r" b="b"/>
+            <a:pathLst>
+              <a:path w="1135066" h="477997">
+                <a:moveTo>
+                  <a:pt x="0" y="0"/>
+                </a:moveTo>
+                <a:lnTo>
+                  <a:pt x="1135066" y="0"/>
+                </a:lnTo>
+                <a:lnTo>
+                  <a:pt x="1133370" y="16827"/>
+                </a:lnTo>
+                <a:cubicBezTo>
+                  <a:pt x="1079514" y="280016"/>
+                  <a:pt x="846644" y="477997"/>
+                  <a:pt x="567533" y="477997"/>
+                </a:cubicBezTo>
+                <a:cubicBezTo>
+                  <a:pt x="288422" y="477997"/>
+                  <a:pt x="55552" y="280016"/>
+                  <a:pt x="1696" y="16827"/>
+                </a:cubicBezTo>
+                <a:close/>
+              </a:path>
+            </a:pathLst>
+          </a:custGeom>
+          <a:solidFill>
+            <a:schemeClr val="accent4"/>
+          </a:solidFill>
+          <a:ln>
+            <a:noFill/>
+          </a:ln>
+        </p:spPr>
+        <p:style>
+          <a:lnRef idx="2">
+            <a:schemeClr val="accent1">
+              <a:shade val="50000"/>
+            </a:schemeClr>
+          </a:lnRef>
+          <a:fillRef idx="1">
+            <a:schemeClr val="accent1"/>
+          </a:fillRef>
+          <a:effectRef idx="0">
+            <a:schemeClr val="accent1"/>
+          </a:effectRef>
+          <a:fontRef idx="minor">
+            <a:schemeClr val="lt1"/>
+          </a:fontRef>
+        </p:style>
+        <p:txBody>
+          <a:bodyPr wrap="square" rtlCol="0" anchor="ctr">
+            <a:noAutofit/>
+          </a:bodyPr>
+          <a:lstStyle/>
+          <a:p>
+            <a:pPr marL="0" marR="0" lvl="0" indent="0" algn="ctr" defTabSz="914400" rtl="0" eaLnBrk="1" fontAlgn="auto" latinLnBrk="0" hangingPunct="1">
+              <a:lnSpc>
+                <a:spcPct val="100000"/>
+              </a:lnSpc>
+              <a:spcBef>
+                <a:spcPts val="0"/>
+              </a:spcBef>
+              <a:spcAft>
+                <a:spcPts val="0"/>
+              </a:spcAft>
+              <a:buClrTx/>
+              <a:buSzTx/>
+              <a:buFontTx/>
+              <a:buNone/>
+              <a:tabLst/>
+              <a:defRPr/>
+            </a:pPr>
+            <a:endParaRPr kumimoji="0" lang="en-US" sz="1800" b="0" i="0" u="none" strike="noStrike" kern="1200" cap="none" spc="0" normalizeH="0" baseline="0" noProof="0">
+              <a:ln>
+                <a:noFill/>
+              </a:ln>
+              <a:solidFill>
+                <a:prstClr val="white"/>
+              </a:solidFill>
+              <a:effectLst/>
+              <a:uLnTx/>
+              <a:uFillTx/>
+              <a:latin typeface="Calibri" panose="020F0502020204030204"/>
+              <a:ea typeface="+mn-ea"/>
+              <a:cs typeface="+mn-cs"/>
+            </a:endParaRPr>
+          </a:p>
+        </p:txBody>
+      </p:sp>
+      <p:sp>
+        <p:nvSpPr>
+          <p:cNvPr id="21" name="Arc 20">
+            <a:extLst>
+              <a:ext uri="{FF2B5EF4-FFF2-40B4-BE49-F238E27FC236}">
+                <a16:creationId xmlns:a16="http://schemas.microsoft.com/office/drawing/2014/main" id="{2B30C86D-5A07-48BC-9C9D-6F9A2DB1E9E1}"/>
+              </a:ext>
+              <a:ext uri="{C183D7F6-B498-43B3-948B-1728B52AA6E4}">
+                <adec:decorative xmlns:adec="http://schemas.microsoft.com/office/drawing/2017/decorative" val="1"/>
+              </a:ext>
+            </a:extLst>
+          </p:cNvPr>
+          <p:cNvSpPr>
+            <a:spLocks noGrp="1" noRot="1" noChangeAspect="1" noMove="1" noResize="1" noEditPoints="1" noAdjustHandles="1" noChangeArrowheads="1" noChangeShapeType="1" noTextEdit="1"/>
+          </p:cNvSpPr>
+          <p:nvPr>
+            <p:extLst>
+              <p:ext uri="{386F3935-93C4-4BCD-93E2-E3B085C9AB24}">
+                <p16:designElem xmlns:p16="http://schemas.microsoft.com/office/powerpoint/2015/main" val="1"/>
+              </p:ext>
+            </p:extLst>
+          </p:nvPr>
+        </p:nvSpPr>
+        <p:spPr>
+          <a:xfrm rot="10800000" flipV="1">
+            <a:off x="555710" y="1064829"/>
+            <a:ext cx="4083433" cy="4083433"/>
+          </a:xfrm>
+          <a:prstGeom prst="arc">
+            <a:avLst/>
+          </a:prstGeom>
+          <a:ln w="127000" cap="rnd">
+            <a:solidFill>
+              <a:schemeClr val="accent4"/>
+            </a:solidFill>
+            <a:prstDash val="dash"/>
+          </a:ln>
+        </p:spPr>
+        <p:style>
+          <a:lnRef idx="1">
+            <a:schemeClr val="accent1"/>
+          </a:lnRef>
+          <a:fillRef idx="0">
+            <a:schemeClr val="accent1"/>
+          </a:fillRef>
+          <a:effectRef idx="0">
+            <a:schemeClr val="accent1"/>
+          </a:effectRef>
+          <a:fontRef idx="minor">
+            <a:schemeClr val="tx1"/>
+          </a:fontRef>
+        </p:style>
+        <p:txBody>
+          <a:bodyPr rtlCol="0" anchor="ctr"/>
+          <a:lstStyle/>
+          <a:p>
+            <a:pPr marL="0" marR="0" lvl="0" indent="0" algn="ctr" defTabSz="914400" rtl="0" eaLnBrk="1" fontAlgn="auto" latinLnBrk="0" hangingPunct="1">
+              <a:lnSpc>
+                <a:spcPct val="100000"/>
+              </a:lnSpc>
+              <a:spcBef>
+                <a:spcPts val="0"/>
+              </a:spcBef>
+              <a:spcAft>
+                <a:spcPts val="0"/>
+              </a:spcAft>
+              <a:buClrTx/>
+              <a:buSzTx/>
+              <a:buFontTx/>
+              <a:buNone/>
+              <a:tabLst/>
+              <a:defRPr/>
+            </a:pPr>
+            <a:endParaRPr kumimoji="0" lang="en-US" sz="1800" b="0" i="0" u="none" strike="noStrike" kern="1200" cap="none" spc="0" normalizeH="0" baseline="0" noProof="0" dirty="0">
+              <a:ln>
+                <a:noFill/>
+              </a:ln>
+              <a:solidFill>
+                <a:prstClr val="black"/>
+              </a:solidFill>
+              <a:effectLst/>
+              <a:uLnTx/>
+              <a:uFillTx/>
+              <a:latin typeface="Calibri" panose="020F0502020204030204"/>
+              <a:ea typeface="+mn-ea"/>
+              <a:cs typeface="+mn-cs"/>
+            </a:endParaRPr>
+          </a:p>
+        </p:txBody>
+      </p:sp>
+      <p:sp useBgFill="1">
+        <p:nvSpPr>
+          <p:cNvPr id="23" name="Rectangle 22">
+            <a:extLst>
+              <a:ext uri="{FF2B5EF4-FFF2-40B4-BE49-F238E27FC236}">
+                <a16:creationId xmlns:a16="http://schemas.microsoft.com/office/drawing/2014/main" id="{DD453324-C6A3-43E4-B553-D28495028D01}"/>
+              </a:ext>
+              <a:ext uri="{C183D7F6-B498-43B3-948B-1728B52AA6E4}">
+                <adec:decorative xmlns:adec="http://schemas.microsoft.com/office/drawing/2017/decorative" val="1"/>
+              </a:ext>
+            </a:extLst>
+          </p:cNvPr>
+          <p:cNvSpPr>
+            <a:spLocks noGrp="1" noRot="1" noChangeAspect="1" noMove="1" noResize="1" noEditPoints="1" noAdjustHandles="1" noChangeArrowheads="1" noChangeShapeType="1" noTextEdit="1"/>
+          </p:cNvSpPr>
+          <p:nvPr>
+            <p:extLst>
+              <p:ext uri="{386F3935-93C4-4BCD-93E2-E3B085C9AB24}">
+                <p16:designElem xmlns:p16="http://schemas.microsoft.com/office/powerpoint/2015/main" val="1"/>
+              </p:ext>
+            </p:extLst>
+          </p:nvPr>
+        </p:nvSpPr>
+        <p:spPr>
+          <a:xfrm>
+            <a:off x="0" y="0"/>
+            <a:ext cx="12192000" cy="6858000"/>
+          </a:xfrm>
+          <a:prstGeom prst="rect">
+            <a:avLst/>
+          </a:prstGeom>
+          <a:ln>
+            <a:noFill/>
+          </a:ln>
+        </p:spPr>
+        <p:style>
+          <a:lnRef idx="2">
+            <a:schemeClr val="accent1">
+              <a:shade val="50000"/>
+            </a:schemeClr>
+          </a:lnRef>
+          <a:fillRef idx="1">
+            <a:schemeClr val="accent1"/>
+          </a:fillRef>
+          <a:effectRef idx="0">
+            <a:schemeClr val="accent1"/>
+          </a:effectRef>
+          <a:fontRef idx="minor">
+            <a:schemeClr val="lt1"/>
+          </a:fontRef>
+        </p:style>
+        <p:txBody>
+          <a:bodyPr rtlCol="0" anchor="ctr"/>
+          <a:lstStyle/>
+          <a:p>
+            <a:pPr marL="0" marR="0" lvl="0" indent="0" algn="ctr" defTabSz="914400" rtl="0" eaLnBrk="1" fontAlgn="auto" latinLnBrk="0" hangingPunct="1">
+              <a:lnSpc>
+                <a:spcPct val="100000"/>
+              </a:lnSpc>
+              <a:spcBef>
+                <a:spcPts val="0"/>
+              </a:spcBef>
+              <a:spcAft>
+                <a:spcPts val="0"/>
+              </a:spcAft>
+              <a:buClrTx/>
+              <a:buSzTx/>
+              <a:buFontTx/>
+              <a:buNone/>
+              <a:tabLst/>
+              <a:defRPr/>
+            </a:pPr>
+            <a:endParaRPr kumimoji="0" lang="en-US" sz="1800" b="0" i="0" u="none" strike="noStrike" kern="1200" cap="none" spc="0" normalizeH="0" baseline="0" noProof="0">
+              <a:ln>
+                <a:noFill/>
+              </a:ln>
+              <a:solidFill>
+                <a:prstClr val="white"/>
+              </a:solidFill>
+              <a:effectLst/>
+              <a:uLnTx/>
+              <a:uFillTx/>
+              <a:latin typeface="Calibri" panose="020F0502020204030204"/>
+              <a:ea typeface="+mn-ea"/>
+              <a:cs typeface="+mn-cs"/>
+            </a:endParaRPr>
+          </a:p>
+        </p:txBody>
+      </p:sp>
+      <p:sp>
+        <p:nvSpPr>
+          <p:cNvPr id="25" name="Freeform: Shape 24">
+            <a:extLst>
+              <a:ext uri="{FF2B5EF4-FFF2-40B4-BE49-F238E27FC236}">
+                <a16:creationId xmlns:a16="http://schemas.microsoft.com/office/drawing/2014/main" id="{E2635EE6-D269-46B5-8431-4D0F084D44A9}"/>
+              </a:ext>
+              <a:ext uri="{C183D7F6-B498-43B3-948B-1728B52AA6E4}">
+                <adec:decorative xmlns:adec="http://schemas.microsoft.com/office/drawing/2017/decorative" val="1"/>
+              </a:ext>
+            </a:extLst>
+          </p:cNvPr>
+          <p:cNvSpPr>
+            <a:spLocks noGrp="1" noRot="1" noChangeAspect="1" noMove="1" noResize="1" noEditPoints="1" noAdjustHandles="1" noChangeArrowheads="1" noChangeShapeType="1" noTextEdit="1"/>
+          </p:cNvSpPr>
+          <p:nvPr>
+            <p:extLst>
+              <p:ext uri="{386F3935-93C4-4BCD-93E2-E3B085C9AB24}">
+                <p16:designElem xmlns:p16="http://schemas.microsoft.com/office/powerpoint/2015/main" val="1"/>
+              </p:ext>
+            </p:extLst>
+          </p:nvPr>
+        </p:nvSpPr>
+        <p:spPr>
+          <a:xfrm>
+            <a:off x="-2" y="-4"/>
+            <a:ext cx="6252552" cy="6858003"/>
+          </a:xfrm>
+          <a:custGeom>
+            <a:avLst/>
+            <a:gdLst>
+              <a:gd name="connsiteX0" fmla="*/ 2609706 w 6252552"/>
+              <a:gd name="connsiteY0" fmla="*/ 0 h 6858003"/>
+              <a:gd name="connsiteX1" fmla="*/ 6252552 w 6252552"/>
+              <a:gd name="connsiteY1" fmla="*/ 0 h 6858003"/>
+              <a:gd name="connsiteX2" fmla="*/ 6252552 w 6252552"/>
+              <a:gd name="connsiteY2" fmla="*/ 6858002 h 6858003"/>
+              <a:gd name="connsiteX3" fmla="*/ 6228060 w 6252552"/>
+              <a:gd name="connsiteY3" fmla="*/ 6858002 h 6858003"/>
+              <a:gd name="connsiteX4" fmla="*/ 6228060 w 6252552"/>
+              <a:gd name="connsiteY4" fmla="*/ 6858003 h 6858003"/>
+              <a:gd name="connsiteX5" fmla="*/ 0 w 6252552"/>
+              <a:gd name="connsiteY5" fmla="*/ 6858003 h 6858003"/>
+              <a:gd name="connsiteX6" fmla="*/ 0 w 6252552"/>
+              <a:gd name="connsiteY6" fmla="*/ 1 h 6858003"/>
+              <a:gd name="connsiteX7" fmla="*/ 2609701 w 6252552"/>
+              <a:gd name="connsiteY7" fmla="*/ 1 h 6858003"/>
+            </a:gdLst>
+            <a:ahLst/>
+            <a:cxnLst>
+              <a:cxn ang="0">
+                <a:pos x="connsiteX0" y="connsiteY0"/>
+              </a:cxn>
+              <a:cxn ang="0">
+                <a:pos x="connsiteX1" y="connsiteY1"/>
+              </a:cxn>
+              <a:cxn ang="0">
+                <a:pos x="connsiteX2" y="connsiteY2"/>
+              </a:cxn>
+              <a:cxn ang="0">
+                <a:pos x="connsiteX3" y="connsiteY3"/>
+              </a:cxn>
+              <a:cxn ang="0">
+                <a:pos x="connsiteX4" y="connsiteY4"/>
+              </a:cxn>
+              <a:cxn ang="0">
+                <a:pos x="connsiteX5" y="connsiteY5"/>
+              </a:cxn>
+              <a:cxn ang="0">
+                <a:pos x="connsiteX6" y="connsiteY6"/>
+              </a:cxn>
+              <a:cxn ang="0">
+                <a:pos x="connsiteX7" y="connsiteY7"/>
+              </a:cxn>
+            </a:cxnLst>
+            <a:rect l="l" t="t" r="r" b="b"/>
+            <a:pathLst>
+              <a:path w="6252552" h="6858003">
+                <a:moveTo>
+                  <a:pt x="2609706" y="0"/>
+                </a:moveTo>
+                <a:lnTo>
+                  <a:pt x="6252552" y="0"/>
+                </a:lnTo>
+                <a:lnTo>
+                  <a:pt x="6252552" y="6858002"/>
+                </a:lnTo>
+                <a:lnTo>
+                  <a:pt x="6228060" y="6858002"/>
+                </a:lnTo>
+                <a:lnTo>
+                  <a:pt x="6228060" y="6858003"/>
+                </a:lnTo>
+                <a:lnTo>
+                  <a:pt x="0" y="6858003"/>
+                </a:lnTo>
+                <a:lnTo>
+                  <a:pt x="0" y="1"/>
+                </a:lnTo>
+                <a:lnTo>
+                  <a:pt x="2609701" y="1"/>
+                </a:lnTo>
+                <a:close/>
+              </a:path>
+            </a:pathLst>
+          </a:custGeom>
+          <a:solidFill>
+            <a:schemeClr val="accent2"/>
+          </a:solidFill>
+          <a:ln>
+            <a:noFill/>
+          </a:ln>
+        </p:spPr>
+        <p:style>
+          <a:lnRef idx="2">
+            <a:schemeClr val="accent1">
+              <a:shade val="50000"/>
+            </a:schemeClr>
+          </a:lnRef>
+          <a:fillRef idx="1">
+            <a:schemeClr val="accent1"/>
+          </a:fillRef>
+          <a:effectRef idx="0">
+            <a:schemeClr val="accent1"/>
+          </a:effectRef>
+          <a:fontRef idx="minor">
+            <a:schemeClr val="lt1"/>
+          </a:fontRef>
+        </p:style>
+        <p:txBody>
+          <a:bodyPr rtlCol="0" anchor="ctr"/>
+          <a:lstStyle/>
+          <a:p>
+            <a:pPr marL="0" marR="0" lvl="0" indent="0" algn="ctr" defTabSz="914400" rtl="0" eaLnBrk="1" fontAlgn="auto" latinLnBrk="0" hangingPunct="1">
+              <a:lnSpc>
+                <a:spcPct val="100000"/>
+              </a:lnSpc>
+              <a:spcBef>
+                <a:spcPts val="0"/>
+              </a:spcBef>
+              <a:spcAft>
+                <a:spcPts val="0"/>
+              </a:spcAft>
+              <a:buClrTx/>
+              <a:buSzTx/>
+              <a:buFontTx/>
+              <a:buNone/>
+              <a:tabLst/>
+              <a:defRPr/>
+            </a:pPr>
+            <a:endParaRPr kumimoji="0" lang="en-US" sz="1800" b="0" i="0" u="none" strike="noStrike" kern="1200" cap="none" spc="0" normalizeH="0" baseline="0" noProof="0">
+              <a:ln>
+                <a:noFill/>
+              </a:ln>
+              <a:solidFill>
+                <a:prstClr val="white"/>
+              </a:solidFill>
+              <a:effectLst/>
+              <a:uLnTx/>
+              <a:uFillTx/>
+              <a:latin typeface="Calibri" panose="020F0502020204030204"/>
+              <a:ea typeface="+mn-ea"/>
+              <a:cs typeface="+mn-cs"/>
+            </a:endParaRPr>
+          </a:p>
+        </p:txBody>
+      </p:sp>
+      <p:sp>
+        <p:nvSpPr>
+          <p:cNvPr id="27" name="Arc 26">
+            <a:extLst>
+              <a:ext uri="{FF2B5EF4-FFF2-40B4-BE49-F238E27FC236}">
+                <a16:creationId xmlns:a16="http://schemas.microsoft.com/office/drawing/2014/main" id="{18E928D9-3091-4385-B979-265D55AD02CE}"/>
+              </a:ext>
+              <a:ext uri="{C183D7F6-B498-43B3-948B-1728B52AA6E4}">
+                <adec:decorative xmlns:adec="http://schemas.microsoft.com/office/drawing/2017/decorative" val="1"/>
+              </a:ext>
+            </a:extLst>
+          </p:cNvPr>
+          <p:cNvSpPr>
+            <a:spLocks noGrp="1" noRot="1" noChangeAspect="1" noMove="1" noResize="1" noEditPoints="1" noAdjustHandles="1" noChangeArrowheads="1" noChangeShapeType="1" noTextEdit="1"/>
+          </p:cNvSpPr>
+          <p:nvPr>
+            <p:extLst>
+              <p:ext uri="{386F3935-93C4-4BCD-93E2-E3B085C9AB24}">
+                <p16:designElem xmlns:p16="http://schemas.microsoft.com/office/powerpoint/2015/main" val="1"/>
+              </p:ext>
+            </p:extLst>
+          </p:nvPr>
+        </p:nvSpPr>
+        <p:spPr>
+          <a:xfrm rot="303011">
+            <a:off x="2974408" y="700861"/>
+            <a:ext cx="2987899" cy="2987899"/>
+          </a:xfrm>
+          <a:prstGeom prst="arc">
+            <a:avLst>
+              <a:gd name="adj1" fmla="val 14612914"/>
+              <a:gd name="adj2" fmla="val 0"/>
+            </a:avLst>
+          </a:prstGeom>
+          <a:ln w="127000" cap="rnd">
+            <a:solidFill>
+              <a:schemeClr val="accent2">
+                <a:lumMod val="75000"/>
+              </a:schemeClr>
+            </a:solidFill>
+            <a:prstDash val="dash"/>
+          </a:ln>
+        </p:spPr>
+        <p:style>
+          <a:lnRef idx="1">
+            <a:schemeClr val="accent1"/>
+          </a:lnRef>
+          <a:fillRef idx="0">
+            <a:schemeClr val="accent1"/>
+          </a:fillRef>
+          <a:effectRef idx="0">
+            <a:schemeClr val="accent1"/>
+          </a:effectRef>
+          <a:fontRef idx="minor">
+            <a:schemeClr val="tx1"/>
+          </a:fontRef>
+        </p:style>
+        <p:txBody>
+          <a:bodyPr rtlCol="0" anchor="ctr"/>
+          <a:lstStyle/>
+          <a:p>
+            <a:pPr marL="0" marR="0" lvl="0" indent="0" algn="ctr" defTabSz="914400" rtl="0" eaLnBrk="1" fontAlgn="auto" latinLnBrk="0" hangingPunct="1">
+              <a:lnSpc>
+                <a:spcPct val="100000"/>
+              </a:lnSpc>
+              <a:spcBef>
+                <a:spcPts val="0"/>
+              </a:spcBef>
+              <a:spcAft>
+                <a:spcPts val="0"/>
+              </a:spcAft>
+              <a:buClrTx/>
+              <a:buSzTx/>
+              <a:buFontTx/>
+              <a:buNone/>
+              <a:tabLst/>
+              <a:defRPr/>
+            </a:pPr>
+            <a:endParaRPr kumimoji="0" lang="en-US" sz="1800" b="0" i="0" u="none" strike="noStrike" kern="1200" cap="none" spc="0" normalizeH="0" baseline="0" noProof="0">
+              <a:ln>
+                <a:noFill/>
+              </a:ln>
+              <a:solidFill>
+                <a:srgbClr val="000000"/>
+              </a:solidFill>
+              <a:effectLst/>
+              <a:uLnTx/>
+              <a:uFillTx/>
+              <a:latin typeface="Calibri" panose="020F0502020204030204"/>
+              <a:ea typeface="+mn-ea"/>
+              <a:cs typeface="+mn-cs"/>
+            </a:endParaRPr>
+          </a:p>
+        </p:txBody>
+      </p:sp>
+      <p:sp>
+        <p:nvSpPr>
+          <p:cNvPr id="8" name="Título 1">
+            <a:extLst>
+              <a:ext uri="{FF2B5EF4-FFF2-40B4-BE49-F238E27FC236}">
+                <a16:creationId xmlns:a16="http://schemas.microsoft.com/office/drawing/2014/main" id="{C99B1FD4-A767-4B4A-B51E-74C2C858EA84}"/>
               </a:ext>
             </a:extLst>
           </p:cNvPr>
@@ -8906,28 +10100,46 @@
             <p:ph type="title"/>
           </p:nvPr>
         </p:nvSpPr>
-        <p:spPr/>
+        <p:spPr>
+          <a:xfrm>
+            <a:off x="555709" y="704494"/>
+            <a:ext cx="5271106" cy="1111242"/>
+          </a:xfrm>
+        </p:spPr>
         <p:txBody>
-          <a:bodyPr/>
+          <a:bodyPr vert="horz" lIns="91440" tIns="45720" rIns="91440" bIns="45720" rtlCol="0" anchor="b">
+            <a:normAutofit/>
+          </a:bodyPr>
           <a:lstStyle/>
           <a:p>
             <a:r>
-              <a:rPr lang="es-CO" b="1" dirty="0">
+              <a:rPr lang="en-US" sz="4800" b="1" kern="1200" dirty="0">
                 <a:solidFill>
                   <a:srgbClr val="F46F0C"/>
                 </a:solidFill>
+                <a:latin typeface="+mj-lt"/>
+                <a:ea typeface="+mj-ea"/>
+                <a:cs typeface="+mj-cs"/>
               </a:rPr>
-              <a:t>CONTENIDOS / NUTRIENTE</a:t>
-            </a:r>
+              <a:t>VARIABLES</a:t>
+            </a:r>
+            <a:endParaRPr lang="en-US" sz="6000" b="1" kern="1200" dirty="0">
+              <a:solidFill>
+                <a:srgbClr val="F46F0C"/>
+              </a:solidFill>
+              <a:latin typeface="+mj-lt"/>
+              <a:ea typeface="+mj-ea"/>
+              <a:cs typeface="+mj-cs"/>
+            </a:endParaRPr>
           </a:p>
         </p:txBody>
       </p:sp>
       <p:pic>
         <p:nvPicPr>
-          <p:cNvPr id="12" name="Picture 4" descr="green leaf plants on black soil illustration">
-            <a:extLst>
-              <a:ext uri="{FF2B5EF4-FFF2-40B4-BE49-F238E27FC236}">
-                <a16:creationId xmlns:a16="http://schemas.microsoft.com/office/drawing/2014/main" id="{18D1177C-0562-45BA-BA28-821CE20720C5}"/>
+          <p:cNvPr id="5" name="Picture 4" descr="gráfico de múltiples líneas variables">
+            <a:extLst>
+              <a:ext uri="{FF2B5EF4-FFF2-40B4-BE49-F238E27FC236}">
+                <a16:creationId xmlns:a16="http://schemas.microsoft.com/office/drawing/2014/main" id="{1AED06CE-2867-4698-A15D-49343A38014E}"/>
               </a:ext>
             </a:extLst>
           </p:cNvPr>
@@ -8936,28 +10148,69 @@
           </p:cNvPicPr>
           <p:nvPr/>
         </p:nvPicPr>
-        <p:blipFill>
+        <p:blipFill rotWithShape="1">
           <a:blip r:embed="rId2">
-            <a:alphaModFix amt="20000"/>
             <a:extLst>
               <a:ext uri="{28A0092B-C50C-407E-A947-70E740481C1C}">
                 <a14:useLocalDpi xmlns:a14="http://schemas.microsoft.com/office/drawing/2010/main" val="0"/>
               </a:ext>
             </a:extLst>
           </a:blip>
-          <a:srcRect/>
-          <a:stretch>
-            <a:fillRect/>
-          </a:stretch>
+          <a:srcRect t="26955" b="15174"/>
+          <a:stretch/>
         </p:blipFill>
         <p:spPr bwMode="auto">
           <a:xfrm>
-            <a:off x="5356234" y="0"/>
-            <a:ext cx="6687923" cy="6687923"/>
+            <a:off x="6509916" y="143441"/>
+            <a:ext cx="5431801" cy="3143436"/>
           </a:xfrm>
-          <a:prstGeom prst="rect">
+          <a:custGeom>
             <a:avLst/>
-          </a:prstGeom>
+            <a:gdLst/>
+            <a:ahLst/>
+            <a:cxnLst/>
+            <a:rect l="l" t="t" r="r" b="b"/>
+            <a:pathLst>
+              <a:path w="5096871" h="3143436">
+                <a:moveTo>
+                  <a:pt x="75600" y="0"/>
+                </a:moveTo>
+                <a:lnTo>
+                  <a:pt x="5021271" y="0"/>
+                </a:lnTo>
+                <a:cubicBezTo>
+                  <a:pt x="5063024" y="0"/>
+                  <a:pt x="5096871" y="33847"/>
+                  <a:pt x="5096871" y="75600"/>
+                </a:cubicBezTo>
+                <a:lnTo>
+                  <a:pt x="5096871" y="3067836"/>
+                </a:lnTo>
+                <a:cubicBezTo>
+                  <a:pt x="5096871" y="3109589"/>
+                  <a:pt x="5063024" y="3143436"/>
+                  <a:pt x="5021271" y="3143436"/>
+                </a:cubicBezTo>
+                <a:lnTo>
+                  <a:pt x="75600" y="3143436"/>
+                </a:lnTo>
+                <a:cubicBezTo>
+                  <a:pt x="33847" y="3143436"/>
+                  <a:pt x="0" y="3109589"/>
+                  <a:pt x="0" y="3067836"/>
+                </a:cubicBezTo>
+                <a:lnTo>
+                  <a:pt x="0" y="75600"/>
+                </a:lnTo>
+                <a:cubicBezTo>
+                  <a:pt x="0" y="33847"/>
+                  <a:pt x="33847" y="0"/>
+                  <a:pt x="75600" y="0"/>
+                </a:cubicBezTo>
+                <a:close/>
+              </a:path>
+            </a:pathLst>
+          </a:custGeom>
           <a:noFill/>
           <a:extLst>
             <a:ext uri="{909E8E84-426E-40DD-AFC4-6F175D3DCCD1}">
@@ -8972,10 +10225,193 @@
       </p:pic>
       <p:sp>
         <p:nvSpPr>
-          <p:cNvPr id="20" name="Marcador de contenido 1">
-            <a:extLst>
-              <a:ext uri="{FF2B5EF4-FFF2-40B4-BE49-F238E27FC236}">
-                <a16:creationId xmlns:a16="http://schemas.microsoft.com/office/drawing/2014/main" id="{4F02FFA1-71E2-4192-A397-4422B3258F1C}"/>
+          <p:cNvPr id="29" name="Oval 28">
+            <a:extLst>
+              <a:ext uri="{FF2B5EF4-FFF2-40B4-BE49-F238E27FC236}">
+                <a16:creationId xmlns:a16="http://schemas.microsoft.com/office/drawing/2014/main" id="{7D602432-D774-4CF5-94E8-7D52D01059D2}"/>
+              </a:ext>
+              <a:ext uri="{C183D7F6-B498-43B3-948B-1728B52AA6E4}">
+                <adec:decorative xmlns:adec="http://schemas.microsoft.com/office/drawing/2017/decorative" val="1"/>
+              </a:ext>
+            </a:extLst>
+          </p:cNvPr>
+          <p:cNvSpPr>
+            <a:spLocks noGrp="1" noRot="1" noChangeAspect="1" noMove="1" noResize="1" noEditPoints="1" noAdjustHandles="1" noChangeArrowheads="1" noChangeShapeType="1" noTextEdit="1"/>
+          </p:cNvSpPr>
+          <p:nvPr>
+            <p:extLst>
+              <p:ext uri="{386F3935-93C4-4BCD-93E2-E3B085C9AB24}">
+                <p16:designElem xmlns:p16="http://schemas.microsoft.com/office/powerpoint/2015/main" val="1"/>
+              </p:ext>
+            </p:extLst>
+          </p:nvPr>
+        </p:nvSpPr>
+        <p:spPr>
+          <a:xfrm>
+            <a:off x="1201186" y="5486807"/>
+            <a:ext cx="491961" cy="491961"/>
+          </a:xfrm>
+          <a:prstGeom prst="ellipse">
+            <a:avLst/>
+          </a:prstGeom>
+          <a:solidFill>
+            <a:schemeClr val="accent2">
+              <a:lumMod val="75000"/>
+            </a:schemeClr>
+          </a:solidFill>
+          <a:ln>
+            <a:noFill/>
+          </a:ln>
+        </p:spPr>
+        <p:style>
+          <a:lnRef idx="2">
+            <a:schemeClr val="accent1">
+              <a:shade val="50000"/>
+            </a:schemeClr>
+          </a:lnRef>
+          <a:fillRef idx="1">
+            <a:schemeClr val="accent1"/>
+          </a:fillRef>
+          <a:effectRef idx="0">
+            <a:schemeClr val="accent1"/>
+          </a:effectRef>
+          <a:fontRef idx="minor">
+            <a:schemeClr val="lt1"/>
+          </a:fontRef>
+        </p:style>
+        <p:txBody>
+          <a:bodyPr rtlCol="0" anchor="ctr"/>
+          <a:lstStyle/>
+          <a:p>
+            <a:pPr marL="0" marR="0" lvl="0" indent="0" algn="ctr" defTabSz="914400" rtl="0" eaLnBrk="1" fontAlgn="auto" latinLnBrk="0" hangingPunct="1">
+              <a:lnSpc>
+                <a:spcPct val="100000"/>
+              </a:lnSpc>
+              <a:spcBef>
+                <a:spcPts val="0"/>
+              </a:spcBef>
+              <a:spcAft>
+                <a:spcPts val="0"/>
+              </a:spcAft>
+              <a:buClrTx/>
+              <a:buSzTx/>
+              <a:buFontTx/>
+              <a:buNone/>
+              <a:tabLst/>
+              <a:defRPr/>
+            </a:pPr>
+            <a:endParaRPr kumimoji="0" lang="en-US" sz="1800" b="0" i="0" u="none" strike="noStrike" kern="1200" cap="none" spc="0" normalizeH="0" baseline="0" noProof="0">
+              <a:ln>
+                <a:noFill/>
+              </a:ln>
+              <a:solidFill>
+                <a:srgbClr val="FFFFFF"/>
+              </a:solidFill>
+              <a:effectLst/>
+              <a:uLnTx/>
+              <a:uFillTx/>
+              <a:latin typeface="Calibri" panose="020F0502020204030204"/>
+              <a:ea typeface="+mn-ea"/>
+              <a:cs typeface="+mn-cs"/>
+            </a:endParaRPr>
+          </a:p>
+        </p:txBody>
+      </p:sp>
+      <p:pic>
+        <p:nvPicPr>
+          <p:cNvPr id="6" name="Picture 6" descr="suelo icono gratis">
+            <a:extLst>
+              <a:ext uri="{FF2B5EF4-FFF2-40B4-BE49-F238E27FC236}">
+                <a16:creationId xmlns:a16="http://schemas.microsoft.com/office/drawing/2014/main" id="{9EAE75E7-27C7-475D-B335-C247877CC4B5}"/>
+              </a:ext>
+            </a:extLst>
+          </p:cNvPr>
+          <p:cNvPicPr>
+            <a:picLocks noChangeAspect="1" noChangeArrowheads="1"/>
+          </p:cNvPicPr>
+          <p:nvPr/>
+        </p:nvPicPr>
+        <p:blipFill rotWithShape="1">
+          <a:blip r:embed="rId3">
+            <a:extLst>
+              <a:ext uri="{28A0092B-C50C-407E-A947-70E740481C1C}">
+                <a14:useLocalDpi xmlns:a14="http://schemas.microsoft.com/office/drawing/2010/main" val="0"/>
+              </a:ext>
+            </a:extLst>
+          </a:blip>
+          <a:srcRect t="22290" r="4" b="19036"/>
+          <a:stretch/>
+        </p:blipFill>
+        <p:spPr bwMode="auto">
+          <a:xfrm>
+            <a:off x="6496428" y="3502644"/>
+            <a:ext cx="5431801" cy="3187173"/>
+          </a:xfrm>
+          <a:custGeom>
+            <a:avLst/>
+            <a:gdLst/>
+            <a:ahLst/>
+            <a:cxnLst/>
+            <a:rect l="l" t="t" r="r" b="b"/>
+            <a:pathLst>
+              <a:path w="5096871" h="3187173">
+                <a:moveTo>
+                  <a:pt x="76652" y="0"/>
+                </a:moveTo>
+                <a:lnTo>
+                  <a:pt x="5020219" y="0"/>
+                </a:lnTo>
+                <a:cubicBezTo>
+                  <a:pt x="5062553" y="0"/>
+                  <a:pt x="5096871" y="34318"/>
+                  <a:pt x="5096871" y="76652"/>
+                </a:cubicBezTo>
+                <a:lnTo>
+                  <a:pt x="5096871" y="3110521"/>
+                </a:lnTo>
+                <a:cubicBezTo>
+                  <a:pt x="5096871" y="3152855"/>
+                  <a:pt x="5062553" y="3187173"/>
+                  <a:pt x="5020219" y="3187173"/>
+                </a:cubicBezTo>
+                <a:lnTo>
+                  <a:pt x="76652" y="3187173"/>
+                </a:lnTo>
+                <a:cubicBezTo>
+                  <a:pt x="34318" y="3187173"/>
+                  <a:pt x="0" y="3152855"/>
+                  <a:pt x="0" y="3110521"/>
+                </a:cubicBezTo>
+                <a:lnTo>
+                  <a:pt x="0" y="76652"/>
+                </a:lnTo>
+                <a:cubicBezTo>
+                  <a:pt x="0" y="34318"/>
+                  <a:pt x="34318" y="0"/>
+                  <a:pt x="76652" y="0"/>
+                </a:cubicBezTo>
+                <a:close/>
+              </a:path>
+            </a:pathLst>
+          </a:custGeom>
+          <a:noFill/>
+          <a:extLst>
+            <a:ext uri="{909E8E84-426E-40DD-AFC4-6F175D3DCCD1}">
+              <a14:hiddenFill xmlns:a14="http://schemas.microsoft.com/office/drawing/2010/main">
+                <a:solidFill>
+                  <a:srgbClr val="FFFFFF"/>
+                </a:solidFill>
+              </a14:hiddenFill>
+            </a:ext>
+          </a:extLst>
+        </p:spPr>
+      </p:pic>
+      <p:sp>
+        <p:nvSpPr>
+          <p:cNvPr id="14" name="Marcador de contenido 2">
+            <a:extLst>
+              <a:ext uri="{FF2B5EF4-FFF2-40B4-BE49-F238E27FC236}">
+                <a16:creationId xmlns:a16="http://schemas.microsoft.com/office/drawing/2014/main" id="{83156520-6064-4D19-A373-1243CED1414A}"/>
               </a:ext>
             </a:extLst>
           </p:cNvPr>
@@ -8986,8 +10422,8 @@
         </p:nvSpPr>
         <p:spPr>
           <a:xfrm>
-            <a:off x="336198" y="1455504"/>
-            <a:ext cx="9430654" cy="439558"/>
+            <a:off x="4954434" y="4192608"/>
+            <a:ext cx="6285651" cy="1860272"/>
           </a:xfrm>
           <a:prstGeom prst="rect">
             <a:avLst/>
@@ -9162,20 +10598,539 @@
             </a:lvl9pPr>
           </a:lstStyle>
           <a:p>
-            <a:pPr marL="0" indent="0">
-              <a:buNone/>
-            </a:pPr>
-            <a:r>
-              <a:rPr lang="es-CO" sz="2200" dirty="0"/>
-              <a:t>GRÁFICAS</a:t>
-            </a:r>
+            <a:endParaRPr lang="es-CO" sz="2100" dirty="0"/>
           </a:p>
         </p:txBody>
       </p:sp>
+      <p:graphicFrame>
+        <p:nvGraphicFramePr>
+          <p:cNvPr id="9" name="Tabla 8">
+            <a:extLst>
+              <a:ext uri="{FF2B5EF4-FFF2-40B4-BE49-F238E27FC236}">
+                <a16:creationId xmlns:a16="http://schemas.microsoft.com/office/drawing/2014/main" id="{2D37E1DF-8E47-4C74-AD77-BCC218A3096C}"/>
+              </a:ext>
+            </a:extLst>
+          </p:cNvPr>
+          <p:cNvGraphicFramePr>
+            <a:graphicFrameLocks noGrp="1"/>
+          </p:cNvGraphicFramePr>
+          <p:nvPr>
+            <p:extLst>
+              <p:ext uri="{D42A27DB-BD31-4B8C-83A1-F6EECF244321}">
+                <p14:modId xmlns:p14="http://schemas.microsoft.com/office/powerpoint/2010/main" val="3261084294"/>
+              </p:ext>
+            </p:extLst>
+          </p:nvPr>
+        </p:nvGraphicFramePr>
+        <p:xfrm>
+          <a:off x="555709" y="1874586"/>
+          <a:ext cx="4904187" cy="4408262"/>
+        </p:xfrm>
+        <a:graphic>
+          <a:graphicData uri="http://schemas.openxmlformats.org/drawingml/2006/table">
+            <a:tbl>
+              <a:tblPr>
+                <a:tableStyleId>{5C22544A-7EE6-4342-B048-85BDC9FD1C3A}</a:tableStyleId>
+              </a:tblPr>
+              <a:tblGrid>
+                <a:gridCol w="1585931">
+                  <a:extLst>
+                    <a:ext uri="{9D8B030D-6E8A-4147-A177-3AD203B41FA5}">
+                      <a16:colId xmlns:a16="http://schemas.microsoft.com/office/drawing/2014/main" val="3178863027"/>
+                    </a:ext>
+                  </a:extLst>
+                </a:gridCol>
+                <a:gridCol w="1854320">
+                  <a:extLst>
+                    <a:ext uri="{9D8B030D-6E8A-4147-A177-3AD203B41FA5}">
+                      <a16:colId xmlns:a16="http://schemas.microsoft.com/office/drawing/2014/main" val="2371641755"/>
+                    </a:ext>
+                  </a:extLst>
+                </a:gridCol>
+                <a:gridCol w="1463936">
+                  <a:extLst>
+                    <a:ext uri="{9D8B030D-6E8A-4147-A177-3AD203B41FA5}">
+                      <a16:colId xmlns:a16="http://schemas.microsoft.com/office/drawing/2014/main" val="3986618590"/>
+                    </a:ext>
+                  </a:extLst>
+                </a:gridCol>
+              </a:tblGrid>
+              <a:tr h="661239">
+                <a:tc>
+                  <a:txBody>
+                    <a:bodyPr/>
+                    <a:lstStyle/>
+                    <a:p>
+                      <a:pPr algn="ctr" fontAlgn="ctr"/>
+                      <a:r>
+                        <a:rPr lang="es-CO" sz="1100" u="none" strike="noStrike">
+                          <a:effectLst/>
+                        </a:rPr>
+                        <a:t>Ph</a:t>
+                      </a:r>
+                      <a:endParaRPr lang="es-CO" sz="1100" b="0" i="0" u="none" strike="noStrike">
+                        <a:solidFill>
+                          <a:srgbClr val="000000"/>
+                        </a:solidFill>
+                        <a:effectLst/>
+                        <a:latin typeface="Calibri" panose="020F0502020204030204" pitchFamily="34" charset="0"/>
+                      </a:endParaRPr>
+                    </a:p>
+                  </a:txBody>
+                  <a:tcPr marL="9525" marR="9525" marT="9525" marB="0" anchor="ctr"/>
+                </a:tc>
+                <a:tc>
+                  <a:txBody>
+                    <a:bodyPr/>
+                    <a:lstStyle/>
+                    <a:p>
+                      <a:pPr algn="ctr" fontAlgn="ctr"/>
+                      <a:r>
+                        <a:rPr lang="es-CO" sz="1100" u="none" strike="noStrike">
+                          <a:effectLst/>
+                        </a:rPr>
+                        <a:t>Magnesio Irtercambiable (Cmol/kg)</a:t>
+                      </a:r>
+                      <a:endParaRPr lang="es-CO" sz="1100" b="0" i="0" u="none" strike="noStrike">
+                        <a:solidFill>
+                          <a:srgbClr val="000000"/>
+                        </a:solidFill>
+                        <a:effectLst/>
+                        <a:latin typeface="Calibri" panose="020F0502020204030204" pitchFamily="34" charset="0"/>
+                      </a:endParaRPr>
+                    </a:p>
+                  </a:txBody>
+                  <a:tcPr marL="9525" marR="9525" marT="9525" marB="0" anchor="ctr"/>
+                </a:tc>
+                <a:tc>
+                  <a:txBody>
+                    <a:bodyPr/>
+                    <a:lstStyle/>
+                    <a:p>
+                      <a:pPr algn="ctr" fontAlgn="ctr"/>
+                      <a:r>
+                        <a:rPr lang="es-CO" sz="1100" u="none" strike="noStrike">
+                          <a:effectLst/>
+                        </a:rPr>
+                        <a:t>Cobre Dispoble (mg/Kg)</a:t>
+                      </a:r>
+                      <a:endParaRPr lang="es-CO" sz="1100" b="0" i="0" u="none" strike="noStrike">
+                        <a:solidFill>
+                          <a:srgbClr val="000000"/>
+                        </a:solidFill>
+                        <a:effectLst/>
+                        <a:latin typeface="Calibri" panose="020F0502020204030204" pitchFamily="34" charset="0"/>
+                      </a:endParaRPr>
+                    </a:p>
+                  </a:txBody>
+                  <a:tcPr marL="9525" marR="9525" marT="9525" marB="0" anchor="ctr"/>
+                </a:tc>
+                <a:extLst>
+                  <a:ext uri="{0D108BD9-81ED-4DB2-BD59-A6C34878D82A}">
+                    <a16:rowId xmlns:a16="http://schemas.microsoft.com/office/drawing/2014/main" val="45371003"/>
+                  </a:ext>
+                </a:extLst>
+              </a:tr>
+              <a:tr h="661239">
+                <a:tc>
+                  <a:txBody>
+                    <a:bodyPr/>
+                    <a:lstStyle/>
+                    <a:p>
+                      <a:pPr algn="ctr" fontAlgn="ctr"/>
+                      <a:r>
+                        <a:rPr lang="es-CO" sz="1100" u="none" strike="noStrike">
+                          <a:effectLst/>
+                        </a:rPr>
+                        <a:t>Conductividad electrica (ds/m)</a:t>
+                      </a:r>
+                      <a:endParaRPr lang="es-CO" sz="1100" b="0" i="0" u="none" strike="noStrike">
+                        <a:solidFill>
+                          <a:srgbClr val="000000"/>
+                        </a:solidFill>
+                        <a:effectLst/>
+                        <a:latin typeface="Calibri" panose="020F0502020204030204" pitchFamily="34" charset="0"/>
+                      </a:endParaRPr>
+                    </a:p>
+                  </a:txBody>
+                  <a:tcPr marL="9525" marR="9525" marT="9525" marB="0" anchor="ctr"/>
+                </a:tc>
+                <a:tc>
+                  <a:txBody>
+                    <a:bodyPr/>
+                    <a:lstStyle/>
+                    <a:p>
+                      <a:pPr algn="ctr" fontAlgn="ctr"/>
+                      <a:r>
+                        <a:rPr lang="es-CO" sz="1100" u="none" strike="noStrike">
+                          <a:effectLst/>
+                        </a:rPr>
+                        <a:t>Potasio Intercambiable (Cmol/kg)</a:t>
+                      </a:r>
+                      <a:endParaRPr lang="es-CO" sz="1100" b="0" i="0" u="none" strike="noStrike">
+                        <a:solidFill>
+                          <a:srgbClr val="000000"/>
+                        </a:solidFill>
+                        <a:effectLst/>
+                        <a:latin typeface="Calibri" panose="020F0502020204030204" pitchFamily="34" charset="0"/>
+                      </a:endParaRPr>
+                    </a:p>
+                  </a:txBody>
+                  <a:tcPr marL="9525" marR="9525" marT="9525" marB="0" anchor="ctr"/>
+                </a:tc>
+                <a:tc>
+                  <a:txBody>
+                    <a:bodyPr/>
+                    <a:lstStyle/>
+                    <a:p>
+                      <a:pPr algn="ctr" fontAlgn="ctr"/>
+                      <a:r>
+                        <a:rPr lang="es-CO" sz="1100" u="none" strike="noStrike">
+                          <a:effectLst/>
+                        </a:rPr>
+                        <a:t>Boro disponible (mg/kg)</a:t>
+                      </a:r>
+                      <a:endParaRPr lang="es-CO" sz="1100" b="0" i="0" u="none" strike="noStrike">
+                        <a:solidFill>
+                          <a:srgbClr val="000000"/>
+                        </a:solidFill>
+                        <a:effectLst/>
+                        <a:latin typeface="Calibri" panose="020F0502020204030204" pitchFamily="34" charset="0"/>
+                      </a:endParaRPr>
+                    </a:p>
+                  </a:txBody>
+                  <a:tcPr marL="9525" marR="9525" marT="9525" marB="0" anchor="ctr"/>
+                </a:tc>
+                <a:extLst>
+                  <a:ext uri="{0D108BD9-81ED-4DB2-BD59-A6C34878D82A}">
+                    <a16:rowId xmlns:a16="http://schemas.microsoft.com/office/drawing/2014/main" val="48506977"/>
+                  </a:ext>
+                </a:extLst>
+              </a:tr>
+              <a:tr h="661239">
+                <a:tc>
+                  <a:txBody>
+                    <a:bodyPr/>
+                    <a:lstStyle/>
+                    <a:p>
+                      <a:pPr algn="ctr" fontAlgn="ctr"/>
+                      <a:r>
+                        <a:rPr lang="es-CO" sz="1100" u="none" strike="noStrike">
+                          <a:effectLst/>
+                        </a:rPr>
+                        <a:t>Materia Organica (g/100g)</a:t>
+                      </a:r>
+                      <a:endParaRPr lang="es-CO" sz="1100" b="0" i="0" u="none" strike="noStrike">
+                        <a:solidFill>
+                          <a:srgbClr val="000000"/>
+                        </a:solidFill>
+                        <a:effectLst/>
+                        <a:latin typeface="Calibri" panose="020F0502020204030204" pitchFamily="34" charset="0"/>
+                      </a:endParaRPr>
+                    </a:p>
+                  </a:txBody>
+                  <a:tcPr marL="9525" marR="9525" marT="9525" marB="0" anchor="ctr"/>
+                </a:tc>
+                <a:tc>
+                  <a:txBody>
+                    <a:bodyPr/>
+                    <a:lstStyle/>
+                    <a:p>
+                      <a:pPr algn="ctr" fontAlgn="ctr"/>
+                      <a:r>
+                        <a:rPr lang="es-CO" sz="1100" u="none" strike="noStrike">
+                          <a:effectLst/>
+                        </a:rPr>
+                        <a:t>Sodio Intercambiable (Cmol/Kg</a:t>
+                      </a:r>
+                      <a:endParaRPr lang="es-CO" sz="1100" b="0" i="0" u="none" strike="noStrike">
+                        <a:solidFill>
+                          <a:srgbClr val="000000"/>
+                        </a:solidFill>
+                        <a:effectLst/>
+                        <a:latin typeface="Calibri" panose="020F0502020204030204" pitchFamily="34" charset="0"/>
+                      </a:endParaRPr>
+                    </a:p>
+                  </a:txBody>
+                  <a:tcPr marL="9525" marR="9525" marT="9525" marB="0" anchor="ctr"/>
+                </a:tc>
+                <a:tc>
+                  <a:txBody>
+                    <a:bodyPr/>
+                    <a:lstStyle/>
+                    <a:p>
+                      <a:pPr algn="ctr" fontAlgn="ctr"/>
+                      <a:r>
+                        <a:rPr lang="es-CO" sz="1100" u="none" strike="noStrike">
+                          <a:effectLst/>
+                        </a:rPr>
+                        <a:t>Ca/Mg</a:t>
+                      </a:r>
+                      <a:endParaRPr lang="es-CO" sz="1100" b="0" i="0" u="none" strike="noStrike">
+                        <a:solidFill>
+                          <a:srgbClr val="000000"/>
+                        </a:solidFill>
+                        <a:effectLst/>
+                        <a:latin typeface="Calibri" panose="020F0502020204030204" pitchFamily="34" charset="0"/>
+                      </a:endParaRPr>
+                    </a:p>
+                  </a:txBody>
+                  <a:tcPr marL="9525" marR="9525" marT="9525" marB="0" anchor="ctr"/>
+                </a:tc>
+                <a:extLst>
+                  <a:ext uri="{0D108BD9-81ED-4DB2-BD59-A6C34878D82A}">
+                    <a16:rowId xmlns:a16="http://schemas.microsoft.com/office/drawing/2014/main" val="1098698205"/>
+                  </a:ext>
+                </a:extLst>
+              </a:tr>
+              <a:tr h="881653">
+                <a:tc>
+                  <a:txBody>
+                    <a:bodyPr/>
+                    <a:lstStyle/>
+                    <a:p>
+                      <a:pPr algn="ctr" fontAlgn="ctr"/>
+                      <a:r>
+                        <a:rPr lang="es-CO" sz="1100" u="none" strike="noStrike">
+                          <a:effectLst/>
+                        </a:rPr>
+                        <a:t>Fosforo disponible (mg/g)</a:t>
+                      </a:r>
+                      <a:endParaRPr lang="es-CO" sz="1100" b="0" i="0" u="none" strike="noStrike">
+                        <a:solidFill>
+                          <a:srgbClr val="000000"/>
+                        </a:solidFill>
+                        <a:effectLst/>
+                        <a:latin typeface="Calibri" panose="020F0502020204030204" pitchFamily="34" charset="0"/>
+                      </a:endParaRPr>
+                    </a:p>
+                  </a:txBody>
+                  <a:tcPr marL="9525" marR="9525" marT="9525" marB="0" anchor="ctr"/>
+                </a:tc>
+                <a:tc>
+                  <a:txBody>
+                    <a:bodyPr/>
+                    <a:lstStyle/>
+                    <a:p>
+                      <a:pPr algn="ctr" fontAlgn="ctr"/>
+                      <a:r>
+                        <a:rPr lang="es-CO" sz="1100" u="none" strike="noStrike">
+                          <a:effectLst/>
+                        </a:rPr>
+                        <a:t>Capacidad Intercambio Cationico (Cmol/kg)</a:t>
+                      </a:r>
+                      <a:endParaRPr lang="es-CO" sz="1100" b="0" i="0" u="none" strike="noStrike">
+                        <a:solidFill>
+                          <a:srgbClr val="000000"/>
+                        </a:solidFill>
+                        <a:effectLst/>
+                        <a:latin typeface="Calibri" panose="020F0502020204030204" pitchFamily="34" charset="0"/>
+                      </a:endParaRPr>
+                    </a:p>
+                  </a:txBody>
+                  <a:tcPr marL="9525" marR="9525" marT="9525" marB="0" anchor="ctr"/>
+                </a:tc>
+                <a:tc>
+                  <a:txBody>
+                    <a:bodyPr/>
+                    <a:lstStyle/>
+                    <a:p>
+                      <a:pPr algn="ctr" fontAlgn="ctr"/>
+                      <a:r>
+                        <a:rPr lang="es-CO" sz="1100" u="none" strike="noStrike">
+                          <a:effectLst/>
+                        </a:rPr>
+                        <a:t>Mg/K</a:t>
+                      </a:r>
+                      <a:endParaRPr lang="es-CO" sz="1100" b="0" i="0" u="none" strike="noStrike">
+                        <a:solidFill>
+                          <a:srgbClr val="000000"/>
+                        </a:solidFill>
+                        <a:effectLst/>
+                        <a:latin typeface="Calibri" panose="020F0502020204030204" pitchFamily="34" charset="0"/>
+                      </a:endParaRPr>
+                    </a:p>
+                  </a:txBody>
+                  <a:tcPr marL="9525" marR="9525" marT="9525" marB="0" anchor="ctr"/>
+                </a:tc>
+                <a:extLst>
+                  <a:ext uri="{0D108BD9-81ED-4DB2-BD59-A6C34878D82A}">
+                    <a16:rowId xmlns:a16="http://schemas.microsoft.com/office/drawing/2014/main" val="2873118801"/>
+                  </a:ext>
+                </a:extLst>
+              </a:tr>
+              <a:tr h="661239">
+                <a:tc>
+                  <a:txBody>
+                    <a:bodyPr/>
+                    <a:lstStyle/>
+                    <a:p>
+                      <a:pPr algn="ctr" fontAlgn="ctr"/>
+                      <a:r>
+                        <a:rPr lang="es-CO" sz="1100" u="none" strike="noStrike">
+                          <a:effectLst/>
+                        </a:rPr>
+                        <a:t>Azufre disponible (mg/kg)</a:t>
+                      </a:r>
+                      <a:endParaRPr lang="es-CO" sz="1100" b="0" i="0" u="none" strike="noStrike">
+                        <a:solidFill>
+                          <a:srgbClr val="000000"/>
+                        </a:solidFill>
+                        <a:effectLst/>
+                        <a:latin typeface="Calibri" panose="020F0502020204030204" pitchFamily="34" charset="0"/>
+                      </a:endParaRPr>
+                    </a:p>
+                  </a:txBody>
+                  <a:tcPr marL="9525" marR="9525" marT="9525" marB="0" anchor="ctr"/>
+                </a:tc>
+                <a:tc>
+                  <a:txBody>
+                    <a:bodyPr/>
+                    <a:lstStyle/>
+                    <a:p>
+                      <a:pPr algn="ctr" fontAlgn="ctr"/>
+                      <a:r>
+                        <a:rPr lang="es-CO" sz="1100" u="none" strike="noStrike">
+                          <a:effectLst/>
+                        </a:rPr>
+                        <a:t>Hierro Disponible (mg/Kg)</a:t>
+                      </a:r>
+                      <a:endParaRPr lang="es-CO" sz="1100" b="0" i="0" u="none" strike="noStrike">
+                        <a:solidFill>
+                          <a:srgbClr val="000000"/>
+                        </a:solidFill>
+                        <a:effectLst/>
+                        <a:latin typeface="Calibri" panose="020F0502020204030204" pitchFamily="34" charset="0"/>
+                      </a:endParaRPr>
+                    </a:p>
+                  </a:txBody>
+                  <a:tcPr marL="9525" marR="9525" marT="9525" marB="0" anchor="ctr"/>
+                </a:tc>
+                <a:tc>
+                  <a:txBody>
+                    <a:bodyPr/>
+                    <a:lstStyle/>
+                    <a:p>
+                      <a:pPr algn="ctr" fontAlgn="ctr"/>
+                      <a:r>
+                        <a:rPr lang="es-CO" sz="1100" u="none" strike="noStrike">
+                          <a:effectLst/>
+                        </a:rPr>
+                        <a:t>Ca/K</a:t>
+                      </a:r>
+                      <a:endParaRPr lang="es-CO" sz="1100" b="0" i="0" u="none" strike="noStrike">
+                        <a:solidFill>
+                          <a:srgbClr val="000000"/>
+                        </a:solidFill>
+                        <a:effectLst/>
+                        <a:latin typeface="Calibri" panose="020F0502020204030204" pitchFamily="34" charset="0"/>
+                      </a:endParaRPr>
+                    </a:p>
+                  </a:txBody>
+                  <a:tcPr marL="9525" marR="9525" marT="9525" marB="0" anchor="ctr"/>
+                </a:tc>
+                <a:extLst>
+                  <a:ext uri="{0D108BD9-81ED-4DB2-BD59-A6C34878D82A}">
+                    <a16:rowId xmlns:a16="http://schemas.microsoft.com/office/drawing/2014/main" val="4108141566"/>
+                  </a:ext>
+                </a:extLst>
+              </a:tr>
+              <a:tr h="881653">
+                <a:tc>
+                  <a:txBody>
+                    <a:bodyPr/>
+                    <a:lstStyle/>
+                    <a:p>
+                      <a:pPr algn="ctr" fontAlgn="ctr"/>
+                      <a:r>
+                        <a:rPr lang="es-CO" sz="1100" u="none" strike="noStrike">
+                          <a:effectLst/>
+                        </a:rPr>
+                        <a:t>Calcio Intercambiable (Cmol/Kg)</a:t>
+                      </a:r>
+                      <a:endParaRPr lang="es-CO" sz="1100" b="0" i="0" u="none" strike="noStrike">
+                        <a:solidFill>
+                          <a:srgbClr val="000000"/>
+                        </a:solidFill>
+                        <a:effectLst/>
+                        <a:latin typeface="Calibri" panose="020F0502020204030204" pitchFamily="34" charset="0"/>
+                      </a:endParaRPr>
+                    </a:p>
+                  </a:txBody>
+                  <a:tcPr marL="9525" marR="9525" marT="9525" marB="0" anchor="ctr"/>
+                </a:tc>
+                <a:tc>
+                  <a:txBody>
+                    <a:bodyPr/>
+                    <a:lstStyle/>
+                    <a:p>
+                      <a:pPr algn="ctr" fontAlgn="ctr"/>
+                      <a:r>
+                        <a:rPr lang="es-CO" sz="1100" u="none" strike="noStrike">
+                          <a:effectLst/>
+                        </a:rPr>
+                        <a:t>Zinc Disponible (mg/Kg)</a:t>
+                      </a:r>
+                      <a:endParaRPr lang="es-CO" sz="1100" b="0" i="0" u="none" strike="noStrike">
+                        <a:solidFill>
+                          <a:srgbClr val="000000"/>
+                        </a:solidFill>
+                        <a:effectLst/>
+                        <a:latin typeface="Calibri" panose="020F0502020204030204" pitchFamily="34" charset="0"/>
+                      </a:endParaRPr>
+                    </a:p>
+                  </a:txBody>
+                  <a:tcPr marL="9525" marR="9525" marT="9525" marB="0" anchor="ctr"/>
+                </a:tc>
+                <a:tc>
+                  <a:txBody>
+                    <a:bodyPr/>
+                    <a:lstStyle/>
+                    <a:p>
+                      <a:pPr algn="ctr" fontAlgn="ctr"/>
+                      <a:r>
+                        <a:rPr lang="es-CO" sz="1100" u="none" strike="noStrike" dirty="0">
+                          <a:effectLst/>
+                        </a:rPr>
+                        <a:t>(</a:t>
+                      </a:r>
+                      <a:r>
+                        <a:rPr lang="es-CO" sz="1100" u="none" strike="noStrike" dirty="0" err="1">
+                          <a:effectLst/>
+                        </a:rPr>
+                        <a:t>Ca+Mg</a:t>
+                      </a:r>
+                      <a:r>
+                        <a:rPr lang="es-CO" sz="1100" u="none" strike="noStrike" dirty="0">
+                          <a:effectLst/>
+                        </a:rPr>
+                        <a:t>)/K</a:t>
+                      </a:r>
+                      <a:endParaRPr lang="es-CO" sz="1100" b="0" i="0" u="none" strike="noStrike" dirty="0">
+                        <a:solidFill>
+                          <a:srgbClr val="000000"/>
+                        </a:solidFill>
+                        <a:effectLst/>
+                        <a:latin typeface="Calibri" panose="020F0502020204030204" pitchFamily="34" charset="0"/>
+                      </a:endParaRPr>
+                    </a:p>
+                  </a:txBody>
+                  <a:tcPr marL="9525" marR="9525" marT="9525" marB="0" anchor="ctr"/>
+                </a:tc>
+                <a:extLst>
+                  <a:ext uri="{0D108BD9-81ED-4DB2-BD59-A6C34878D82A}">
+                    <a16:rowId xmlns:a16="http://schemas.microsoft.com/office/drawing/2014/main" val="3027836108"/>
+                  </a:ext>
+                </a:extLst>
+              </a:tr>
+            </a:tbl>
+          </a:graphicData>
+        </a:graphic>
+      </p:graphicFrame>
     </p:spTree>
     <p:extLst>
       <p:ext uri="{BB962C8B-B14F-4D97-AF65-F5344CB8AC3E}">
-        <p14:creationId xmlns:p14="http://schemas.microsoft.com/office/powerpoint/2010/main" val="1191755068"/>
+        <p14:creationId xmlns:p14="http://schemas.microsoft.com/office/powerpoint/2010/main" val="11107606"/>
       </p:ext>
     </p:extLst>
   </p:cSld>
@@ -9214,12 +11169,1533 @@
           <a:chExt cx="0" cy="0"/>
         </a:xfrm>
       </p:grpSpPr>
+      <p:pic>
+        <p:nvPicPr>
+          <p:cNvPr id="2050" name="Picture 2">
+            <a:extLst>
+              <a:ext uri="{FF2B5EF4-FFF2-40B4-BE49-F238E27FC236}">
+                <a16:creationId xmlns:a16="http://schemas.microsoft.com/office/drawing/2014/main" id="{1DC43C27-4A51-43C0-AB66-F3BBD302B010}"/>
+              </a:ext>
+            </a:extLst>
+          </p:cNvPr>
+          <p:cNvPicPr>
+            <a:picLocks noChangeAspect="1" noChangeArrowheads="1"/>
+          </p:cNvPicPr>
+          <p:nvPr/>
+        </p:nvPicPr>
+        <p:blipFill>
+          <a:blip r:embed="rId2">
+            <a:extLst>
+              <a:ext uri="{28A0092B-C50C-407E-A947-70E740481C1C}">
+                <a14:useLocalDpi xmlns:a14="http://schemas.microsoft.com/office/drawing/2010/main" val="0"/>
+              </a:ext>
+            </a:extLst>
+          </a:blip>
+          <a:srcRect/>
+          <a:stretch>
+            <a:fillRect/>
+          </a:stretch>
+        </p:blipFill>
+        <p:spPr bwMode="auto">
+          <a:xfrm>
+            <a:off x="99680" y="362595"/>
+            <a:ext cx="5961754" cy="4589233"/>
+          </a:xfrm>
+          <a:prstGeom prst="rect">
+            <a:avLst/>
+          </a:prstGeom>
+          <a:noFill/>
+          <a:extLst>
+            <a:ext uri="{909E8E84-426E-40DD-AFC4-6F175D3DCCD1}">
+              <a14:hiddenFill xmlns:a14="http://schemas.microsoft.com/office/drawing/2010/main">
+                <a:solidFill>
+                  <a:srgbClr val="FFFFFF"/>
+                </a:solidFill>
+              </a14:hiddenFill>
+            </a:ext>
+          </a:extLst>
+        </p:spPr>
+      </p:pic>
+      <p:pic>
+        <p:nvPicPr>
+          <p:cNvPr id="2052" name="Picture 4">
+            <a:extLst>
+              <a:ext uri="{FF2B5EF4-FFF2-40B4-BE49-F238E27FC236}">
+                <a16:creationId xmlns:a16="http://schemas.microsoft.com/office/drawing/2014/main" id="{9FDC758A-55BA-48D3-A778-5265C76E7686}"/>
+              </a:ext>
+            </a:extLst>
+          </p:cNvPr>
+          <p:cNvPicPr>
+            <a:picLocks noChangeAspect="1" noChangeArrowheads="1"/>
+          </p:cNvPicPr>
+          <p:nvPr/>
+        </p:nvPicPr>
+        <p:blipFill>
+          <a:blip r:embed="rId3">
+            <a:extLst>
+              <a:ext uri="{28A0092B-C50C-407E-A947-70E740481C1C}">
+                <a14:useLocalDpi xmlns:a14="http://schemas.microsoft.com/office/drawing/2010/main" val="0"/>
+              </a:ext>
+            </a:extLst>
+          </a:blip>
+          <a:srcRect/>
+          <a:stretch>
+            <a:fillRect/>
+          </a:stretch>
+        </p:blipFill>
+        <p:spPr bwMode="auto">
+          <a:xfrm>
+            <a:off x="6130567" y="2485641"/>
+            <a:ext cx="5714430" cy="4372359"/>
+          </a:xfrm>
+          <a:prstGeom prst="rect">
+            <a:avLst/>
+          </a:prstGeom>
+          <a:noFill/>
+          <a:extLst>
+            <a:ext uri="{909E8E84-426E-40DD-AFC4-6F175D3DCCD1}">
+              <a14:hiddenFill xmlns:a14="http://schemas.microsoft.com/office/drawing/2010/main">
+                <a:solidFill>
+                  <a:srgbClr val="FFFFFF"/>
+                </a:solidFill>
+              </a14:hiddenFill>
+            </a:ext>
+          </a:extLst>
+        </p:spPr>
+      </p:pic>
       <p:sp>
         <p:nvSpPr>
-          <p:cNvPr id="7" name="Título 1">
-            <a:extLst>
-              <a:ext uri="{FF2B5EF4-FFF2-40B4-BE49-F238E27FC236}">
-                <a16:creationId xmlns:a16="http://schemas.microsoft.com/office/drawing/2014/main" id="{276B9254-579B-4E76-9B7F-590767144537}"/>
+          <p:cNvPr id="6" name="Título 1">
+            <a:extLst>
+              <a:ext uri="{FF2B5EF4-FFF2-40B4-BE49-F238E27FC236}">
+                <a16:creationId xmlns:a16="http://schemas.microsoft.com/office/drawing/2014/main" id="{F41F209E-71E0-46E5-95B2-AE98C212F4BC}"/>
+              </a:ext>
+            </a:extLst>
+          </p:cNvPr>
+          <p:cNvSpPr>
+            <a:spLocks noGrp="1"/>
+          </p:cNvSpPr>
+          <p:nvPr>
+            <p:ph type="title"/>
+          </p:nvPr>
+        </p:nvSpPr>
+        <p:spPr>
+          <a:xfrm>
+            <a:off x="6752492" y="700219"/>
+            <a:ext cx="5092505" cy="630619"/>
+          </a:xfrm>
+        </p:spPr>
+        <p:txBody>
+          <a:bodyPr vert="horz" lIns="91440" tIns="45720" rIns="91440" bIns="45720" rtlCol="0" anchor="b">
+            <a:noAutofit/>
+          </a:bodyPr>
+          <a:lstStyle/>
+          <a:p>
+            <a:r>
+              <a:rPr lang="en-US" b="1" kern="1200" dirty="0">
+                <a:solidFill>
+                  <a:srgbClr val="F46F0C"/>
+                </a:solidFill>
+                <a:latin typeface="+mj-lt"/>
+                <a:ea typeface="+mj-ea"/>
+                <a:cs typeface="+mj-cs"/>
+              </a:rPr>
+              <a:t>VARIABLES / VEREDA</a:t>
+            </a:r>
+            <a:endParaRPr lang="en-US" sz="4000" b="1" kern="1200" dirty="0">
+              <a:solidFill>
+                <a:srgbClr val="F46F0C"/>
+              </a:solidFill>
+              <a:latin typeface="+mj-lt"/>
+              <a:ea typeface="+mj-ea"/>
+              <a:cs typeface="+mj-cs"/>
+            </a:endParaRPr>
+          </a:p>
+        </p:txBody>
+      </p:sp>
+    </p:spTree>
+    <p:extLst>
+      <p:ext uri="{BB962C8B-B14F-4D97-AF65-F5344CB8AC3E}">
+        <p14:creationId xmlns:p14="http://schemas.microsoft.com/office/powerpoint/2010/main" val="501574398"/>
+      </p:ext>
+    </p:extLst>
+  </p:cSld>
+  <p:clrMapOvr>
+    <a:masterClrMapping/>
+  </p:clrMapOvr>
+  <mc:AlternateContent xmlns:mc="http://schemas.openxmlformats.org/markup-compatibility/2006" xmlns:p159="http://schemas.microsoft.com/office/powerpoint/2015/09/main">
+    <mc:Choice Requires="p159">
+      <p:transition xmlns:p14="http://schemas.microsoft.com/office/powerpoint/2010/main" spd="slow" p14:dur="2000">
+        <p159:morph option="byObject"/>
+      </p:transition>
+    </mc:Choice>
+    <mc:Fallback xmlns="">
+      <p:transition spd="slow">
+        <p:fade/>
+      </p:transition>
+    </mc:Fallback>
+  </mc:AlternateContent>
+</p:sld>
+</file>
+
+<file path=ppt/slides/slide6.xml><?xml version="1.0" encoding="utf-8"?>
+<p:sld xmlns:a="http://schemas.openxmlformats.org/drawingml/2006/main" xmlns:r="http://schemas.openxmlformats.org/officeDocument/2006/relationships" xmlns:p="http://schemas.openxmlformats.org/presentationml/2006/main">
+  <p:cSld>
+    <p:spTree>
+      <p:nvGrpSpPr>
+        <p:cNvPr id="1" name=""/>
+        <p:cNvGrpSpPr/>
+        <p:nvPr/>
+      </p:nvGrpSpPr>
+      <p:grpSpPr>
+        <a:xfrm>
+          <a:off x="0" y="0"/>
+          <a:ext cx="0" cy="0"/>
+          <a:chOff x="0" y="0"/>
+          <a:chExt cx="0" cy="0"/>
+        </a:xfrm>
+      </p:grpSpPr>
+      <p:sp>
+        <p:nvSpPr>
+          <p:cNvPr id="2" name="Título 1">
+            <a:extLst>
+              <a:ext uri="{FF2B5EF4-FFF2-40B4-BE49-F238E27FC236}">
+                <a16:creationId xmlns:a16="http://schemas.microsoft.com/office/drawing/2014/main" id="{48415947-46D6-4BB6-851C-50CDD8CAED1C}"/>
+              </a:ext>
+            </a:extLst>
+          </p:cNvPr>
+          <p:cNvSpPr>
+            <a:spLocks noGrp="1"/>
+          </p:cNvSpPr>
+          <p:nvPr>
+            <p:ph type="title"/>
+          </p:nvPr>
+        </p:nvSpPr>
+        <p:spPr>
+          <a:xfrm>
+            <a:off x="1935479" y="70961"/>
+            <a:ext cx="7166317" cy="621543"/>
+          </a:xfrm>
+        </p:spPr>
+        <p:txBody>
+          <a:bodyPr>
+            <a:normAutofit fontScale="90000"/>
+          </a:bodyPr>
+          <a:lstStyle/>
+          <a:p>
+            <a:r>
+              <a:rPr lang="es-CO" b="1" dirty="0">
+                <a:solidFill>
+                  <a:srgbClr val="F46F0C"/>
+                </a:solidFill>
+              </a:rPr>
+              <a:t>Análisis de Componentes Principales</a:t>
+            </a:r>
+          </a:p>
+        </p:txBody>
+      </p:sp>
+      <p:pic>
+        <p:nvPicPr>
+          <p:cNvPr id="4" name="Imagen 3">
+            <a:extLst>
+              <a:ext uri="{FF2B5EF4-FFF2-40B4-BE49-F238E27FC236}">
+                <a16:creationId xmlns:a16="http://schemas.microsoft.com/office/drawing/2014/main" id="{56A1FFF8-EC31-4DC9-9350-1EF09BCA0B94}"/>
+              </a:ext>
+            </a:extLst>
+          </p:cNvPr>
+          <p:cNvPicPr>
+            <a:picLocks noChangeAspect="1"/>
+          </p:cNvPicPr>
+          <p:nvPr/>
+        </p:nvPicPr>
+        <p:blipFill>
+          <a:blip r:embed="rId2"/>
+          <a:stretch>
+            <a:fillRect/>
+          </a:stretch>
+        </p:blipFill>
+        <p:spPr>
+          <a:xfrm>
+            <a:off x="267287" y="804423"/>
+            <a:ext cx="6724670" cy="2786357"/>
+          </a:xfrm>
+          <a:prstGeom prst="rect">
+            <a:avLst/>
+          </a:prstGeom>
+        </p:spPr>
+      </p:pic>
+      <p:pic>
+        <p:nvPicPr>
+          <p:cNvPr id="8" name="Imagen 7">
+            <a:extLst>
+              <a:ext uri="{FF2B5EF4-FFF2-40B4-BE49-F238E27FC236}">
+                <a16:creationId xmlns:a16="http://schemas.microsoft.com/office/drawing/2014/main" id="{5C100529-2B38-4842-AC20-9FE008BDB3BD}"/>
+              </a:ext>
+            </a:extLst>
+          </p:cNvPr>
+          <p:cNvPicPr>
+            <a:picLocks noChangeAspect="1"/>
+          </p:cNvPicPr>
+          <p:nvPr/>
+        </p:nvPicPr>
+        <p:blipFill>
+          <a:blip r:embed="rId3"/>
+          <a:stretch>
+            <a:fillRect/>
+          </a:stretch>
+        </p:blipFill>
+        <p:spPr>
+          <a:xfrm>
+            <a:off x="5955324" y="3702699"/>
+            <a:ext cx="5678658" cy="3030631"/>
+          </a:xfrm>
+          <a:prstGeom prst="rect">
+            <a:avLst/>
+          </a:prstGeom>
+        </p:spPr>
+      </p:pic>
+    </p:spTree>
+    <p:extLst>
+      <p:ext uri="{BB962C8B-B14F-4D97-AF65-F5344CB8AC3E}">
+        <p14:creationId xmlns:p14="http://schemas.microsoft.com/office/powerpoint/2010/main" val="1191755068"/>
+      </p:ext>
+    </p:extLst>
+  </p:cSld>
+  <p:clrMapOvr>
+    <a:masterClrMapping/>
+  </p:clrMapOvr>
+  <mc:AlternateContent xmlns:mc="http://schemas.openxmlformats.org/markup-compatibility/2006" xmlns:p159="http://schemas.microsoft.com/office/powerpoint/2015/09/main">
+    <mc:Choice Requires="p159">
+      <p:transition xmlns:p14="http://schemas.microsoft.com/office/powerpoint/2010/main" spd="slow" p14:dur="2000">
+        <p159:morph option="byObject"/>
+      </p:transition>
+    </mc:Choice>
+    <mc:Fallback xmlns="">
+      <p:transition spd="slow">
+        <p:fade/>
+      </p:transition>
+    </mc:Fallback>
+  </mc:AlternateContent>
+</p:sld>
+</file>
+
+<file path=ppt/slides/slide7.xml><?xml version="1.0" encoding="utf-8"?>
+<p:sld xmlns:a="http://schemas.openxmlformats.org/drawingml/2006/main" xmlns:r="http://schemas.openxmlformats.org/officeDocument/2006/relationships" xmlns:p="http://schemas.openxmlformats.org/presentationml/2006/main">
+  <p:cSld>
+    <p:spTree>
+      <p:nvGrpSpPr>
+        <p:cNvPr id="1" name=""/>
+        <p:cNvGrpSpPr/>
+        <p:nvPr/>
+      </p:nvGrpSpPr>
+      <p:grpSpPr>
+        <a:xfrm>
+          <a:off x="0" y="0"/>
+          <a:ext cx="0" cy="0"/>
+          <a:chOff x="0" y="0"/>
+          <a:chExt cx="0" cy="0"/>
+        </a:xfrm>
+      </p:grpSpPr>
+      <p:pic>
+        <p:nvPicPr>
+          <p:cNvPr id="5122" name="Picture 2">
+            <a:extLst>
+              <a:ext uri="{FF2B5EF4-FFF2-40B4-BE49-F238E27FC236}">
+                <a16:creationId xmlns:a16="http://schemas.microsoft.com/office/drawing/2014/main" id="{C7110024-B8CE-4969-957A-3BB9C61307AE}"/>
+              </a:ext>
+            </a:extLst>
+          </p:cNvPr>
+          <p:cNvPicPr>
+            <a:picLocks noChangeAspect="1" noChangeArrowheads="1"/>
+          </p:cNvPicPr>
+          <p:nvPr/>
+        </p:nvPicPr>
+        <p:blipFill>
+          <a:blip r:embed="rId2">
+            <a:extLst>
+              <a:ext uri="{28A0092B-C50C-407E-A947-70E740481C1C}">
+                <a14:useLocalDpi xmlns:a14="http://schemas.microsoft.com/office/drawing/2010/main" val="0"/>
+              </a:ext>
+            </a:extLst>
+          </a:blip>
+          <a:srcRect/>
+          <a:stretch>
+            <a:fillRect/>
+          </a:stretch>
+        </p:blipFill>
+        <p:spPr bwMode="auto">
+          <a:xfrm>
+            <a:off x="1539875" y="0"/>
+            <a:ext cx="9110663" cy="6858000"/>
+          </a:xfrm>
+          <a:prstGeom prst="rect">
+            <a:avLst/>
+          </a:prstGeom>
+          <a:noFill/>
+          <a:extLst>
+            <a:ext uri="{909E8E84-426E-40DD-AFC4-6F175D3DCCD1}">
+              <a14:hiddenFill xmlns:a14="http://schemas.microsoft.com/office/drawing/2010/main">
+                <a:solidFill>
+                  <a:srgbClr val="FFFFFF"/>
+                </a:solidFill>
+              </a14:hiddenFill>
+            </a:ext>
+          </a:extLst>
+        </p:spPr>
+      </p:pic>
+    </p:spTree>
+    <p:extLst>
+      <p:ext uri="{BB962C8B-B14F-4D97-AF65-F5344CB8AC3E}">
+        <p14:creationId xmlns:p14="http://schemas.microsoft.com/office/powerpoint/2010/main" val="3806709870"/>
+      </p:ext>
+    </p:extLst>
+  </p:cSld>
+  <p:clrMapOvr>
+    <a:masterClrMapping/>
+  </p:clrMapOvr>
+  <mc:AlternateContent xmlns:mc="http://schemas.openxmlformats.org/markup-compatibility/2006" xmlns:p159="http://schemas.microsoft.com/office/powerpoint/2015/09/main">
+    <mc:Choice Requires="p159">
+      <p:transition xmlns:p14="http://schemas.microsoft.com/office/powerpoint/2010/main" spd="slow" p14:dur="2000">
+        <p159:morph option="byObject"/>
+      </p:transition>
+    </mc:Choice>
+    <mc:Fallback xmlns="">
+      <p:transition spd="slow">
+        <p:fade/>
+      </p:transition>
+    </mc:Fallback>
+  </mc:AlternateContent>
+</p:sld>
+</file>
+
+<file path=ppt/slides/slide8.xml><?xml version="1.0" encoding="utf-8"?>
+<p:sld xmlns:a="http://schemas.openxmlformats.org/drawingml/2006/main" xmlns:r="http://schemas.openxmlformats.org/officeDocument/2006/relationships" xmlns:p="http://schemas.openxmlformats.org/presentationml/2006/main">
+  <p:cSld>
+    <p:spTree>
+      <p:nvGrpSpPr>
+        <p:cNvPr id="1" name=""/>
+        <p:cNvGrpSpPr/>
+        <p:nvPr/>
+      </p:nvGrpSpPr>
+      <p:grpSpPr>
+        <a:xfrm>
+          <a:off x="0" y="0"/>
+          <a:ext cx="0" cy="0"/>
+          <a:chOff x="0" y="0"/>
+          <a:chExt cx="0" cy="0"/>
+        </a:xfrm>
+      </p:grpSpPr>
+      <p:pic>
+        <p:nvPicPr>
+          <p:cNvPr id="6146" name="Picture 2">
+            <a:extLst>
+              <a:ext uri="{FF2B5EF4-FFF2-40B4-BE49-F238E27FC236}">
+                <a16:creationId xmlns:a16="http://schemas.microsoft.com/office/drawing/2014/main" id="{1F030C73-3879-4D09-B299-EBB5DAD0B734}"/>
+              </a:ext>
+            </a:extLst>
+          </p:cNvPr>
+          <p:cNvPicPr>
+            <a:picLocks noChangeAspect="1" noChangeArrowheads="1"/>
+          </p:cNvPicPr>
+          <p:nvPr/>
+        </p:nvPicPr>
+        <p:blipFill>
+          <a:blip r:embed="rId2">
+            <a:extLst>
+              <a:ext uri="{28A0092B-C50C-407E-A947-70E740481C1C}">
+                <a14:useLocalDpi xmlns:a14="http://schemas.microsoft.com/office/drawing/2010/main" val="0"/>
+              </a:ext>
+            </a:extLst>
+          </a:blip>
+          <a:srcRect/>
+          <a:stretch>
+            <a:fillRect/>
+          </a:stretch>
+        </p:blipFill>
+        <p:spPr bwMode="auto">
+          <a:xfrm>
+            <a:off x="1699199" y="119333"/>
+            <a:ext cx="8793602" cy="6619334"/>
+          </a:xfrm>
+          <a:prstGeom prst="rect">
+            <a:avLst/>
+          </a:prstGeom>
+          <a:noFill/>
+          <a:extLst>
+            <a:ext uri="{909E8E84-426E-40DD-AFC4-6F175D3DCCD1}">
+              <a14:hiddenFill xmlns:a14="http://schemas.microsoft.com/office/drawing/2010/main">
+                <a:solidFill>
+                  <a:srgbClr val="FFFFFF"/>
+                </a:solidFill>
+              </a14:hiddenFill>
+            </a:ext>
+          </a:extLst>
+        </p:spPr>
+      </p:pic>
+    </p:spTree>
+    <p:extLst>
+      <p:ext uri="{BB962C8B-B14F-4D97-AF65-F5344CB8AC3E}">
+        <p14:creationId xmlns:p14="http://schemas.microsoft.com/office/powerpoint/2010/main" val="108067399"/>
+      </p:ext>
+    </p:extLst>
+  </p:cSld>
+  <p:clrMapOvr>
+    <a:masterClrMapping/>
+  </p:clrMapOvr>
+  <mc:AlternateContent xmlns:mc="http://schemas.openxmlformats.org/markup-compatibility/2006" xmlns:p159="http://schemas.microsoft.com/office/powerpoint/2015/09/main">
+    <mc:Choice Requires="p159">
+      <p:transition xmlns:p14="http://schemas.microsoft.com/office/powerpoint/2010/main" spd="slow" p14:dur="2000">
+        <p159:morph option="byObject"/>
+      </p:transition>
+    </mc:Choice>
+    <mc:Fallback xmlns="">
+      <p:transition spd="slow">
+        <p:fade/>
+      </p:transition>
+    </mc:Fallback>
+  </mc:AlternateContent>
+</p:sld>
+</file>
+
+<file path=ppt/slides/slide9.xml><?xml version="1.0" encoding="utf-8"?>
+<p:sld xmlns:a="http://schemas.openxmlformats.org/drawingml/2006/main" xmlns:r="http://schemas.openxmlformats.org/officeDocument/2006/relationships" xmlns:p="http://schemas.openxmlformats.org/presentationml/2006/main">
+  <p:cSld>
+    <p:bg>
+      <p:bgPr>
+        <a:solidFill>
+          <a:schemeClr val="bg1"/>
+        </a:solidFill>
+        <a:effectLst/>
+      </p:bgPr>
+    </p:bg>
+    <p:spTree>
+      <p:nvGrpSpPr>
+        <p:cNvPr id="1" name=""/>
+        <p:cNvGrpSpPr/>
+        <p:nvPr/>
+      </p:nvGrpSpPr>
+      <p:grpSpPr>
+        <a:xfrm>
+          <a:off x="0" y="0"/>
+          <a:ext cx="0" cy="0"/>
+          <a:chOff x="0" y="0"/>
+          <a:chExt cx="0" cy="0"/>
+        </a:xfrm>
+      </p:grpSpPr>
+      <p:sp useBgFill="1">
+        <p:nvSpPr>
+          <p:cNvPr id="23" name="Rectangle 22">
+            <a:extLst>
+              <a:ext uri="{FF2B5EF4-FFF2-40B4-BE49-F238E27FC236}">
+                <a16:creationId xmlns:a16="http://schemas.microsoft.com/office/drawing/2014/main" id="{53E60C6D-4E85-4E14-BCDF-BF15C241F7CA}"/>
+              </a:ext>
+              <a:ext uri="{C183D7F6-B498-43B3-948B-1728B52AA6E4}">
+                <adec:decorative xmlns:adec="http://schemas.microsoft.com/office/drawing/2017/decorative" val="1"/>
+              </a:ext>
+            </a:extLst>
+          </p:cNvPr>
+          <p:cNvSpPr>
+            <a:spLocks noGrp="1" noRot="1" noChangeAspect="1" noMove="1" noResize="1" noEditPoints="1" noAdjustHandles="1" noChangeArrowheads="1" noChangeShapeType="1" noTextEdit="1"/>
+          </p:cNvSpPr>
+          <p:nvPr>
+            <p:extLst>
+              <p:ext uri="{386F3935-93C4-4BCD-93E2-E3B085C9AB24}">
+                <p16:designElem xmlns:p16="http://schemas.microsoft.com/office/powerpoint/2015/main" val="1"/>
+              </p:ext>
+            </p:extLst>
+          </p:nvPr>
+        </p:nvSpPr>
+        <p:spPr>
+          <a:xfrm>
+            <a:off x="0" y="0"/>
+            <a:ext cx="12188952" cy="6858000"/>
+          </a:xfrm>
+          <a:prstGeom prst="rect">
+            <a:avLst/>
+          </a:prstGeom>
+          <a:ln>
+            <a:noFill/>
+          </a:ln>
+        </p:spPr>
+        <p:style>
+          <a:lnRef idx="2">
+            <a:schemeClr val="accent1">
+              <a:shade val="50000"/>
+            </a:schemeClr>
+          </a:lnRef>
+          <a:fillRef idx="1">
+            <a:schemeClr val="accent1"/>
+          </a:fillRef>
+          <a:effectRef idx="0">
+            <a:schemeClr val="accent1"/>
+          </a:effectRef>
+          <a:fontRef idx="minor">
+            <a:schemeClr val="lt1"/>
+          </a:fontRef>
+        </p:style>
+        <p:txBody>
+          <a:bodyPr rtlCol="0" anchor="ctr"/>
+          <a:lstStyle/>
+          <a:p>
+            <a:pPr marL="0" marR="0" lvl="0" indent="0" algn="ctr" defTabSz="914400" rtl="0" eaLnBrk="1" fontAlgn="auto" latinLnBrk="0" hangingPunct="1">
+              <a:lnSpc>
+                <a:spcPct val="100000"/>
+              </a:lnSpc>
+              <a:spcBef>
+                <a:spcPts val="0"/>
+              </a:spcBef>
+              <a:spcAft>
+                <a:spcPts val="0"/>
+              </a:spcAft>
+              <a:buClrTx/>
+              <a:buSzTx/>
+              <a:buFontTx/>
+              <a:buNone/>
+              <a:tabLst/>
+              <a:defRPr/>
+            </a:pPr>
+            <a:endParaRPr kumimoji="0" lang="en-US" sz="1800" b="0" i="0" u="none" strike="noStrike" kern="1200" cap="none" spc="0" normalizeH="0" baseline="0" noProof="0">
+              <a:ln>
+                <a:noFill/>
+              </a:ln>
+              <a:solidFill>
+                <a:prstClr val="white"/>
+              </a:solidFill>
+              <a:effectLst/>
+              <a:uLnTx/>
+              <a:uFillTx/>
+              <a:latin typeface="Calibri" panose="020F0502020204030204"/>
+              <a:ea typeface="+mn-ea"/>
+              <a:cs typeface="+mn-cs"/>
+            </a:endParaRPr>
+          </a:p>
+        </p:txBody>
+      </p:sp>
+      <p:sp>
+        <p:nvSpPr>
+          <p:cNvPr id="2" name="Título 1">
+            <a:extLst>
+              <a:ext uri="{FF2B5EF4-FFF2-40B4-BE49-F238E27FC236}">
+                <a16:creationId xmlns:a16="http://schemas.microsoft.com/office/drawing/2014/main" id="{48415947-46D6-4BB6-851C-50CDD8CAED1C}"/>
+              </a:ext>
+            </a:extLst>
+          </p:cNvPr>
+          <p:cNvSpPr>
+            <a:spLocks noGrp="1"/>
+          </p:cNvSpPr>
+          <p:nvPr>
+            <p:ph type="title"/>
+          </p:nvPr>
+        </p:nvSpPr>
+        <p:spPr>
+          <a:xfrm>
+            <a:off x="7293037" y="2634045"/>
+            <a:ext cx="2314789" cy="540119"/>
+          </a:xfrm>
+        </p:spPr>
+        <p:txBody>
+          <a:bodyPr vert="horz" lIns="91440" tIns="45720" rIns="91440" bIns="45720" rtlCol="0" anchor="ctr">
+            <a:normAutofit fontScale="90000"/>
+          </a:bodyPr>
+          <a:lstStyle/>
+          <a:p>
+            <a:r>
+              <a:rPr lang="en-US" sz="3600" b="1" kern="1200" dirty="0">
+                <a:solidFill>
+                  <a:srgbClr val="002060"/>
+                </a:solidFill>
+                <a:latin typeface="+mj-lt"/>
+                <a:ea typeface="+mj-ea"/>
+                <a:cs typeface="+mj-cs"/>
+              </a:rPr>
+              <a:t>7 clusters:</a:t>
+            </a:r>
+          </a:p>
+        </p:txBody>
+      </p:sp>
+      <p:sp>
+        <p:nvSpPr>
+          <p:cNvPr id="25" name="Freeform: Shape 24">
+            <a:extLst>
+              <a:ext uri="{FF2B5EF4-FFF2-40B4-BE49-F238E27FC236}">
+                <a16:creationId xmlns:a16="http://schemas.microsoft.com/office/drawing/2014/main" id="{7D42D292-4C48-479B-9E59-E29CD9871C0C}"/>
+              </a:ext>
+              <a:ext uri="{C183D7F6-B498-43B3-948B-1728B52AA6E4}">
+                <adec:decorative xmlns:adec="http://schemas.microsoft.com/office/drawing/2017/decorative" val="1"/>
+              </a:ext>
+            </a:extLst>
+          </p:cNvPr>
+          <p:cNvSpPr>
+            <a:spLocks noGrp="1" noRot="1" noChangeAspect="1" noMove="1" noResize="1" noEditPoints="1" noAdjustHandles="1" noChangeArrowheads="1" noChangeShapeType="1" noTextEdit="1"/>
+          </p:cNvSpPr>
+          <p:nvPr>
+            <p:extLst>
+              <p:ext uri="{386F3935-93C4-4BCD-93E2-E3B085C9AB24}">
+                <p16:designElem xmlns:p16="http://schemas.microsoft.com/office/powerpoint/2015/main" val="1"/>
+              </p:ext>
+            </p:extLst>
+          </p:nvPr>
+        </p:nvSpPr>
+        <p:spPr>
+          <a:xfrm flipH="1">
+            <a:off x="0" y="5486400"/>
+            <a:ext cx="2672863" cy="1371600"/>
+          </a:xfrm>
+          <a:custGeom>
+            <a:avLst/>
+            <a:gdLst>
+              <a:gd name="connsiteX0" fmla="*/ 1721734 w 2672863"/>
+              <a:gd name="connsiteY0" fmla="*/ 0 h 1371600"/>
+              <a:gd name="connsiteX1" fmla="*/ 2564444 w 2672863"/>
+              <a:gd name="connsiteY1" fmla="*/ 213382 h 1371600"/>
+              <a:gd name="connsiteX2" fmla="*/ 2672863 w 2672863"/>
+              <a:gd name="connsiteY2" fmla="*/ 279248 h 1371600"/>
+              <a:gd name="connsiteX3" fmla="*/ 2672863 w 2672863"/>
+              <a:gd name="connsiteY3" fmla="*/ 1371600 h 1371600"/>
+              <a:gd name="connsiteX4" fmla="*/ 0 w 2672863"/>
+              <a:gd name="connsiteY4" fmla="*/ 1371600 h 1371600"/>
+              <a:gd name="connsiteX5" fmla="*/ 33268 w 2672863"/>
+              <a:gd name="connsiteY5" fmla="*/ 1242216 h 1371600"/>
+              <a:gd name="connsiteX6" fmla="*/ 1721734 w 2672863"/>
+              <a:gd name="connsiteY6" fmla="*/ 0 h 1371600"/>
+            </a:gdLst>
+            <a:ahLst/>
+            <a:cxnLst>
+              <a:cxn ang="0">
+                <a:pos x="connsiteX0" y="connsiteY0"/>
+              </a:cxn>
+              <a:cxn ang="0">
+                <a:pos x="connsiteX1" y="connsiteY1"/>
+              </a:cxn>
+              <a:cxn ang="0">
+                <a:pos x="connsiteX2" y="connsiteY2"/>
+              </a:cxn>
+              <a:cxn ang="0">
+                <a:pos x="connsiteX3" y="connsiteY3"/>
+              </a:cxn>
+              <a:cxn ang="0">
+                <a:pos x="connsiteX4" y="connsiteY4"/>
+              </a:cxn>
+              <a:cxn ang="0">
+                <a:pos x="connsiteX5" y="connsiteY5"/>
+              </a:cxn>
+              <a:cxn ang="0">
+                <a:pos x="connsiteX6" y="connsiteY6"/>
+              </a:cxn>
+            </a:cxnLst>
+            <a:rect l="l" t="t" r="r" b="b"/>
+            <a:pathLst>
+              <a:path w="2672863" h="1371600">
+                <a:moveTo>
+                  <a:pt x="1721734" y="0"/>
+                </a:moveTo>
+                <a:cubicBezTo>
+                  <a:pt x="2026863" y="0"/>
+                  <a:pt x="2313937" y="77299"/>
+                  <a:pt x="2564444" y="213382"/>
+                </a:cubicBezTo>
+                <a:lnTo>
+                  <a:pt x="2672863" y="279248"/>
+                </a:lnTo>
+                <a:lnTo>
+                  <a:pt x="2672863" y="1371600"/>
+                </a:lnTo>
+                <a:lnTo>
+                  <a:pt x="0" y="1371600"/>
+                </a:lnTo>
+                <a:lnTo>
+                  <a:pt x="33268" y="1242216"/>
+                </a:lnTo>
+                <a:cubicBezTo>
+                  <a:pt x="257110" y="522539"/>
+                  <a:pt x="928399" y="0"/>
+                  <a:pt x="1721734" y="0"/>
+                </a:cubicBezTo>
+                <a:close/>
+              </a:path>
+            </a:pathLst>
+          </a:custGeom>
+          <a:solidFill>
+            <a:schemeClr val="accent4"/>
+          </a:solidFill>
+          <a:ln>
+            <a:noFill/>
+          </a:ln>
+        </p:spPr>
+        <p:style>
+          <a:lnRef idx="2">
+            <a:schemeClr val="accent1">
+              <a:shade val="50000"/>
+            </a:schemeClr>
+          </a:lnRef>
+          <a:fillRef idx="1">
+            <a:schemeClr val="accent1"/>
+          </a:fillRef>
+          <a:effectRef idx="0">
+            <a:schemeClr val="accent1"/>
+          </a:effectRef>
+          <a:fontRef idx="minor">
+            <a:schemeClr val="lt1"/>
+          </a:fontRef>
+        </p:style>
+        <p:txBody>
+          <a:bodyPr wrap="square" rtlCol="0" anchor="ctr">
+            <a:noAutofit/>
+          </a:bodyPr>
+          <a:lstStyle/>
+          <a:p>
+            <a:pPr marL="0" marR="0" lvl="0" indent="0" algn="ctr" defTabSz="914400" rtl="0" eaLnBrk="1" fontAlgn="auto" latinLnBrk="0" hangingPunct="1">
+              <a:lnSpc>
+                <a:spcPct val="100000"/>
+              </a:lnSpc>
+              <a:spcBef>
+                <a:spcPts val="0"/>
+              </a:spcBef>
+              <a:spcAft>
+                <a:spcPts val="0"/>
+              </a:spcAft>
+              <a:buClrTx/>
+              <a:buSzTx/>
+              <a:buFontTx/>
+              <a:buNone/>
+              <a:tabLst/>
+              <a:defRPr/>
+            </a:pPr>
+            <a:endParaRPr kumimoji="0" lang="en-US" sz="1800" b="0" i="0" u="none" strike="noStrike" kern="1200" cap="none" spc="0" normalizeH="0" baseline="0" noProof="0">
+              <a:ln>
+                <a:noFill/>
+              </a:ln>
+              <a:solidFill>
+                <a:prstClr val="white"/>
+              </a:solidFill>
+              <a:effectLst/>
+              <a:uLnTx/>
+              <a:uFillTx/>
+              <a:latin typeface="Calibri" panose="020F0502020204030204"/>
+              <a:ea typeface="+mn-ea"/>
+              <a:cs typeface="+mn-cs"/>
+            </a:endParaRPr>
+          </a:p>
+        </p:txBody>
+      </p:sp>
+      <p:pic>
+        <p:nvPicPr>
+          <p:cNvPr id="6" name="Imagen 5">
+            <a:extLst>
+              <a:ext uri="{FF2B5EF4-FFF2-40B4-BE49-F238E27FC236}">
+                <a16:creationId xmlns:a16="http://schemas.microsoft.com/office/drawing/2014/main" id="{92EE1744-31B5-4843-AA80-DAEDC08B41FA}"/>
+              </a:ext>
+            </a:extLst>
+          </p:cNvPr>
+          <p:cNvPicPr>
+            <a:picLocks noChangeAspect="1"/>
+          </p:cNvPicPr>
+          <p:nvPr/>
+        </p:nvPicPr>
+        <p:blipFill rotWithShape="1">
+          <a:blip r:embed="rId2"/>
+          <a:srcRect t="1056" r="-4" b="1405"/>
+          <a:stretch/>
+        </p:blipFill>
+        <p:spPr>
+          <a:xfrm>
+            <a:off x="643469" y="-183458"/>
+            <a:ext cx="4082817" cy="3489541"/>
+          </a:xfrm>
+          <a:custGeom>
+            <a:avLst/>
+            <a:gdLst/>
+            <a:ahLst/>
+            <a:cxnLst/>
+            <a:rect l="l" t="t" r="r" b="b"/>
+            <a:pathLst>
+              <a:path w="4555700" h="2733294">
+                <a:moveTo>
+                  <a:pt x="82217" y="0"/>
+                </a:moveTo>
+                <a:lnTo>
+                  <a:pt x="4473483" y="0"/>
+                </a:lnTo>
+                <a:cubicBezTo>
+                  <a:pt x="4518890" y="0"/>
+                  <a:pt x="4555700" y="36810"/>
+                  <a:pt x="4555700" y="82217"/>
+                </a:cubicBezTo>
+                <a:lnTo>
+                  <a:pt x="4555700" y="2651077"/>
+                </a:lnTo>
+                <a:cubicBezTo>
+                  <a:pt x="4555700" y="2696484"/>
+                  <a:pt x="4518890" y="2733294"/>
+                  <a:pt x="4473483" y="2733294"/>
+                </a:cubicBezTo>
+                <a:lnTo>
+                  <a:pt x="82217" y="2733294"/>
+                </a:lnTo>
+                <a:cubicBezTo>
+                  <a:pt x="36810" y="2733294"/>
+                  <a:pt x="0" y="2696484"/>
+                  <a:pt x="0" y="2651077"/>
+                </a:cubicBezTo>
+                <a:lnTo>
+                  <a:pt x="0" y="82217"/>
+                </a:lnTo>
+                <a:cubicBezTo>
+                  <a:pt x="0" y="36810"/>
+                  <a:pt x="36810" y="0"/>
+                  <a:pt x="82217" y="0"/>
+                </a:cubicBezTo>
+                <a:close/>
+              </a:path>
+            </a:pathLst>
+          </a:custGeom>
+        </p:spPr>
+      </p:pic>
+      <p:sp>
+        <p:nvSpPr>
+          <p:cNvPr id="27" name="Arc 26">
+            <a:extLst>
+              <a:ext uri="{FF2B5EF4-FFF2-40B4-BE49-F238E27FC236}">
+                <a16:creationId xmlns:a16="http://schemas.microsoft.com/office/drawing/2014/main" id="{533DF362-939D-4EEE-8DC4-6B54607E5611}"/>
+              </a:ext>
+              <a:ext uri="{C183D7F6-B498-43B3-948B-1728B52AA6E4}">
+                <adec:decorative xmlns:adec="http://schemas.microsoft.com/office/drawing/2017/decorative" val="1"/>
+              </a:ext>
+            </a:extLst>
+          </p:cNvPr>
+          <p:cNvSpPr>
+            <a:spLocks noGrp="1" noRot="1" noChangeAspect="1" noMove="1" noResize="1" noEditPoints="1" noAdjustHandles="1" noChangeArrowheads="1" noChangeShapeType="1" noTextEdit="1"/>
+          </p:cNvSpPr>
+          <p:nvPr>
+            <p:extLst>
+              <p:ext uri="{386F3935-93C4-4BCD-93E2-E3B085C9AB24}">
+                <p16:designElem xmlns:p16="http://schemas.microsoft.com/office/powerpoint/2015/main" val="1"/>
+              </p:ext>
+            </p:extLst>
+          </p:nvPr>
+        </p:nvSpPr>
+        <p:spPr>
+          <a:xfrm rot="1095198">
+            <a:off x="1539683" y="162676"/>
+            <a:ext cx="4083433" cy="4083433"/>
+          </a:xfrm>
+          <a:prstGeom prst="arc">
+            <a:avLst>
+              <a:gd name="adj1" fmla="val 17445962"/>
+              <a:gd name="adj2" fmla="val 0"/>
+            </a:avLst>
+          </a:prstGeom>
+          <a:ln w="127000" cap="rnd">
+            <a:solidFill>
+              <a:schemeClr val="accent4"/>
+            </a:solidFill>
+            <a:prstDash val="dash"/>
+          </a:ln>
+        </p:spPr>
+        <p:style>
+          <a:lnRef idx="1">
+            <a:schemeClr val="accent1"/>
+          </a:lnRef>
+          <a:fillRef idx="0">
+            <a:schemeClr val="accent1"/>
+          </a:fillRef>
+          <a:effectRef idx="0">
+            <a:schemeClr val="accent1"/>
+          </a:effectRef>
+          <a:fontRef idx="minor">
+            <a:schemeClr val="tx1"/>
+          </a:fontRef>
+        </p:style>
+        <p:txBody>
+          <a:bodyPr rtlCol="0" anchor="ctr"/>
+          <a:lstStyle/>
+          <a:p>
+            <a:pPr marL="0" marR="0" lvl="0" indent="0" algn="ctr" defTabSz="914400" rtl="0" eaLnBrk="1" fontAlgn="auto" latinLnBrk="0" hangingPunct="1">
+              <a:lnSpc>
+                <a:spcPct val="100000"/>
+              </a:lnSpc>
+              <a:spcBef>
+                <a:spcPts val="0"/>
+              </a:spcBef>
+              <a:spcAft>
+                <a:spcPts val="0"/>
+              </a:spcAft>
+              <a:buClrTx/>
+              <a:buSzTx/>
+              <a:buFontTx/>
+              <a:buNone/>
+              <a:tabLst/>
+              <a:defRPr/>
+            </a:pPr>
+            <a:endParaRPr kumimoji="0" lang="en-US" sz="1800" b="0" i="0" u="none" strike="noStrike" kern="1200" cap="none" spc="0" normalizeH="0" baseline="0" noProof="0" dirty="0">
+              <a:ln>
+                <a:noFill/>
+              </a:ln>
+              <a:solidFill>
+                <a:prstClr val="black"/>
+              </a:solidFill>
+              <a:effectLst/>
+              <a:uLnTx/>
+              <a:uFillTx/>
+              <a:latin typeface="Calibri" panose="020F0502020204030204"/>
+              <a:ea typeface="+mn-ea"/>
+              <a:cs typeface="+mn-cs"/>
+            </a:endParaRPr>
+          </a:p>
+        </p:txBody>
+      </p:sp>
+      <p:pic>
+        <p:nvPicPr>
+          <p:cNvPr id="4" name="Imagen 3">
+            <a:extLst>
+              <a:ext uri="{FF2B5EF4-FFF2-40B4-BE49-F238E27FC236}">
+                <a16:creationId xmlns:a16="http://schemas.microsoft.com/office/drawing/2014/main" id="{FD6198D9-D40F-40D5-A076-944AF2E50C10}"/>
+              </a:ext>
+            </a:extLst>
+          </p:cNvPr>
+          <p:cNvPicPr>
+            <a:picLocks noChangeAspect="1"/>
+          </p:cNvPicPr>
+          <p:nvPr/>
+        </p:nvPicPr>
+        <p:blipFill rotWithShape="1">
+          <a:blip r:embed="rId3"/>
+          <a:srcRect l="9133" r="3" b="3"/>
+          <a:stretch/>
+        </p:blipFill>
+        <p:spPr>
+          <a:xfrm>
+            <a:off x="1336431" y="3390789"/>
+            <a:ext cx="3669581" cy="3532355"/>
+          </a:xfrm>
+          <a:custGeom>
+            <a:avLst/>
+            <a:gdLst/>
+            <a:ahLst/>
+            <a:cxnLst/>
+            <a:rect l="l" t="t" r="r" b="b"/>
+            <a:pathLst>
+              <a:path w="4438338" h="2323972">
+                <a:moveTo>
+                  <a:pt x="69905" y="0"/>
+                </a:moveTo>
+                <a:lnTo>
+                  <a:pt x="4368433" y="0"/>
+                </a:lnTo>
+                <a:cubicBezTo>
+                  <a:pt x="4407040" y="0"/>
+                  <a:pt x="4438338" y="31298"/>
+                  <a:pt x="4438338" y="69905"/>
+                </a:cubicBezTo>
+                <a:lnTo>
+                  <a:pt x="4438338" y="2254067"/>
+                </a:lnTo>
+                <a:cubicBezTo>
+                  <a:pt x="4438338" y="2292674"/>
+                  <a:pt x="4407040" y="2323972"/>
+                  <a:pt x="4368433" y="2323972"/>
+                </a:cubicBezTo>
+                <a:lnTo>
+                  <a:pt x="69905" y="2323972"/>
+                </a:lnTo>
+                <a:cubicBezTo>
+                  <a:pt x="31298" y="2323972"/>
+                  <a:pt x="0" y="2292674"/>
+                  <a:pt x="0" y="2254067"/>
+                </a:cubicBezTo>
+                <a:lnTo>
+                  <a:pt x="0" y="69905"/>
+                </a:lnTo>
+                <a:cubicBezTo>
+                  <a:pt x="0" y="31298"/>
+                  <a:pt x="31298" y="0"/>
+                  <a:pt x="69905" y="0"/>
+                </a:cubicBezTo>
+                <a:close/>
+              </a:path>
+            </a:pathLst>
+          </a:custGeom>
+        </p:spPr>
+      </p:pic>
+      <p:sp>
+        <p:nvSpPr>
+          <p:cNvPr id="20" name="CuadroTexto 19">
+            <a:extLst>
+              <a:ext uri="{FF2B5EF4-FFF2-40B4-BE49-F238E27FC236}">
+                <a16:creationId xmlns:a16="http://schemas.microsoft.com/office/drawing/2014/main" id="{C681433E-F19D-451F-B40B-068E696D8128}"/>
+              </a:ext>
+            </a:extLst>
+          </p:cNvPr>
+          <p:cNvSpPr txBox="1"/>
+          <p:nvPr/>
+        </p:nvSpPr>
+        <p:spPr>
+          <a:xfrm>
+            <a:off x="5729202" y="3265893"/>
+            <a:ext cx="6250763" cy="3005951"/>
+          </a:xfrm>
+          <a:prstGeom prst="rect">
+            <a:avLst/>
+          </a:prstGeom>
+          <a:noFill/>
+        </p:spPr>
+        <p:txBody>
+          <a:bodyPr wrap="square">
+            <a:spAutoFit/>
+          </a:bodyPr>
+          <a:lstStyle/>
+          <a:p>
+            <a:pPr algn="l">
+              <a:lnSpc>
+                <a:spcPct val="150000"/>
+              </a:lnSpc>
+            </a:pPr>
+            <a:r>
+              <a:rPr lang="es-ES" sz="1600" b="1" i="0" dirty="0">
+                <a:solidFill>
+                  <a:srgbClr val="E6591A"/>
+                </a:solidFill>
+                <a:effectLst/>
+                <a:latin typeface="Roboto" panose="02000000000000000000" pitchFamily="2" charset="0"/>
+              </a:rPr>
+              <a:t>Naranja</a:t>
+            </a:r>
+            <a:r>
+              <a:rPr lang="es-ES" sz="1600" b="0" i="0" dirty="0">
+                <a:solidFill>
+                  <a:srgbClr val="212121"/>
+                </a:solidFill>
+                <a:effectLst/>
+                <a:latin typeface="Roboto" panose="02000000000000000000" pitchFamily="2" charset="0"/>
+              </a:rPr>
+              <a:t> </a:t>
+            </a:r>
+            <a:r>
+              <a:rPr lang="es-ES" sz="1600" dirty="0">
+                <a:solidFill>
+                  <a:srgbClr val="212121"/>
+                </a:solidFill>
+                <a:latin typeface="Roboto" panose="02000000000000000000" pitchFamily="2" charset="0"/>
+              </a:rPr>
+              <a:t>A</a:t>
+            </a:r>
+            <a:r>
+              <a:rPr lang="es-ES" sz="1600" b="0" i="0" dirty="0">
+                <a:solidFill>
+                  <a:srgbClr val="212121"/>
+                </a:solidFill>
+                <a:effectLst/>
+                <a:latin typeface="Roboto" panose="02000000000000000000" pitchFamily="2" charset="0"/>
+              </a:rPr>
+              <a:t>lta materia orgánica, </a:t>
+            </a:r>
+            <a:r>
+              <a:rPr lang="es-ES" sz="1600" b="0" i="0" dirty="0" err="1">
+                <a:solidFill>
+                  <a:srgbClr val="212121"/>
+                </a:solidFill>
+                <a:effectLst/>
+                <a:latin typeface="Roboto" panose="02000000000000000000" pitchFamily="2" charset="0"/>
+              </a:rPr>
+              <a:t>ph</a:t>
+            </a:r>
+            <a:r>
+              <a:rPr lang="es-ES" sz="1600" b="0" i="0" dirty="0">
+                <a:solidFill>
+                  <a:srgbClr val="212121"/>
+                </a:solidFill>
+                <a:effectLst/>
+                <a:latin typeface="Roboto" panose="02000000000000000000" pitchFamily="2" charset="0"/>
+              </a:rPr>
+              <a:t> medio-bajo y CIC bajo.</a:t>
+            </a:r>
+          </a:p>
+          <a:p>
+            <a:pPr algn="l">
+              <a:lnSpc>
+                <a:spcPct val="150000"/>
+              </a:lnSpc>
+            </a:pPr>
+            <a:r>
+              <a:rPr lang="es-ES" sz="1600" b="1" i="0" dirty="0">
+                <a:solidFill>
+                  <a:srgbClr val="FCA904"/>
+                </a:solidFill>
+                <a:effectLst/>
+                <a:latin typeface="Roboto" panose="02000000000000000000" pitchFamily="2" charset="0"/>
+              </a:rPr>
+              <a:t>Amarillo oscuro</a:t>
+            </a:r>
+            <a:r>
+              <a:rPr lang="es-ES" sz="1600" b="0" i="0" dirty="0">
+                <a:solidFill>
+                  <a:srgbClr val="FCA904"/>
+                </a:solidFill>
+                <a:effectLst/>
+                <a:latin typeface="Roboto" panose="02000000000000000000" pitchFamily="2" charset="0"/>
+              </a:rPr>
+              <a:t> </a:t>
+            </a:r>
+            <a:r>
+              <a:rPr lang="es-ES" sz="1600" dirty="0">
+                <a:solidFill>
+                  <a:srgbClr val="212121"/>
+                </a:solidFill>
+                <a:latin typeface="Roboto" panose="02000000000000000000" pitchFamily="2" charset="0"/>
+              </a:rPr>
+              <a:t>B</a:t>
+            </a:r>
+            <a:r>
+              <a:rPr lang="es-ES" sz="1600" b="0" i="0" dirty="0">
+                <a:solidFill>
+                  <a:srgbClr val="212121"/>
+                </a:solidFill>
+                <a:effectLst/>
+                <a:latin typeface="Roboto" panose="02000000000000000000" pitchFamily="2" charset="0"/>
+              </a:rPr>
+              <a:t>aja materia orgánica, </a:t>
+            </a:r>
+            <a:r>
+              <a:rPr lang="es-ES" sz="1600" b="0" i="0" dirty="0" err="1">
+                <a:solidFill>
+                  <a:srgbClr val="212121"/>
+                </a:solidFill>
+                <a:effectLst/>
+                <a:latin typeface="Roboto" panose="02000000000000000000" pitchFamily="2" charset="0"/>
+              </a:rPr>
+              <a:t>ph</a:t>
+            </a:r>
+            <a:r>
+              <a:rPr lang="es-ES" sz="1600" b="0" i="0" dirty="0">
+                <a:solidFill>
+                  <a:srgbClr val="212121"/>
+                </a:solidFill>
+                <a:effectLst/>
+                <a:latin typeface="Roboto" panose="02000000000000000000" pitchFamily="2" charset="0"/>
+              </a:rPr>
+              <a:t> medio y CIC baja.</a:t>
+            </a:r>
+          </a:p>
+          <a:p>
+            <a:pPr algn="l">
+              <a:lnSpc>
+                <a:spcPct val="150000"/>
+              </a:lnSpc>
+            </a:pPr>
+            <a:r>
+              <a:rPr lang="es-ES" sz="1600" b="1" i="0" dirty="0">
+                <a:solidFill>
+                  <a:srgbClr val="FFFF00"/>
+                </a:solidFill>
+                <a:effectLst/>
+                <a:latin typeface="Roboto" panose="02000000000000000000" pitchFamily="2" charset="0"/>
+              </a:rPr>
+              <a:t>Amarillo claro</a:t>
+            </a:r>
+            <a:r>
+              <a:rPr lang="es-ES" sz="1600" b="0" i="0" dirty="0">
+                <a:solidFill>
+                  <a:srgbClr val="FFFF00"/>
+                </a:solidFill>
+                <a:effectLst/>
+                <a:latin typeface="Roboto" panose="02000000000000000000" pitchFamily="2" charset="0"/>
+              </a:rPr>
+              <a:t> </a:t>
+            </a:r>
+            <a:r>
+              <a:rPr lang="es-ES" sz="1600" dirty="0">
+                <a:solidFill>
+                  <a:srgbClr val="212121"/>
+                </a:solidFill>
+                <a:latin typeface="Roboto" panose="02000000000000000000" pitchFamily="2" charset="0"/>
+              </a:rPr>
+              <a:t>M</a:t>
+            </a:r>
+            <a:r>
+              <a:rPr lang="es-ES" sz="1600" b="0" i="0" dirty="0">
+                <a:solidFill>
+                  <a:srgbClr val="212121"/>
+                </a:solidFill>
+                <a:effectLst/>
+                <a:latin typeface="Roboto" panose="02000000000000000000" pitchFamily="2" charset="0"/>
+              </a:rPr>
+              <a:t>ateria orgánica media, </a:t>
+            </a:r>
+            <a:r>
+              <a:rPr lang="es-ES" sz="1600" b="0" i="0" dirty="0" err="1">
+                <a:solidFill>
+                  <a:srgbClr val="212121"/>
+                </a:solidFill>
+                <a:effectLst/>
+                <a:latin typeface="Roboto" panose="02000000000000000000" pitchFamily="2" charset="0"/>
+              </a:rPr>
+              <a:t>ph</a:t>
+            </a:r>
+            <a:r>
+              <a:rPr lang="es-ES" sz="1600" b="0" i="0" dirty="0">
+                <a:solidFill>
+                  <a:srgbClr val="212121"/>
+                </a:solidFill>
+                <a:effectLst/>
+                <a:latin typeface="Roboto" panose="02000000000000000000" pitchFamily="2" charset="0"/>
+              </a:rPr>
+              <a:t> alto y alta CIC.</a:t>
+            </a:r>
+          </a:p>
+          <a:p>
+            <a:pPr algn="l">
+              <a:lnSpc>
+                <a:spcPct val="150000"/>
+              </a:lnSpc>
+            </a:pPr>
+            <a:r>
+              <a:rPr lang="es-ES" sz="1600" b="1" i="0" dirty="0">
+                <a:solidFill>
+                  <a:srgbClr val="002060"/>
+                </a:solidFill>
+                <a:effectLst/>
+                <a:latin typeface="Roboto" panose="02000000000000000000" pitchFamily="2" charset="0"/>
+              </a:rPr>
+              <a:t>Azul</a:t>
+            </a:r>
+            <a:r>
+              <a:rPr lang="es-ES" sz="1600" b="0" i="0" dirty="0">
+                <a:solidFill>
+                  <a:srgbClr val="002060"/>
+                </a:solidFill>
+                <a:effectLst/>
+                <a:latin typeface="Roboto" panose="02000000000000000000" pitchFamily="2" charset="0"/>
+              </a:rPr>
+              <a:t> </a:t>
+            </a:r>
+            <a:r>
+              <a:rPr lang="es-ES" sz="1600" b="0" i="0" dirty="0">
+                <a:solidFill>
+                  <a:schemeClr val="tx1">
+                    <a:lumMod val="85000"/>
+                    <a:lumOff val="15000"/>
+                  </a:schemeClr>
+                </a:solidFill>
+                <a:effectLst/>
+                <a:latin typeface="Roboto" panose="02000000000000000000" pitchFamily="2" charset="0"/>
+              </a:rPr>
+              <a:t>Materia orgánica baja-media, </a:t>
+            </a:r>
+            <a:r>
+              <a:rPr lang="es-ES" sz="1600" b="0" i="0" dirty="0" err="1">
+                <a:solidFill>
+                  <a:schemeClr val="tx1">
+                    <a:lumMod val="85000"/>
+                    <a:lumOff val="15000"/>
+                  </a:schemeClr>
+                </a:solidFill>
+                <a:effectLst/>
+                <a:latin typeface="Roboto" panose="02000000000000000000" pitchFamily="2" charset="0"/>
+              </a:rPr>
+              <a:t>ph</a:t>
+            </a:r>
+            <a:r>
+              <a:rPr lang="es-ES" sz="1600" b="0" i="0" dirty="0">
+                <a:solidFill>
+                  <a:schemeClr val="tx1">
+                    <a:lumMod val="85000"/>
+                    <a:lumOff val="15000"/>
+                  </a:schemeClr>
+                </a:solidFill>
+                <a:effectLst/>
+                <a:latin typeface="Roboto" panose="02000000000000000000" pitchFamily="2" charset="0"/>
+              </a:rPr>
+              <a:t> medio y CIC baja-media.</a:t>
+            </a:r>
+          </a:p>
+          <a:p>
+            <a:pPr algn="l">
+              <a:lnSpc>
+                <a:spcPct val="150000"/>
+              </a:lnSpc>
+            </a:pPr>
+            <a:r>
+              <a:rPr lang="es-ES" sz="1600" b="1" i="0" dirty="0">
+                <a:solidFill>
+                  <a:srgbClr val="FF3399"/>
+                </a:solidFill>
+                <a:effectLst/>
+                <a:latin typeface="Roboto" panose="02000000000000000000" pitchFamily="2" charset="0"/>
+              </a:rPr>
+              <a:t>Rosado</a:t>
+            </a:r>
+            <a:r>
+              <a:rPr lang="es-ES" sz="1600" b="0" i="0" dirty="0">
+                <a:solidFill>
+                  <a:srgbClr val="212121"/>
+                </a:solidFill>
+                <a:effectLst/>
+                <a:latin typeface="Roboto" panose="02000000000000000000" pitchFamily="2" charset="0"/>
+              </a:rPr>
+              <a:t> Materia orgánica baja-media, </a:t>
+            </a:r>
+            <a:r>
+              <a:rPr lang="es-ES" sz="1600" b="0" i="0" dirty="0" err="1">
+                <a:solidFill>
+                  <a:srgbClr val="212121"/>
+                </a:solidFill>
+                <a:effectLst/>
+                <a:latin typeface="Roboto" panose="02000000000000000000" pitchFamily="2" charset="0"/>
+              </a:rPr>
+              <a:t>ph</a:t>
+            </a:r>
+            <a:r>
+              <a:rPr lang="es-ES" sz="1600" b="0" i="0" dirty="0">
+                <a:solidFill>
+                  <a:srgbClr val="212121"/>
+                </a:solidFill>
+                <a:effectLst/>
+                <a:latin typeface="Roboto" panose="02000000000000000000" pitchFamily="2" charset="0"/>
+              </a:rPr>
+              <a:t> alto y CIC media.</a:t>
+            </a:r>
+          </a:p>
+          <a:p>
+            <a:pPr algn="l">
+              <a:lnSpc>
+                <a:spcPct val="150000"/>
+              </a:lnSpc>
+            </a:pPr>
+            <a:r>
+              <a:rPr lang="es-ES" sz="1600" b="1" i="0" dirty="0">
+                <a:solidFill>
+                  <a:schemeClr val="accent6">
+                    <a:lumMod val="60000"/>
+                    <a:lumOff val="40000"/>
+                  </a:schemeClr>
+                </a:solidFill>
+                <a:effectLst/>
+                <a:latin typeface="Roboto" panose="02000000000000000000" pitchFamily="2" charset="0"/>
+              </a:rPr>
+              <a:t>Morado claro</a:t>
+            </a:r>
+            <a:r>
+              <a:rPr lang="es-ES" sz="1600" b="0" i="0" dirty="0">
+                <a:solidFill>
+                  <a:schemeClr val="accent6">
+                    <a:lumMod val="60000"/>
+                    <a:lumOff val="40000"/>
+                  </a:schemeClr>
+                </a:solidFill>
+                <a:effectLst/>
+                <a:latin typeface="Roboto" panose="02000000000000000000" pitchFamily="2" charset="0"/>
+              </a:rPr>
+              <a:t> </a:t>
+            </a:r>
+            <a:r>
+              <a:rPr lang="es-ES" sz="1600" b="0" i="0" dirty="0">
+                <a:solidFill>
+                  <a:srgbClr val="212121"/>
+                </a:solidFill>
+                <a:effectLst/>
+                <a:latin typeface="Roboto" panose="02000000000000000000" pitchFamily="2" charset="0"/>
+              </a:rPr>
+              <a:t>Materia orgánica baja-media , </a:t>
+            </a:r>
+            <a:r>
+              <a:rPr lang="es-ES" sz="1600" b="0" i="0" dirty="0" err="1">
+                <a:solidFill>
+                  <a:srgbClr val="212121"/>
+                </a:solidFill>
+                <a:effectLst/>
+                <a:latin typeface="Roboto" panose="02000000000000000000" pitchFamily="2" charset="0"/>
+              </a:rPr>
+              <a:t>ph</a:t>
+            </a:r>
+            <a:r>
+              <a:rPr lang="es-ES" sz="1600" b="0" i="0" dirty="0">
+                <a:solidFill>
+                  <a:srgbClr val="212121"/>
+                </a:solidFill>
+                <a:effectLst/>
+                <a:latin typeface="Roboto" panose="02000000000000000000" pitchFamily="2" charset="0"/>
+              </a:rPr>
+              <a:t> medio y CIC baja.</a:t>
+            </a:r>
+          </a:p>
+          <a:p>
+            <a:pPr algn="l">
+              <a:lnSpc>
+                <a:spcPct val="150000"/>
+              </a:lnSpc>
+            </a:pPr>
+            <a:r>
+              <a:rPr lang="es-ES" sz="1600" b="1" i="0" dirty="0">
+                <a:solidFill>
+                  <a:schemeClr val="accent6">
+                    <a:lumMod val="75000"/>
+                  </a:schemeClr>
+                </a:solidFill>
+                <a:effectLst/>
+                <a:latin typeface="Roboto" panose="02000000000000000000" pitchFamily="2" charset="0"/>
+              </a:rPr>
+              <a:t>Morado oscuro</a:t>
+            </a:r>
+            <a:r>
+              <a:rPr lang="es-ES" sz="1600" b="0" i="0" dirty="0">
+                <a:solidFill>
+                  <a:schemeClr val="accent6">
+                    <a:lumMod val="75000"/>
+                  </a:schemeClr>
+                </a:solidFill>
+                <a:effectLst/>
+                <a:latin typeface="Roboto" panose="02000000000000000000" pitchFamily="2" charset="0"/>
+              </a:rPr>
+              <a:t> </a:t>
+            </a:r>
+            <a:r>
+              <a:rPr lang="es-ES" sz="1600" dirty="0">
+                <a:solidFill>
+                  <a:srgbClr val="212121"/>
+                </a:solidFill>
+                <a:latin typeface="Roboto" panose="02000000000000000000" pitchFamily="2" charset="0"/>
+              </a:rPr>
+              <a:t>M</a:t>
+            </a:r>
+            <a:r>
+              <a:rPr lang="es-ES" sz="1600" b="0" i="0" dirty="0">
+                <a:solidFill>
+                  <a:srgbClr val="212121"/>
+                </a:solidFill>
+                <a:effectLst/>
+                <a:latin typeface="Roboto" panose="02000000000000000000" pitchFamily="2" charset="0"/>
+              </a:rPr>
+              <a:t>ateria orgánica baja-media, </a:t>
+            </a:r>
+            <a:r>
+              <a:rPr lang="es-ES" sz="1600" b="0" i="0" dirty="0" err="1">
+                <a:solidFill>
+                  <a:srgbClr val="212121"/>
+                </a:solidFill>
+                <a:effectLst/>
+                <a:latin typeface="Roboto" panose="02000000000000000000" pitchFamily="2" charset="0"/>
+              </a:rPr>
+              <a:t>ph</a:t>
+            </a:r>
+            <a:r>
+              <a:rPr lang="es-ES" sz="1600" b="0" i="0" dirty="0">
+                <a:solidFill>
+                  <a:srgbClr val="212121"/>
+                </a:solidFill>
+                <a:effectLst/>
+                <a:latin typeface="Roboto" panose="02000000000000000000" pitchFamily="2" charset="0"/>
+              </a:rPr>
+              <a:t> medio-alto y CIC variable (alta-media-baja).</a:t>
+            </a:r>
+          </a:p>
+        </p:txBody>
+      </p:sp>
+      <p:sp>
+        <p:nvSpPr>
+          <p:cNvPr id="21" name="Título 1">
+            <a:extLst>
+              <a:ext uri="{FF2B5EF4-FFF2-40B4-BE49-F238E27FC236}">
+                <a16:creationId xmlns:a16="http://schemas.microsoft.com/office/drawing/2014/main" id="{51746E10-5ED2-455E-AC59-615811B0D6FD}"/>
               </a:ext>
             </a:extLst>
           </p:cNvPr>
@@ -9230,8 +12706,8 @@
         </p:nvSpPr>
         <p:spPr>
           <a:xfrm>
-            <a:off x="4189691" y="377687"/>
-            <a:ext cx="5526752" cy="947347"/>
+            <a:off x="6303694" y="638584"/>
+            <a:ext cx="5397237" cy="1325563"/>
           </a:xfrm>
           <a:prstGeom prst="rect">
             <a:avLst/>
@@ -9262,134 +12738,33 @@
           </a:lstStyle>
           <a:p>
             <a:r>
-              <a:rPr lang="es-CO" b="1" dirty="0">
+              <a:rPr lang="en-US" sz="4400" b="1" dirty="0">
                 <a:solidFill>
                   <a:srgbClr val="F46F0C"/>
                 </a:solidFill>
               </a:rPr>
-              <a:t>CONCLUSIONES</a:t>
-            </a:r>
-          </a:p>
-          <a:p>
-            <a:endParaRPr lang="es-CO" b="1" dirty="0">
-              <a:solidFill>
-                <a:srgbClr val="F46F0C"/>
-              </a:solidFill>
-            </a:endParaRPr>
-          </a:p>
-        </p:txBody>
-      </p:sp>
-      <p:sp>
-        <p:nvSpPr>
-          <p:cNvPr id="3" name="Marcador de contenido 2">
-            <a:extLst>
-              <a:ext uri="{FF2B5EF4-FFF2-40B4-BE49-F238E27FC236}">
-                <a16:creationId xmlns:a16="http://schemas.microsoft.com/office/drawing/2014/main" id="{82A3E0D7-368A-4985-B023-E0FE8839D122}"/>
-              </a:ext>
-            </a:extLst>
-          </p:cNvPr>
-          <p:cNvSpPr>
-            <a:spLocks noGrp="1"/>
-          </p:cNvSpPr>
-          <p:nvPr>
-            <p:ph idx="1"/>
-          </p:nvPr>
-        </p:nvSpPr>
-        <p:spPr>
-          <a:xfrm>
-            <a:off x="838200" y="616039"/>
-            <a:ext cx="10515600" cy="5864274"/>
-          </a:xfrm>
-        </p:spPr>
-        <p:txBody>
-          <a:bodyPr>
-            <a:normAutofit/>
-          </a:bodyPr>
-          <a:lstStyle/>
-          <a:p>
-            <a:pPr marL="0" indent="0">
-              <a:lnSpc>
-                <a:spcPct val="110000"/>
-              </a:lnSpc>
-              <a:buNone/>
-            </a:pPr>
-            <a:endParaRPr lang="es-ES" sz="1600" dirty="0">
-              <a:sym typeface="Wingdings" panose="05000000000000000000" pitchFamily="2" charset="2"/>
-            </a:endParaRPr>
-          </a:p>
-          <a:p>
-            <a:pPr algn="just">
-              <a:lnSpc>
-                <a:spcPct val="110000"/>
-              </a:lnSpc>
-            </a:pPr>
-            <a:endParaRPr lang="es-ES" sz="1800" dirty="0">
-              <a:sym typeface="Wingdings" panose="05000000000000000000" pitchFamily="2" charset="2"/>
-            </a:endParaRPr>
-          </a:p>
-          <a:p>
-            <a:pPr marL="0" indent="0">
-              <a:lnSpc>
-                <a:spcPct val="110000"/>
-              </a:lnSpc>
-              <a:buNone/>
-            </a:pPr>
-            <a:endParaRPr lang="es-ES" sz="1800" dirty="0">
-              <a:sym typeface="Wingdings" panose="05000000000000000000" pitchFamily="2" charset="2"/>
-            </a:endParaRPr>
-          </a:p>
-          <a:p>
-            <a:pPr marL="0" indent="0" algn="just">
-              <a:lnSpc>
-                <a:spcPct val="110000"/>
-              </a:lnSpc>
-              <a:buNone/>
-            </a:pPr>
-            <a:endParaRPr lang="es-ES" sz="1800" dirty="0">
-              <a:sym typeface="Wingdings" panose="05000000000000000000" pitchFamily="2" charset="2"/>
-            </a:endParaRPr>
-          </a:p>
-          <a:p>
-            <a:pPr marL="0" indent="0">
-              <a:lnSpc>
-                <a:spcPct val="110000"/>
-              </a:lnSpc>
-              <a:buNone/>
-            </a:pPr>
-            <a:endParaRPr lang="es-ES" sz="1800" dirty="0">
-              <a:sym typeface="Wingdings" panose="05000000000000000000" pitchFamily="2" charset="2"/>
-            </a:endParaRPr>
-          </a:p>
-          <a:p>
-            <a:pPr marL="0" indent="0" algn="just">
-              <a:lnSpc>
-                <a:spcPct val="110000"/>
-              </a:lnSpc>
-              <a:buNone/>
-            </a:pPr>
-            <a:endParaRPr lang="es-ES" sz="1600" dirty="0">
-              <a:sym typeface="Wingdings" panose="05000000000000000000" pitchFamily="2" charset="2"/>
-            </a:endParaRPr>
+              <a:t>CLÚSTER JERÁRQUICO</a:t>
+            </a:r>
           </a:p>
         </p:txBody>
       </p:sp>
     </p:spTree>
     <p:extLst>
       <p:ext uri="{BB962C8B-B14F-4D97-AF65-F5344CB8AC3E}">
-        <p14:creationId xmlns:p14="http://schemas.microsoft.com/office/powerpoint/2010/main" val="2315923275"/>
+        <p14:creationId xmlns:p14="http://schemas.microsoft.com/office/powerpoint/2010/main" val="4034275016"/>
       </p:ext>
     </p:extLst>
   </p:cSld>
   <p:clrMapOvr>
     <a:masterClrMapping/>
   </p:clrMapOvr>
-  <mc:AlternateContent xmlns:mc="http://schemas.openxmlformats.org/markup-compatibility/2006" xmlns:p159="http://schemas.microsoft.com/office/powerpoint/2015/09/main">
-    <mc:Choice Requires="p159">
+  <mc:AlternateContent xmlns:mc="http://schemas.openxmlformats.org/markup-compatibility/2006">
+    <mc:Choice xmlns:p159="http://schemas.microsoft.com/office/powerpoint/2015/09/main" Requires="p159">
       <p:transition xmlns:p14="http://schemas.microsoft.com/office/powerpoint/2010/main" spd="slow" p14:dur="2000">
         <p159:morph option="byObject"/>
       </p:transition>
     </mc:Choice>
-    <mc:Fallback xmlns="">
+    <mc:Fallback>
       <p:transition spd="slow">
         <p:fade/>
       </p:transition>

--- a/Proyecto final/Sustentación data science.pptx
+++ b/Proyecto final/Sustentación data science.pptx
@@ -13,9 +13,10 @@
     <p:sldId id="263" r:id="rId7"/>
     <p:sldId id="279" r:id="rId8"/>
     <p:sldId id="280" r:id="rId9"/>
-    <p:sldId id="277" r:id="rId10"/>
-    <p:sldId id="278" r:id="rId11"/>
-    <p:sldId id="274" r:id="rId12"/>
+    <p:sldId id="281" r:id="rId10"/>
+    <p:sldId id="277" r:id="rId11"/>
+    <p:sldId id="278" r:id="rId12"/>
+    <p:sldId id="274" r:id="rId13"/>
   </p:sldIdLst>
   <p:sldSz cx="12192000" cy="6858000"/>
   <p:notesSz cx="6858000" cy="9144000"/>
@@ -7312,6 +7313,1122 @@
 <file path=ppt/slides/slide10.xml><?xml version="1.0" encoding="utf-8"?>
 <p:sld xmlns:a="http://schemas.openxmlformats.org/drawingml/2006/main" xmlns:r="http://schemas.openxmlformats.org/officeDocument/2006/relationships" xmlns:p="http://schemas.openxmlformats.org/presentationml/2006/main">
   <p:cSld>
+    <p:bg>
+      <p:bgPr>
+        <a:solidFill>
+          <a:schemeClr val="bg1"/>
+        </a:solidFill>
+        <a:effectLst/>
+      </p:bgPr>
+    </p:bg>
+    <p:spTree>
+      <p:nvGrpSpPr>
+        <p:cNvPr id="1" name=""/>
+        <p:cNvGrpSpPr/>
+        <p:nvPr/>
+      </p:nvGrpSpPr>
+      <p:grpSpPr>
+        <a:xfrm>
+          <a:off x="0" y="0"/>
+          <a:ext cx="0" cy="0"/>
+          <a:chOff x="0" y="0"/>
+          <a:chExt cx="0" cy="0"/>
+        </a:xfrm>
+      </p:grpSpPr>
+      <p:sp useBgFill="1">
+        <p:nvSpPr>
+          <p:cNvPr id="23" name="Rectangle 22">
+            <a:extLst>
+              <a:ext uri="{FF2B5EF4-FFF2-40B4-BE49-F238E27FC236}">
+                <a16:creationId xmlns:a16="http://schemas.microsoft.com/office/drawing/2014/main" id="{53E60C6D-4E85-4E14-BCDF-BF15C241F7CA}"/>
+              </a:ext>
+              <a:ext uri="{C183D7F6-B498-43B3-948B-1728B52AA6E4}">
+                <adec:decorative xmlns:adec="http://schemas.microsoft.com/office/drawing/2017/decorative" val="1"/>
+              </a:ext>
+            </a:extLst>
+          </p:cNvPr>
+          <p:cNvSpPr>
+            <a:spLocks noGrp="1" noRot="1" noChangeAspect="1" noMove="1" noResize="1" noEditPoints="1" noAdjustHandles="1" noChangeArrowheads="1" noChangeShapeType="1" noTextEdit="1"/>
+          </p:cNvSpPr>
+          <p:nvPr>
+            <p:extLst>
+              <p:ext uri="{386F3935-93C4-4BCD-93E2-E3B085C9AB24}">
+                <p16:designElem xmlns:p16="http://schemas.microsoft.com/office/powerpoint/2015/main" val="1"/>
+              </p:ext>
+            </p:extLst>
+          </p:nvPr>
+        </p:nvSpPr>
+        <p:spPr>
+          <a:xfrm>
+            <a:off x="0" y="0"/>
+            <a:ext cx="12188952" cy="6858000"/>
+          </a:xfrm>
+          <a:prstGeom prst="rect">
+            <a:avLst/>
+          </a:prstGeom>
+          <a:ln>
+            <a:noFill/>
+          </a:ln>
+        </p:spPr>
+        <p:style>
+          <a:lnRef idx="2">
+            <a:schemeClr val="accent1">
+              <a:shade val="50000"/>
+            </a:schemeClr>
+          </a:lnRef>
+          <a:fillRef idx="1">
+            <a:schemeClr val="accent1"/>
+          </a:fillRef>
+          <a:effectRef idx="0">
+            <a:schemeClr val="accent1"/>
+          </a:effectRef>
+          <a:fontRef idx="minor">
+            <a:schemeClr val="lt1"/>
+          </a:fontRef>
+        </p:style>
+        <p:txBody>
+          <a:bodyPr rtlCol="0" anchor="ctr"/>
+          <a:lstStyle/>
+          <a:p>
+            <a:pPr marL="0" marR="0" lvl="0" indent="0" algn="ctr" defTabSz="914400" rtl="0" eaLnBrk="1" fontAlgn="auto" latinLnBrk="0" hangingPunct="1">
+              <a:lnSpc>
+                <a:spcPct val="100000"/>
+              </a:lnSpc>
+              <a:spcBef>
+                <a:spcPts val="0"/>
+              </a:spcBef>
+              <a:spcAft>
+                <a:spcPts val="0"/>
+              </a:spcAft>
+              <a:buClrTx/>
+              <a:buSzTx/>
+              <a:buFontTx/>
+              <a:buNone/>
+              <a:tabLst/>
+              <a:defRPr/>
+            </a:pPr>
+            <a:endParaRPr kumimoji="0" lang="en-US" sz="1800" b="0" i="0" u="none" strike="noStrike" kern="1200" cap="none" spc="0" normalizeH="0" baseline="0" noProof="0">
+              <a:ln>
+                <a:noFill/>
+              </a:ln>
+              <a:solidFill>
+                <a:prstClr val="white"/>
+              </a:solidFill>
+              <a:effectLst/>
+              <a:uLnTx/>
+              <a:uFillTx/>
+              <a:latin typeface="Calibri" panose="020F0502020204030204"/>
+              <a:ea typeface="+mn-ea"/>
+              <a:cs typeface="+mn-cs"/>
+            </a:endParaRPr>
+          </a:p>
+        </p:txBody>
+      </p:sp>
+      <p:sp>
+        <p:nvSpPr>
+          <p:cNvPr id="2" name="Título 1">
+            <a:extLst>
+              <a:ext uri="{FF2B5EF4-FFF2-40B4-BE49-F238E27FC236}">
+                <a16:creationId xmlns:a16="http://schemas.microsoft.com/office/drawing/2014/main" id="{48415947-46D6-4BB6-851C-50CDD8CAED1C}"/>
+              </a:ext>
+            </a:extLst>
+          </p:cNvPr>
+          <p:cNvSpPr>
+            <a:spLocks noGrp="1"/>
+          </p:cNvSpPr>
+          <p:nvPr>
+            <p:ph type="title"/>
+          </p:nvPr>
+        </p:nvSpPr>
+        <p:spPr>
+          <a:xfrm>
+            <a:off x="7293037" y="2634045"/>
+            <a:ext cx="2314789" cy="540119"/>
+          </a:xfrm>
+        </p:spPr>
+        <p:txBody>
+          <a:bodyPr vert="horz" lIns="91440" tIns="45720" rIns="91440" bIns="45720" rtlCol="0" anchor="ctr">
+            <a:normAutofit fontScale="90000"/>
+          </a:bodyPr>
+          <a:lstStyle/>
+          <a:p>
+            <a:r>
+              <a:rPr lang="en-US" sz="3600" b="1" kern="1200" dirty="0">
+                <a:solidFill>
+                  <a:srgbClr val="002060"/>
+                </a:solidFill>
+                <a:latin typeface="+mj-lt"/>
+                <a:ea typeface="+mj-ea"/>
+                <a:cs typeface="+mj-cs"/>
+              </a:rPr>
+              <a:t>7 clusters:</a:t>
+            </a:r>
+          </a:p>
+        </p:txBody>
+      </p:sp>
+      <p:sp>
+        <p:nvSpPr>
+          <p:cNvPr id="25" name="Freeform: Shape 24">
+            <a:extLst>
+              <a:ext uri="{FF2B5EF4-FFF2-40B4-BE49-F238E27FC236}">
+                <a16:creationId xmlns:a16="http://schemas.microsoft.com/office/drawing/2014/main" id="{7D42D292-4C48-479B-9E59-E29CD9871C0C}"/>
+              </a:ext>
+              <a:ext uri="{C183D7F6-B498-43B3-948B-1728B52AA6E4}">
+                <adec:decorative xmlns:adec="http://schemas.microsoft.com/office/drawing/2017/decorative" val="1"/>
+              </a:ext>
+            </a:extLst>
+          </p:cNvPr>
+          <p:cNvSpPr>
+            <a:spLocks noGrp="1" noRot="1" noChangeAspect="1" noMove="1" noResize="1" noEditPoints="1" noAdjustHandles="1" noChangeArrowheads="1" noChangeShapeType="1" noTextEdit="1"/>
+          </p:cNvSpPr>
+          <p:nvPr>
+            <p:extLst>
+              <p:ext uri="{386F3935-93C4-4BCD-93E2-E3B085C9AB24}">
+                <p16:designElem xmlns:p16="http://schemas.microsoft.com/office/powerpoint/2015/main" val="1"/>
+              </p:ext>
+            </p:extLst>
+          </p:nvPr>
+        </p:nvSpPr>
+        <p:spPr>
+          <a:xfrm flipH="1">
+            <a:off x="0" y="5486400"/>
+            <a:ext cx="2672863" cy="1371600"/>
+          </a:xfrm>
+          <a:custGeom>
+            <a:avLst/>
+            <a:gdLst>
+              <a:gd name="connsiteX0" fmla="*/ 1721734 w 2672863"/>
+              <a:gd name="connsiteY0" fmla="*/ 0 h 1371600"/>
+              <a:gd name="connsiteX1" fmla="*/ 2564444 w 2672863"/>
+              <a:gd name="connsiteY1" fmla="*/ 213382 h 1371600"/>
+              <a:gd name="connsiteX2" fmla="*/ 2672863 w 2672863"/>
+              <a:gd name="connsiteY2" fmla="*/ 279248 h 1371600"/>
+              <a:gd name="connsiteX3" fmla="*/ 2672863 w 2672863"/>
+              <a:gd name="connsiteY3" fmla="*/ 1371600 h 1371600"/>
+              <a:gd name="connsiteX4" fmla="*/ 0 w 2672863"/>
+              <a:gd name="connsiteY4" fmla="*/ 1371600 h 1371600"/>
+              <a:gd name="connsiteX5" fmla="*/ 33268 w 2672863"/>
+              <a:gd name="connsiteY5" fmla="*/ 1242216 h 1371600"/>
+              <a:gd name="connsiteX6" fmla="*/ 1721734 w 2672863"/>
+              <a:gd name="connsiteY6" fmla="*/ 0 h 1371600"/>
+            </a:gdLst>
+            <a:ahLst/>
+            <a:cxnLst>
+              <a:cxn ang="0">
+                <a:pos x="connsiteX0" y="connsiteY0"/>
+              </a:cxn>
+              <a:cxn ang="0">
+                <a:pos x="connsiteX1" y="connsiteY1"/>
+              </a:cxn>
+              <a:cxn ang="0">
+                <a:pos x="connsiteX2" y="connsiteY2"/>
+              </a:cxn>
+              <a:cxn ang="0">
+                <a:pos x="connsiteX3" y="connsiteY3"/>
+              </a:cxn>
+              <a:cxn ang="0">
+                <a:pos x="connsiteX4" y="connsiteY4"/>
+              </a:cxn>
+              <a:cxn ang="0">
+                <a:pos x="connsiteX5" y="connsiteY5"/>
+              </a:cxn>
+              <a:cxn ang="0">
+                <a:pos x="connsiteX6" y="connsiteY6"/>
+              </a:cxn>
+            </a:cxnLst>
+            <a:rect l="l" t="t" r="r" b="b"/>
+            <a:pathLst>
+              <a:path w="2672863" h="1371600">
+                <a:moveTo>
+                  <a:pt x="1721734" y="0"/>
+                </a:moveTo>
+                <a:cubicBezTo>
+                  <a:pt x="2026863" y="0"/>
+                  <a:pt x="2313937" y="77299"/>
+                  <a:pt x="2564444" y="213382"/>
+                </a:cubicBezTo>
+                <a:lnTo>
+                  <a:pt x="2672863" y="279248"/>
+                </a:lnTo>
+                <a:lnTo>
+                  <a:pt x="2672863" y="1371600"/>
+                </a:lnTo>
+                <a:lnTo>
+                  <a:pt x="0" y="1371600"/>
+                </a:lnTo>
+                <a:lnTo>
+                  <a:pt x="33268" y="1242216"/>
+                </a:lnTo>
+                <a:cubicBezTo>
+                  <a:pt x="257110" y="522539"/>
+                  <a:pt x="928399" y="0"/>
+                  <a:pt x="1721734" y="0"/>
+                </a:cubicBezTo>
+                <a:close/>
+              </a:path>
+            </a:pathLst>
+          </a:custGeom>
+          <a:solidFill>
+            <a:schemeClr val="accent4"/>
+          </a:solidFill>
+          <a:ln>
+            <a:noFill/>
+          </a:ln>
+        </p:spPr>
+        <p:style>
+          <a:lnRef idx="2">
+            <a:schemeClr val="accent1">
+              <a:shade val="50000"/>
+            </a:schemeClr>
+          </a:lnRef>
+          <a:fillRef idx="1">
+            <a:schemeClr val="accent1"/>
+          </a:fillRef>
+          <a:effectRef idx="0">
+            <a:schemeClr val="accent1"/>
+          </a:effectRef>
+          <a:fontRef idx="minor">
+            <a:schemeClr val="lt1"/>
+          </a:fontRef>
+        </p:style>
+        <p:txBody>
+          <a:bodyPr wrap="square" rtlCol="0" anchor="ctr">
+            <a:noAutofit/>
+          </a:bodyPr>
+          <a:lstStyle/>
+          <a:p>
+            <a:pPr marL="0" marR="0" lvl="0" indent="0" algn="ctr" defTabSz="914400" rtl="0" eaLnBrk="1" fontAlgn="auto" latinLnBrk="0" hangingPunct="1">
+              <a:lnSpc>
+                <a:spcPct val="100000"/>
+              </a:lnSpc>
+              <a:spcBef>
+                <a:spcPts val="0"/>
+              </a:spcBef>
+              <a:spcAft>
+                <a:spcPts val="0"/>
+              </a:spcAft>
+              <a:buClrTx/>
+              <a:buSzTx/>
+              <a:buFontTx/>
+              <a:buNone/>
+              <a:tabLst/>
+              <a:defRPr/>
+            </a:pPr>
+            <a:endParaRPr kumimoji="0" lang="en-US" sz="1800" b="0" i="0" u="none" strike="noStrike" kern="1200" cap="none" spc="0" normalizeH="0" baseline="0" noProof="0">
+              <a:ln>
+                <a:noFill/>
+              </a:ln>
+              <a:solidFill>
+                <a:prstClr val="white"/>
+              </a:solidFill>
+              <a:effectLst/>
+              <a:uLnTx/>
+              <a:uFillTx/>
+              <a:latin typeface="Calibri" panose="020F0502020204030204"/>
+              <a:ea typeface="+mn-ea"/>
+              <a:cs typeface="+mn-cs"/>
+            </a:endParaRPr>
+          </a:p>
+        </p:txBody>
+      </p:sp>
+      <p:pic>
+        <p:nvPicPr>
+          <p:cNvPr id="6" name="Imagen 5">
+            <a:extLst>
+              <a:ext uri="{FF2B5EF4-FFF2-40B4-BE49-F238E27FC236}">
+                <a16:creationId xmlns:a16="http://schemas.microsoft.com/office/drawing/2014/main" id="{92EE1744-31B5-4843-AA80-DAEDC08B41FA}"/>
+              </a:ext>
+            </a:extLst>
+          </p:cNvPr>
+          <p:cNvPicPr>
+            <a:picLocks noChangeAspect="1"/>
+          </p:cNvPicPr>
+          <p:nvPr/>
+        </p:nvPicPr>
+        <p:blipFill rotWithShape="1">
+          <a:blip r:embed="rId2"/>
+          <a:srcRect t="1056" r="-4" b="1405"/>
+          <a:stretch/>
+        </p:blipFill>
+        <p:spPr>
+          <a:xfrm>
+            <a:off x="643469" y="-183458"/>
+            <a:ext cx="4082817" cy="3489541"/>
+          </a:xfrm>
+          <a:custGeom>
+            <a:avLst/>
+            <a:gdLst/>
+            <a:ahLst/>
+            <a:cxnLst/>
+            <a:rect l="l" t="t" r="r" b="b"/>
+            <a:pathLst>
+              <a:path w="4555700" h="2733294">
+                <a:moveTo>
+                  <a:pt x="82217" y="0"/>
+                </a:moveTo>
+                <a:lnTo>
+                  <a:pt x="4473483" y="0"/>
+                </a:lnTo>
+                <a:cubicBezTo>
+                  <a:pt x="4518890" y="0"/>
+                  <a:pt x="4555700" y="36810"/>
+                  <a:pt x="4555700" y="82217"/>
+                </a:cubicBezTo>
+                <a:lnTo>
+                  <a:pt x="4555700" y="2651077"/>
+                </a:lnTo>
+                <a:cubicBezTo>
+                  <a:pt x="4555700" y="2696484"/>
+                  <a:pt x="4518890" y="2733294"/>
+                  <a:pt x="4473483" y="2733294"/>
+                </a:cubicBezTo>
+                <a:lnTo>
+                  <a:pt x="82217" y="2733294"/>
+                </a:lnTo>
+                <a:cubicBezTo>
+                  <a:pt x="36810" y="2733294"/>
+                  <a:pt x="0" y="2696484"/>
+                  <a:pt x="0" y="2651077"/>
+                </a:cubicBezTo>
+                <a:lnTo>
+                  <a:pt x="0" y="82217"/>
+                </a:lnTo>
+                <a:cubicBezTo>
+                  <a:pt x="0" y="36810"/>
+                  <a:pt x="36810" y="0"/>
+                  <a:pt x="82217" y="0"/>
+                </a:cubicBezTo>
+                <a:close/>
+              </a:path>
+            </a:pathLst>
+          </a:custGeom>
+        </p:spPr>
+      </p:pic>
+      <p:sp>
+        <p:nvSpPr>
+          <p:cNvPr id="27" name="Arc 26">
+            <a:extLst>
+              <a:ext uri="{FF2B5EF4-FFF2-40B4-BE49-F238E27FC236}">
+                <a16:creationId xmlns:a16="http://schemas.microsoft.com/office/drawing/2014/main" id="{533DF362-939D-4EEE-8DC4-6B54607E5611}"/>
+              </a:ext>
+              <a:ext uri="{C183D7F6-B498-43B3-948B-1728B52AA6E4}">
+                <adec:decorative xmlns:adec="http://schemas.microsoft.com/office/drawing/2017/decorative" val="1"/>
+              </a:ext>
+            </a:extLst>
+          </p:cNvPr>
+          <p:cNvSpPr>
+            <a:spLocks noGrp="1" noRot="1" noChangeAspect="1" noMove="1" noResize="1" noEditPoints="1" noAdjustHandles="1" noChangeArrowheads="1" noChangeShapeType="1" noTextEdit="1"/>
+          </p:cNvSpPr>
+          <p:nvPr>
+            <p:extLst>
+              <p:ext uri="{386F3935-93C4-4BCD-93E2-E3B085C9AB24}">
+                <p16:designElem xmlns:p16="http://schemas.microsoft.com/office/powerpoint/2015/main" val="1"/>
+              </p:ext>
+            </p:extLst>
+          </p:nvPr>
+        </p:nvSpPr>
+        <p:spPr>
+          <a:xfrm rot="1095198">
+            <a:off x="1539683" y="162676"/>
+            <a:ext cx="4083433" cy="4083433"/>
+          </a:xfrm>
+          <a:prstGeom prst="arc">
+            <a:avLst>
+              <a:gd name="adj1" fmla="val 17445962"/>
+              <a:gd name="adj2" fmla="val 0"/>
+            </a:avLst>
+          </a:prstGeom>
+          <a:ln w="127000" cap="rnd">
+            <a:solidFill>
+              <a:schemeClr val="accent4"/>
+            </a:solidFill>
+            <a:prstDash val="dash"/>
+          </a:ln>
+        </p:spPr>
+        <p:style>
+          <a:lnRef idx="1">
+            <a:schemeClr val="accent1"/>
+          </a:lnRef>
+          <a:fillRef idx="0">
+            <a:schemeClr val="accent1"/>
+          </a:fillRef>
+          <a:effectRef idx="0">
+            <a:schemeClr val="accent1"/>
+          </a:effectRef>
+          <a:fontRef idx="minor">
+            <a:schemeClr val="tx1"/>
+          </a:fontRef>
+        </p:style>
+        <p:txBody>
+          <a:bodyPr rtlCol="0" anchor="ctr"/>
+          <a:lstStyle/>
+          <a:p>
+            <a:pPr marL="0" marR="0" lvl="0" indent="0" algn="ctr" defTabSz="914400" rtl="0" eaLnBrk="1" fontAlgn="auto" latinLnBrk="0" hangingPunct="1">
+              <a:lnSpc>
+                <a:spcPct val="100000"/>
+              </a:lnSpc>
+              <a:spcBef>
+                <a:spcPts val="0"/>
+              </a:spcBef>
+              <a:spcAft>
+                <a:spcPts val="0"/>
+              </a:spcAft>
+              <a:buClrTx/>
+              <a:buSzTx/>
+              <a:buFontTx/>
+              <a:buNone/>
+              <a:tabLst/>
+              <a:defRPr/>
+            </a:pPr>
+            <a:endParaRPr kumimoji="0" lang="en-US" sz="1800" b="0" i="0" u="none" strike="noStrike" kern="1200" cap="none" spc="0" normalizeH="0" baseline="0" noProof="0" dirty="0">
+              <a:ln>
+                <a:noFill/>
+              </a:ln>
+              <a:solidFill>
+                <a:prstClr val="black"/>
+              </a:solidFill>
+              <a:effectLst/>
+              <a:uLnTx/>
+              <a:uFillTx/>
+              <a:latin typeface="Calibri" panose="020F0502020204030204"/>
+              <a:ea typeface="+mn-ea"/>
+              <a:cs typeface="+mn-cs"/>
+            </a:endParaRPr>
+          </a:p>
+        </p:txBody>
+      </p:sp>
+      <p:pic>
+        <p:nvPicPr>
+          <p:cNvPr id="4" name="Imagen 3">
+            <a:extLst>
+              <a:ext uri="{FF2B5EF4-FFF2-40B4-BE49-F238E27FC236}">
+                <a16:creationId xmlns:a16="http://schemas.microsoft.com/office/drawing/2014/main" id="{FD6198D9-D40F-40D5-A076-944AF2E50C10}"/>
+              </a:ext>
+            </a:extLst>
+          </p:cNvPr>
+          <p:cNvPicPr>
+            <a:picLocks noChangeAspect="1"/>
+          </p:cNvPicPr>
+          <p:nvPr/>
+        </p:nvPicPr>
+        <p:blipFill rotWithShape="1">
+          <a:blip r:embed="rId3"/>
+          <a:srcRect l="9133" r="3" b="3"/>
+          <a:stretch/>
+        </p:blipFill>
+        <p:spPr>
+          <a:xfrm>
+            <a:off x="1336431" y="3390789"/>
+            <a:ext cx="3669581" cy="3532355"/>
+          </a:xfrm>
+          <a:custGeom>
+            <a:avLst/>
+            <a:gdLst/>
+            <a:ahLst/>
+            <a:cxnLst/>
+            <a:rect l="l" t="t" r="r" b="b"/>
+            <a:pathLst>
+              <a:path w="4438338" h="2323972">
+                <a:moveTo>
+                  <a:pt x="69905" y="0"/>
+                </a:moveTo>
+                <a:lnTo>
+                  <a:pt x="4368433" y="0"/>
+                </a:lnTo>
+                <a:cubicBezTo>
+                  <a:pt x="4407040" y="0"/>
+                  <a:pt x="4438338" y="31298"/>
+                  <a:pt x="4438338" y="69905"/>
+                </a:cubicBezTo>
+                <a:lnTo>
+                  <a:pt x="4438338" y="2254067"/>
+                </a:lnTo>
+                <a:cubicBezTo>
+                  <a:pt x="4438338" y="2292674"/>
+                  <a:pt x="4407040" y="2323972"/>
+                  <a:pt x="4368433" y="2323972"/>
+                </a:cubicBezTo>
+                <a:lnTo>
+                  <a:pt x="69905" y="2323972"/>
+                </a:lnTo>
+                <a:cubicBezTo>
+                  <a:pt x="31298" y="2323972"/>
+                  <a:pt x="0" y="2292674"/>
+                  <a:pt x="0" y="2254067"/>
+                </a:cubicBezTo>
+                <a:lnTo>
+                  <a:pt x="0" y="69905"/>
+                </a:lnTo>
+                <a:cubicBezTo>
+                  <a:pt x="0" y="31298"/>
+                  <a:pt x="31298" y="0"/>
+                  <a:pt x="69905" y="0"/>
+                </a:cubicBezTo>
+                <a:close/>
+              </a:path>
+            </a:pathLst>
+          </a:custGeom>
+        </p:spPr>
+      </p:pic>
+      <p:sp>
+        <p:nvSpPr>
+          <p:cNvPr id="20" name="CuadroTexto 19">
+            <a:extLst>
+              <a:ext uri="{FF2B5EF4-FFF2-40B4-BE49-F238E27FC236}">
+                <a16:creationId xmlns:a16="http://schemas.microsoft.com/office/drawing/2014/main" id="{C681433E-F19D-451F-B40B-068E696D8128}"/>
+              </a:ext>
+            </a:extLst>
+          </p:cNvPr>
+          <p:cNvSpPr txBox="1"/>
+          <p:nvPr/>
+        </p:nvSpPr>
+        <p:spPr>
+          <a:xfrm>
+            <a:off x="5729202" y="3265893"/>
+            <a:ext cx="6250763" cy="3005951"/>
+          </a:xfrm>
+          <a:prstGeom prst="rect">
+            <a:avLst/>
+          </a:prstGeom>
+          <a:noFill/>
+        </p:spPr>
+        <p:txBody>
+          <a:bodyPr wrap="square">
+            <a:spAutoFit/>
+          </a:bodyPr>
+          <a:lstStyle/>
+          <a:p>
+            <a:pPr algn="l">
+              <a:lnSpc>
+                <a:spcPct val="150000"/>
+              </a:lnSpc>
+            </a:pPr>
+            <a:r>
+              <a:rPr lang="es-ES" sz="1600" b="1" i="0" dirty="0">
+                <a:solidFill>
+                  <a:srgbClr val="E6591A"/>
+                </a:solidFill>
+                <a:effectLst/>
+                <a:latin typeface="Roboto" panose="02000000000000000000" pitchFamily="2" charset="0"/>
+              </a:rPr>
+              <a:t>Naranja</a:t>
+            </a:r>
+            <a:r>
+              <a:rPr lang="es-ES" sz="1600" b="0" i="0" dirty="0">
+                <a:solidFill>
+                  <a:srgbClr val="212121"/>
+                </a:solidFill>
+                <a:effectLst/>
+                <a:latin typeface="Roboto" panose="02000000000000000000" pitchFamily="2" charset="0"/>
+              </a:rPr>
+              <a:t> </a:t>
+            </a:r>
+            <a:r>
+              <a:rPr lang="es-ES" sz="1600" dirty="0">
+                <a:solidFill>
+                  <a:srgbClr val="212121"/>
+                </a:solidFill>
+                <a:latin typeface="Roboto" panose="02000000000000000000" pitchFamily="2" charset="0"/>
+              </a:rPr>
+              <a:t>A</a:t>
+            </a:r>
+            <a:r>
+              <a:rPr lang="es-ES" sz="1600" b="0" i="0" dirty="0">
+                <a:solidFill>
+                  <a:srgbClr val="212121"/>
+                </a:solidFill>
+                <a:effectLst/>
+                <a:latin typeface="Roboto" panose="02000000000000000000" pitchFamily="2" charset="0"/>
+              </a:rPr>
+              <a:t>lta materia orgánica, </a:t>
+            </a:r>
+            <a:r>
+              <a:rPr lang="es-ES" sz="1600" b="0" i="0" dirty="0" err="1">
+                <a:solidFill>
+                  <a:srgbClr val="212121"/>
+                </a:solidFill>
+                <a:effectLst/>
+                <a:latin typeface="Roboto" panose="02000000000000000000" pitchFamily="2" charset="0"/>
+              </a:rPr>
+              <a:t>ph</a:t>
+            </a:r>
+            <a:r>
+              <a:rPr lang="es-ES" sz="1600" b="0" i="0" dirty="0">
+                <a:solidFill>
+                  <a:srgbClr val="212121"/>
+                </a:solidFill>
+                <a:effectLst/>
+                <a:latin typeface="Roboto" panose="02000000000000000000" pitchFamily="2" charset="0"/>
+              </a:rPr>
+              <a:t> medio-bajo y CIC bajo.</a:t>
+            </a:r>
+          </a:p>
+          <a:p>
+            <a:pPr algn="l">
+              <a:lnSpc>
+                <a:spcPct val="150000"/>
+              </a:lnSpc>
+            </a:pPr>
+            <a:r>
+              <a:rPr lang="es-ES" sz="1600" b="1" i="0" dirty="0">
+                <a:solidFill>
+                  <a:srgbClr val="FCA904"/>
+                </a:solidFill>
+                <a:effectLst/>
+                <a:latin typeface="Roboto" panose="02000000000000000000" pitchFamily="2" charset="0"/>
+              </a:rPr>
+              <a:t>Amarillo oscuro</a:t>
+            </a:r>
+            <a:r>
+              <a:rPr lang="es-ES" sz="1600" b="0" i="0" dirty="0">
+                <a:solidFill>
+                  <a:srgbClr val="FCA904"/>
+                </a:solidFill>
+                <a:effectLst/>
+                <a:latin typeface="Roboto" panose="02000000000000000000" pitchFamily="2" charset="0"/>
+              </a:rPr>
+              <a:t> </a:t>
+            </a:r>
+            <a:r>
+              <a:rPr lang="es-ES" sz="1600" dirty="0">
+                <a:solidFill>
+                  <a:srgbClr val="212121"/>
+                </a:solidFill>
+                <a:latin typeface="Roboto" panose="02000000000000000000" pitchFamily="2" charset="0"/>
+              </a:rPr>
+              <a:t>B</a:t>
+            </a:r>
+            <a:r>
+              <a:rPr lang="es-ES" sz="1600" b="0" i="0" dirty="0">
+                <a:solidFill>
+                  <a:srgbClr val="212121"/>
+                </a:solidFill>
+                <a:effectLst/>
+                <a:latin typeface="Roboto" panose="02000000000000000000" pitchFamily="2" charset="0"/>
+              </a:rPr>
+              <a:t>aja materia orgánica, </a:t>
+            </a:r>
+            <a:r>
+              <a:rPr lang="es-ES" sz="1600" b="0" i="0" dirty="0" err="1">
+                <a:solidFill>
+                  <a:srgbClr val="212121"/>
+                </a:solidFill>
+                <a:effectLst/>
+                <a:latin typeface="Roboto" panose="02000000000000000000" pitchFamily="2" charset="0"/>
+              </a:rPr>
+              <a:t>ph</a:t>
+            </a:r>
+            <a:r>
+              <a:rPr lang="es-ES" sz="1600" b="0" i="0" dirty="0">
+                <a:solidFill>
+                  <a:srgbClr val="212121"/>
+                </a:solidFill>
+                <a:effectLst/>
+                <a:latin typeface="Roboto" panose="02000000000000000000" pitchFamily="2" charset="0"/>
+              </a:rPr>
+              <a:t> medio y CIC baja.</a:t>
+            </a:r>
+          </a:p>
+          <a:p>
+            <a:pPr algn="l">
+              <a:lnSpc>
+                <a:spcPct val="150000"/>
+              </a:lnSpc>
+            </a:pPr>
+            <a:r>
+              <a:rPr lang="es-ES" sz="1600" b="1" i="0" dirty="0">
+                <a:solidFill>
+                  <a:srgbClr val="FFFF00"/>
+                </a:solidFill>
+                <a:effectLst/>
+                <a:latin typeface="Roboto" panose="02000000000000000000" pitchFamily="2" charset="0"/>
+              </a:rPr>
+              <a:t>Amarillo claro</a:t>
+            </a:r>
+            <a:r>
+              <a:rPr lang="es-ES" sz="1600" b="0" i="0" dirty="0">
+                <a:solidFill>
+                  <a:srgbClr val="FFFF00"/>
+                </a:solidFill>
+                <a:effectLst/>
+                <a:latin typeface="Roboto" panose="02000000000000000000" pitchFamily="2" charset="0"/>
+              </a:rPr>
+              <a:t> </a:t>
+            </a:r>
+            <a:r>
+              <a:rPr lang="es-ES" sz="1600" dirty="0">
+                <a:solidFill>
+                  <a:srgbClr val="212121"/>
+                </a:solidFill>
+                <a:latin typeface="Roboto" panose="02000000000000000000" pitchFamily="2" charset="0"/>
+              </a:rPr>
+              <a:t>M</a:t>
+            </a:r>
+            <a:r>
+              <a:rPr lang="es-ES" sz="1600" b="0" i="0" dirty="0">
+                <a:solidFill>
+                  <a:srgbClr val="212121"/>
+                </a:solidFill>
+                <a:effectLst/>
+                <a:latin typeface="Roboto" panose="02000000000000000000" pitchFamily="2" charset="0"/>
+              </a:rPr>
+              <a:t>ateria orgánica media, </a:t>
+            </a:r>
+            <a:r>
+              <a:rPr lang="es-ES" sz="1600" b="0" i="0" dirty="0" err="1">
+                <a:solidFill>
+                  <a:srgbClr val="212121"/>
+                </a:solidFill>
+                <a:effectLst/>
+                <a:latin typeface="Roboto" panose="02000000000000000000" pitchFamily="2" charset="0"/>
+              </a:rPr>
+              <a:t>ph</a:t>
+            </a:r>
+            <a:r>
+              <a:rPr lang="es-ES" sz="1600" b="0" i="0" dirty="0">
+                <a:solidFill>
+                  <a:srgbClr val="212121"/>
+                </a:solidFill>
+                <a:effectLst/>
+                <a:latin typeface="Roboto" panose="02000000000000000000" pitchFamily="2" charset="0"/>
+              </a:rPr>
+              <a:t> alto y alta CIC.</a:t>
+            </a:r>
+          </a:p>
+          <a:p>
+            <a:pPr algn="l">
+              <a:lnSpc>
+                <a:spcPct val="150000"/>
+              </a:lnSpc>
+            </a:pPr>
+            <a:r>
+              <a:rPr lang="es-ES" sz="1600" b="1" i="0" dirty="0">
+                <a:solidFill>
+                  <a:srgbClr val="002060"/>
+                </a:solidFill>
+                <a:effectLst/>
+                <a:latin typeface="Roboto" panose="02000000000000000000" pitchFamily="2" charset="0"/>
+              </a:rPr>
+              <a:t>Azul</a:t>
+            </a:r>
+            <a:r>
+              <a:rPr lang="es-ES" sz="1600" b="0" i="0" dirty="0">
+                <a:solidFill>
+                  <a:srgbClr val="002060"/>
+                </a:solidFill>
+                <a:effectLst/>
+                <a:latin typeface="Roboto" panose="02000000000000000000" pitchFamily="2" charset="0"/>
+              </a:rPr>
+              <a:t> </a:t>
+            </a:r>
+            <a:r>
+              <a:rPr lang="es-ES" sz="1600" b="0" i="0" dirty="0">
+                <a:solidFill>
+                  <a:schemeClr val="tx1">
+                    <a:lumMod val="85000"/>
+                    <a:lumOff val="15000"/>
+                  </a:schemeClr>
+                </a:solidFill>
+                <a:effectLst/>
+                <a:latin typeface="Roboto" panose="02000000000000000000" pitchFamily="2" charset="0"/>
+              </a:rPr>
+              <a:t>Materia orgánica baja-media, </a:t>
+            </a:r>
+            <a:r>
+              <a:rPr lang="es-ES" sz="1600" b="0" i="0" dirty="0" err="1">
+                <a:solidFill>
+                  <a:schemeClr val="tx1">
+                    <a:lumMod val="85000"/>
+                    <a:lumOff val="15000"/>
+                  </a:schemeClr>
+                </a:solidFill>
+                <a:effectLst/>
+                <a:latin typeface="Roboto" panose="02000000000000000000" pitchFamily="2" charset="0"/>
+              </a:rPr>
+              <a:t>ph</a:t>
+            </a:r>
+            <a:r>
+              <a:rPr lang="es-ES" sz="1600" b="0" i="0" dirty="0">
+                <a:solidFill>
+                  <a:schemeClr val="tx1">
+                    <a:lumMod val="85000"/>
+                    <a:lumOff val="15000"/>
+                  </a:schemeClr>
+                </a:solidFill>
+                <a:effectLst/>
+                <a:latin typeface="Roboto" panose="02000000000000000000" pitchFamily="2" charset="0"/>
+              </a:rPr>
+              <a:t> medio y CIC baja-media.</a:t>
+            </a:r>
+          </a:p>
+          <a:p>
+            <a:pPr algn="l">
+              <a:lnSpc>
+                <a:spcPct val="150000"/>
+              </a:lnSpc>
+            </a:pPr>
+            <a:r>
+              <a:rPr lang="es-ES" sz="1600" b="1" i="0" dirty="0">
+                <a:solidFill>
+                  <a:srgbClr val="FF3399"/>
+                </a:solidFill>
+                <a:effectLst/>
+                <a:latin typeface="Roboto" panose="02000000000000000000" pitchFamily="2" charset="0"/>
+              </a:rPr>
+              <a:t>Rosado</a:t>
+            </a:r>
+            <a:r>
+              <a:rPr lang="es-ES" sz="1600" b="0" i="0" dirty="0">
+                <a:solidFill>
+                  <a:srgbClr val="212121"/>
+                </a:solidFill>
+                <a:effectLst/>
+                <a:latin typeface="Roboto" panose="02000000000000000000" pitchFamily="2" charset="0"/>
+              </a:rPr>
+              <a:t> Materia orgánica baja-media, </a:t>
+            </a:r>
+            <a:r>
+              <a:rPr lang="es-ES" sz="1600" b="0" i="0" dirty="0" err="1">
+                <a:solidFill>
+                  <a:srgbClr val="212121"/>
+                </a:solidFill>
+                <a:effectLst/>
+                <a:latin typeface="Roboto" panose="02000000000000000000" pitchFamily="2" charset="0"/>
+              </a:rPr>
+              <a:t>ph</a:t>
+            </a:r>
+            <a:r>
+              <a:rPr lang="es-ES" sz="1600" b="0" i="0" dirty="0">
+                <a:solidFill>
+                  <a:srgbClr val="212121"/>
+                </a:solidFill>
+                <a:effectLst/>
+                <a:latin typeface="Roboto" panose="02000000000000000000" pitchFamily="2" charset="0"/>
+              </a:rPr>
+              <a:t> alto y CIC media.</a:t>
+            </a:r>
+          </a:p>
+          <a:p>
+            <a:pPr algn="l">
+              <a:lnSpc>
+                <a:spcPct val="150000"/>
+              </a:lnSpc>
+            </a:pPr>
+            <a:r>
+              <a:rPr lang="es-ES" sz="1600" b="1" i="0" dirty="0">
+                <a:solidFill>
+                  <a:schemeClr val="accent6">
+                    <a:lumMod val="60000"/>
+                    <a:lumOff val="40000"/>
+                  </a:schemeClr>
+                </a:solidFill>
+                <a:effectLst/>
+                <a:latin typeface="Roboto" panose="02000000000000000000" pitchFamily="2" charset="0"/>
+              </a:rPr>
+              <a:t>Morado claro</a:t>
+            </a:r>
+            <a:r>
+              <a:rPr lang="es-ES" sz="1600" b="0" i="0" dirty="0">
+                <a:solidFill>
+                  <a:schemeClr val="accent6">
+                    <a:lumMod val="60000"/>
+                    <a:lumOff val="40000"/>
+                  </a:schemeClr>
+                </a:solidFill>
+                <a:effectLst/>
+                <a:latin typeface="Roboto" panose="02000000000000000000" pitchFamily="2" charset="0"/>
+              </a:rPr>
+              <a:t> </a:t>
+            </a:r>
+            <a:r>
+              <a:rPr lang="es-ES" sz="1600" b="0" i="0" dirty="0">
+                <a:solidFill>
+                  <a:srgbClr val="212121"/>
+                </a:solidFill>
+                <a:effectLst/>
+                <a:latin typeface="Roboto" panose="02000000000000000000" pitchFamily="2" charset="0"/>
+              </a:rPr>
+              <a:t>Materia orgánica baja-media , </a:t>
+            </a:r>
+            <a:r>
+              <a:rPr lang="es-ES" sz="1600" b="0" i="0" dirty="0" err="1">
+                <a:solidFill>
+                  <a:srgbClr val="212121"/>
+                </a:solidFill>
+                <a:effectLst/>
+                <a:latin typeface="Roboto" panose="02000000000000000000" pitchFamily="2" charset="0"/>
+              </a:rPr>
+              <a:t>ph</a:t>
+            </a:r>
+            <a:r>
+              <a:rPr lang="es-ES" sz="1600" b="0" i="0" dirty="0">
+                <a:solidFill>
+                  <a:srgbClr val="212121"/>
+                </a:solidFill>
+                <a:effectLst/>
+                <a:latin typeface="Roboto" panose="02000000000000000000" pitchFamily="2" charset="0"/>
+              </a:rPr>
+              <a:t> medio y CIC baja.</a:t>
+            </a:r>
+          </a:p>
+          <a:p>
+            <a:pPr algn="l">
+              <a:lnSpc>
+                <a:spcPct val="150000"/>
+              </a:lnSpc>
+            </a:pPr>
+            <a:r>
+              <a:rPr lang="es-ES" sz="1600" b="1" i="0" dirty="0">
+                <a:solidFill>
+                  <a:schemeClr val="accent6">
+                    <a:lumMod val="75000"/>
+                  </a:schemeClr>
+                </a:solidFill>
+                <a:effectLst/>
+                <a:latin typeface="Roboto" panose="02000000000000000000" pitchFamily="2" charset="0"/>
+              </a:rPr>
+              <a:t>Morado oscuro</a:t>
+            </a:r>
+            <a:r>
+              <a:rPr lang="es-ES" sz="1600" b="0" i="0" dirty="0">
+                <a:solidFill>
+                  <a:schemeClr val="accent6">
+                    <a:lumMod val="75000"/>
+                  </a:schemeClr>
+                </a:solidFill>
+                <a:effectLst/>
+                <a:latin typeface="Roboto" panose="02000000000000000000" pitchFamily="2" charset="0"/>
+              </a:rPr>
+              <a:t> </a:t>
+            </a:r>
+            <a:r>
+              <a:rPr lang="es-ES" sz="1600" dirty="0">
+                <a:solidFill>
+                  <a:srgbClr val="212121"/>
+                </a:solidFill>
+                <a:latin typeface="Roboto" panose="02000000000000000000" pitchFamily="2" charset="0"/>
+              </a:rPr>
+              <a:t>M</a:t>
+            </a:r>
+            <a:r>
+              <a:rPr lang="es-ES" sz="1600" b="0" i="0" dirty="0">
+                <a:solidFill>
+                  <a:srgbClr val="212121"/>
+                </a:solidFill>
+                <a:effectLst/>
+                <a:latin typeface="Roboto" panose="02000000000000000000" pitchFamily="2" charset="0"/>
+              </a:rPr>
+              <a:t>ateria orgánica baja-media, </a:t>
+            </a:r>
+            <a:r>
+              <a:rPr lang="es-ES" sz="1600" b="0" i="0" dirty="0" err="1">
+                <a:solidFill>
+                  <a:srgbClr val="212121"/>
+                </a:solidFill>
+                <a:effectLst/>
+                <a:latin typeface="Roboto" panose="02000000000000000000" pitchFamily="2" charset="0"/>
+              </a:rPr>
+              <a:t>ph</a:t>
+            </a:r>
+            <a:r>
+              <a:rPr lang="es-ES" sz="1600" b="0" i="0" dirty="0">
+                <a:solidFill>
+                  <a:srgbClr val="212121"/>
+                </a:solidFill>
+                <a:effectLst/>
+                <a:latin typeface="Roboto" panose="02000000000000000000" pitchFamily="2" charset="0"/>
+              </a:rPr>
+              <a:t> medio-alto y CIC variable (alta-media-baja).</a:t>
+            </a:r>
+          </a:p>
+        </p:txBody>
+      </p:sp>
+      <p:sp>
+        <p:nvSpPr>
+          <p:cNvPr id="21" name="Título 1">
+            <a:extLst>
+              <a:ext uri="{FF2B5EF4-FFF2-40B4-BE49-F238E27FC236}">
+                <a16:creationId xmlns:a16="http://schemas.microsoft.com/office/drawing/2014/main" id="{51746E10-5ED2-455E-AC59-615811B0D6FD}"/>
+              </a:ext>
+            </a:extLst>
+          </p:cNvPr>
+          <p:cNvSpPr txBox="1">
+            <a:spLocks/>
+          </p:cNvSpPr>
+          <p:nvPr/>
+        </p:nvSpPr>
+        <p:spPr>
+          <a:xfrm>
+            <a:off x="6303694" y="638584"/>
+            <a:ext cx="5397237" cy="1325563"/>
+          </a:xfrm>
+          <a:prstGeom prst="rect">
+            <a:avLst/>
+          </a:prstGeom>
+        </p:spPr>
+        <p:txBody>
+          <a:bodyPr vert="horz" lIns="91440" tIns="45720" rIns="91440" bIns="45720" rtlCol="0" anchor="ctr">
+            <a:normAutofit/>
+          </a:bodyPr>
+          <a:lstStyle>
+            <a:lvl1pPr algn="l" defTabSz="914400" rtl="0" eaLnBrk="1" latinLnBrk="0" hangingPunct="1">
+              <a:lnSpc>
+                <a:spcPct val="90000"/>
+              </a:lnSpc>
+              <a:spcBef>
+                <a:spcPct val="0"/>
+              </a:spcBef>
+              <a:buNone/>
+              <a:defRPr sz="3200" kern="1200">
+                <a:solidFill>
+                  <a:schemeClr val="tx1"/>
+                </a:solidFill>
+                <a:latin typeface="+mj-lt"/>
+                <a:ea typeface="+mj-ea"/>
+                <a:cs typeface="+mj-cs"/>
+              </a:defRPr>
+            </a:lvl1pPr>
+          </a:lstStyle>
+          <a:p>
+            <a:r>
+              <a:rPr lang="en-US" sz="4400" b="1" dirty="0">
+                <a:solidFill>
+                  <a:srgbClr val="F46F0C"/>
+                </a:solidFill>
+              </a:rPr>
+              <a:t>CLÚSTER JERÁRQUICO</a:t>
+            </a:r>
+          </a:p>
+        </p:txBody>
+      </p:sp>
+    </p:spTree>
+    <p:extLst>
+      <p:ext uri="{BB962C8B-B14F-4D97-AF65-F5344CB8AC3E}">
+        <p14:creationId xmlns:p14="http://schemas.microsoft.com/office/powerpoint/2010/main" val="4034275016"/>
+      </p:ext>
+    </p:extLst>
+  </p:cSld>
+  <p:clrMapOvr>
+    <a:masterClrMapping/>
+  </p:clrMapOvr>
+  <mc:AlternateContent xmlns:mc="http://schemas.openxmlformats.org/markup-compatibility/2006" xmlns:p159="http://schemas.microsoft.com/office/powerpoint/2015/09/main">
+    <mc:Choice Requires="p159">
+      <p:transition xmlns:p14="http://schemas.microsoft.com/office/powerpoint/2010/main" spd="slow" p14:dur="2000">
+        <p159:morph option="byObject"/>
+      </p:transition>
+    </mc:Choice>
+    <mc:Fallback xmlns="">
+      <p:transition spd="slow">
+        <p:fade/>
+      </p:transition>
+    </mc:Fallback>
+  </mc:AlternateContent>
+</p:sld>
+</file>
+
+<file path=ppt/slides/slide11.xml><?xml version="1.0" encoding="utf-8"?>
+<p:sld xmlns:a="http://schemas.openxmlformats.org/drawingml/2006/main" xmlns:r="http://schemas.openxmlformats.org/officeDocument/2006/relationships" xmlns:p="http://schemas.openxmlformats.org/presentationml/2006/main">
+  <p:cSld>
     <p:spTree>
       <p:nvGrpSpPr>
         <p:cNvPr id="1" name=""/>
@@ -7516,7 +8633,7 @@
 </p:sld>
 </file>
 
-<file path=ppt/slides/slide11.xml><?xml version="1.0" encoding="utf-8"?>
+<file path=ppt/slides/slide12.xml><?xml version="1.0" encoding="utf-8"?>
 <p:sld xmlns:a="http://schemas.openxmlformats.org/drawingml/2006/main" xmlns:r="http://schemas.openxmlformats.org/officeDocument/2006/relationships" xmlns:p="http://schemas.openxmlformats.org/presentationml/2006/main">
   <p:cSld>
     <p:spTree>
@@ -8375,7 +9492,7 @@
             </a:pPr>
             <a:r>
               <a:rPr lang="es-CO" sz="2200" dirty="0"/>
-              <a:t>Se tomaron muestras de suelo de 139 fincas, las cuales deben ser analizadas por un ingeniero agrónomo.</a:t>
+              <a:t>Se tomaron muestras de suelo de 158 fincas, las cuales deben ser analizadas por un ingeniero agrónomo.</a:t>
             </a:r>
           </a:p>
         </p:txBody>
@@ -11660,14 +12777,6 @@
 <file path=ppt/slides/slide9.xml><?xml version="1.0" encoding="utf-8"?>
 <p:sld xmlns:a="http://schemas.openxmlformats.org/drawingml/2006/main" xmlns:r="http://schemas.openxmlformats.org/officeDocument/2006/relationships" xmlns:p="http://schemas.openxmlformats.org/presentationml/2006/main">
   <p:cSld>
-    <p:bg>
-      <p:bgPr>
-        <a:solidFill>
-          <a:schemeClr val="bg1"/>
-        </a:solidFill>
-        <a:effectLst/>
-      </p:bgPr>
-    </p:bg>
     <p:spTree>
       <p:nvGrpSpPr>
         <p:cNvPr id="1" name=""/>
@@ -11682,1020 +12791,12 @@
           <a:chExt cx="0" cy="0"/>
         </a:xfrm>
       </p:grpSpPr>
-      <p:sp useBgFill="1">
-        <p:nvSpPr>
-          <p:cNvPr id="23" name="Rectangle 22">
-            <a:extLst>
-              <a:ext uri="{FF2B5EF4-FFF2-40B4-BE49-F238E27FC236}">
-                <a16:creationId xmlns:a16="http://schemas.microsoft.com/office/drawing/2014/main" id="{53E60C6D-4E85-4E14-BCDF-BF15C241F7CA}"/>
-              </a:ext>
-              <a:ext uri="{C183D7F6-B498-43B3-948B-1728B52AA6E4}">
-                <adec:decorative xmlns:adec="http://schemas.microsoft.com/office/drawing/2017/decorative" val="1"/>
-              </a:ext>
-            </a:extLst>
-          </p:cNvPr>
-          <p:cNvSpPr>
-            <a:spLocks noGrp="1" noRot="1" noChangeAspect="1" noMove="1" noResize="1" noEditPoints="1" noAdjustHandles="1" noChangeArrowheads="1" noChangeShapeType="1" noTextEdit="1"/>
-          </p:cNvSpPr>
-          <p:nvPr>
-            <p:extLst>
-              <p:ext uri="{386F3935-93C4-4BCD-93E2-E3B085C9AB24}">
-                <p16:designElem xmlns:p16="http://schemas.microsoft.com/office/powerpoint/2015/main" val="1"/>
-              </p:ext>
-            </p:extLst>
-          </p:nvPr>
-        </p:nvSpPr>
-        <p:spPr>
-          <a:xfrm>
-            <a:off x="0" y="0"/>
-            <a:ext cx="12188952" cy="6858000"/>
-          </a:xfrm>
-          <a:prstGeom prst="rect">
-            <a:avLst/>
-          </a:prstGeom>
-          <a:ln>
-            <a:noFill/>
-          </a:ln>
-        </p:spPr>
-        <p:style>
-          <a:lnRef idx="2">
-            <a:schemeClr val="accent1">
-              <a:shade val="50000"/>
-            </a:schemeClr>
-          </a:lnRef>
-          <a:fillRef idx="1">
-            <a:schemeClr val="accent1"/>
-          </a:fillRef>
-          <a:effectRef idx="0">
-            <a:schemeClr val="accent1"/>
-          </a:effectRef>
-          <a:fontRef idx="minor">
-            <a:schemeClr val="lt1"/>
-          </a:fontRef>
-        </p:style>
-        <p:txBody>
-          <a:bodyPr rtlCol="0" anchor="ctr"/>
-          <a:lstStyle/>
-          <a:p>
-            <a:pPr marL="0" marR="0" lvl="0" indent="0" algn="ctr" defTabSz="914400" rtl="0" eaLnBrk="1" fontAlgn="auto" latinLnBrk="0" hangingPunct="1">
-              <a:lnSpc>
-                <a:spcPct val="100000"/>
-              </a:lnSpc>
-              <a:spcBef>
-                <a:spcPts val="0"/>
-              </a:spcBef>
-              <a:spcAft>
-                <a:spcPts val="0"/>
-              </a:spcAft>
-              <a:buClrTx/>
-              <a:buSzTx/>
-              <a:buFontTx/>
-              <a:buNone/>
-              <a:tabLst/>
-              <a:defRPr/>
-            </a:pPr>
-            <a:endParaRPr kumimoji="0" lang="en-US" sz="1800" b="0" i="0" u="none" strike="noStrike" kern="1200" cap="none" spc="0" normalizeH="0" baseline="0" noProof="0">
-              <a:ln>
-                <a:noFill/>
-              </a:ln>
-              <a:solidFill>
-                <a:prstClr val="white"/>
-              </a:solidFill>
-              <a:effectLst/>
-              <a:uLnTx/>
-              <a:uFillTx/>
-              <a:latin typeface="Calibri" panose="020F0502020204030204"/>
-              <a:ea typeface="+mn-ea"/>
-              <a:cs typeface="+mn-cs"/>
-            </a:endParaRPr>
-          </a:p>
-        </p:txBody>
-      </p:sp>
       <p:sp>
         <p:nvSpPr>
-          <p:cNvPr id="2" name="Título 1">
-            <a:extLst>
-              <a:ext uri="{FF2B5EF4-FFF2-40B4-BE49-F238E27FC236}">
-                <a16:creationId xmlns:a16="http://schemas.microsoft.com/office/drawing/2014/main" id="{48415947-46D6-4BB6-851C-50CDD8CAED1C}"/>
-              </a:ext>
-            </a:extLst>
-          </p:cNvPr>
-          <p:cNvSpPr>
-            <a:spLocks noGrp="1"/>
-          </p:cNvSpPr>
-          <p:nvPr>
-            <p:ph type="title"/>
-          </p:nvPr>
-        </p:nvSpPr>
-        <p:spPr>
-          <a:xfrm>
-            <a:off x="7293037" y="2634045"/>
-            <a:ext cx="2314789" cy="540119"/>
-          </a:xfrm>
-        </p:spPr>
-        <p:txBody>
-          <a:bodyPr vert="horz" lIns="91440" tIns="45720" rIns="91440" bIns="45720" rtlCol="0" anchor="ctr">
-            <a:normAutofit fontScale="90000"/>
-          </a:bodyPr>
-          <a:lstStyle/>
-          <a:p>
-            <a:r>
-              <a:rPr lang="en-US" sz="3600" b="1" kern="1200" dirty="0">
-                <a:solidFill>
-                  <a:srgbClr val="002060"/>
-                </a:solidFill>
-                <a:latin typeface="+mj-lt"/>
-                <a:ea typeface="+mj-ea"/>
-                <a:cs typeface="+mj-cs"/>
-              </a:rPr>
-              <a:t>7 clusters:</a:t>
-            </a:r>
-          </a:p>
-        </p:txBody>
-      </p:sp>
-      <p:sp>
-        <p:nvSpPr>
-          <p:cNvPr id="25" name="Freeform: Shape 24">
-            <a:extLst>
-              <a:ext uri="{FF2B5EF4-FFF2-40B4-BE49-F238E27FC236}">
-                <a16:creationId xmlns:a16="http://schemas.microsoft.com/office/drawing/2014/main" id="{7D42D292-4C48-479B-9E59-E29CD9871C0C}"/>
-              </a:ext>
-              <a:ext uri="{C183D7F6-B498-43B3-948B-1728B52AA6E4}">
-                <adec:decorative xmlns:adec="http://schemas.microsoft.com/office/drawing/2017/decorative" val="1"/>
-              </a:ext>
-            </a:extLst>
-          </p:cNvPr>
-          <p:cNvSpPr>
-            <a:spLocks noGrp="1" noRot="1" noChangeAspect="1" noMove="1" noResize="1" noEditPoints="1" noAdjustHandles="1" noChangeArrowheads="1" noChangeShapeType="1" noTextEdit="1"/>
-          </p:cNvSpPr>
-          <p:nvPr>
-            <p:extLst>
-              <p:ext uri="{386F3935-93C4-4BCD-93E2-E3B085C9AB24}">
-                <p16:designElem xmlns:p16="http://schemas.microsoft.com/office/powerpoint/2015/main" val="1"/>
-              </p:ext>
-            </p:extLst>
-          </p:nvPr>
-        </p:nvSpPr>
-        <p:spPr>
-          <a:xfrm flipH="1">
-            <a:off x="0" y="5486400"/>
-            <a:ext cx="2672863" cy="1371600"/>
-          </a:xfrm>
-          <a:custGeom>
-            <a:avLst/>
-            <a:gdLst>
-              <a:gd name="connsiteX0" fmla="*/ 1721734 w 2672863"/>
-              <a:gd name="connsiteY0" fmla="*/ 0 h 1371600"/>
-              <a:gd name="connsiteX1" fmla="*/ 2564444 w 2672863"/>
-              <a:gd name="connsiteY1" fmla="*/ 213382 h 1371600"/>
-              <a:gd name="connsiteX2" fmla="*/ 2672863 w 2672863"/>
-              <a:gd name="connsiteY2" fmla="*/ 279248 h 1371600"/>
-              <a:gd name="connsiteX3" fmla="*/ 2672863 w 2672863"/>
-              <a:gd name="connsiteY3" fmla="*/ 1371600 h 1371600"/>
-              <a:gd name="connsiteX4" fmla="*/ 0 w 2672863"/>
-              <a:gd name="connsiteY4" fmla="*/ 1371600 h 1371600"/>
-              <a:gd name="connsiteX5" fmla="*/ 33268 w 2672863"/>
-              <a:gd name="connsiteY5" fmla="*/ 1242216 h 1371600"/>
-              <a:gd name="connsiteX6" fmla="*/ 1721734 w 2672863"/>
-              <a:gd name="connsiteY6" fmla="*/ 0 h 1371600"/>
-            </a:gdLst>
-            <a:ahLst/>
-            <a:cxnLst>
-              <a:cxn ang="0">
-                <a:pos x="connsiteX0" y="connsiteY0"/>
-              </a:cxn>
-              <a:cxn ang="0">
-                <a:pos x="connsiteX1" y="connsiteY1"/>
-              </a:cxn>
-              <a:cxn ang="0">
-                <a:pos x="connsiteX2" y="connsiteY2"/>
-              </a:cxn>
-              <a:cxn ang="0">
-                <a:pos x="connsiteX3" y="connsiteY3"/>
-              </a:cxn>
-              <a:cxn ang="0">
-                <a:pos x="connsiteX4" y="connsiteY4"/>
-              </a:cxn>
-              <a:cxn ang="0">
-                <a:pos x="connsiteX5" y="connsiteY5"/>
-              </a:cxn>
-              <a:cxn ang="0">
-                <a:pos x="connsiteX6" y="connsiteY6"/>
-              </a:cxn>
-            </a:cxnLst>
-            <a:rect l="l" t="t" r="r" b="b"/>
-            <a:pathLst>
-              <a:path w="2672863" h="1371600">
-                <a:moveTo>
-                  <a:pt x="1721734" y="0"/>
-                </a:moveTo>
-                <a:cubicBezTo>
-                  <a:pt x="2026863" y="0"/>
-                  <a:pt x="2313937" y="77299"/>
-                  <a:pt x="2564444" y="213382"/>
-                </a:cubicBezTo>
-                <a:lnTo>
-                  <a:pt x="2672863" y="279248"/>
-                </a:lnTo>
-                <a:lnTo>
-                  <a:pt x="2672863" y="1371600"/>
-                </a:lnTo>
-                <a:lnTo>
-                  <a:pt x="0" y="1371600"/>
-                </a:lnTo>
-                <a:lnTo>
-                  <a:pt x="33268" y="1242216"/>
-                </a:lnTo>
-                <a:cubicBezTo>
-                  <a:pt x="257110" y="522539"/>
-                  <a:pt x="928399" y="0"/>
-                  <a:pt x="1721734" y="0"/>
-                </a:cubicBezTo>
-                <a:close/>
-              </a:path>
-            </a:pathLst>
-          </a:custGeom>
-          <a:solidFill>
-            <a:schemeClr val="accent4"/>
-          </a:solidFill>
-          <a:ln>
-            <a:noFill/>
-          </a:ln>
-        </p:spPr>
-        <p:style>
-          <a:lnRef idx="2">
-            <a:schemeClr val="accent1">
-              <a:shade val="50000"/>
-            </a:schemeClr>
-          </a:lnRef>
-          <a:fillRef idx="1">
-            <a:schemeClr val="accent1"/>
-          </a:fillRef>
-          <a:effectRef idx="0">
-            <a:schemeClr val="accent1"/>
-          </a:effectRef>
-          <a:fontRef idx="minor">
-            <a:schemeClr val="lt1"/>
-          </a:fontRef>
-        </p:style>
-        <p:txBody>
-          <a:bodyPr wrap="square" rtlCol="0" anchor="ctr">
-            <a:noAutofit/>
-          </a:bodyPr>
-          <a:lstStyle/>
-          <a:p>
-            <a:pPr marL="0" marR="0" lvl="0" indent="0" algn="ctr" defTabSz="914400" rtl="0" eaLnBrk="1" fontAlgn="auto" latinLnBrk="0" hangingPunct="1">
-              <a:lnSpc>
-                <a:spcPct val="100000"/>
-              </a:lnSpc>
-              <a:spcBef>
-                <a:spcPts val="0"/>
-              </a:spcBef>
-              <a:spcAft>
-                <a:spcPts val="0"/>
-              </a:spcAft>
-              <a:buClrTx/>
-              <a:buSzTx/>
-              <a:buFontTx/>
-              <a:buNone/>
-              <a:tabLst/>
-              <a:defRPr/>
-            </a:pPr>
-            <a:endParaRPr kumimoji="0" lang="en-US" sz="1800" b="0" i="0" u="none" strike="noStrike" kern="1200" cap="none" spc="0" normalizeH="0" baseline="0" noProof="0">
-              <a:ln>
-                <a:noFill/>
-              </a:ln>
-              <a:solidFill>
-                <a:prstClr val="white"/>
-              </a:solidFill>
-              <a:effectLst/>
-              <a:uLnTx/>
-              <a:uFillTx/>
-              <a:latin typeface="Calibri" panose="020F0502020204030204"/>
-              <a:ea typeface="+mn-ea"/>
-              <a:cs typeface="+mn-cs"/>
-            </a:endParaRPr>
-          </a:p>
-        </p:txBody>
-      </p:sp>
-      <p:pic>
-        <p:nvPicPr>
-          <p:cNvPr id="6" name="Imagen 5">
-            <a:extLst>
-              <a:ext uri="{FF2B5EF4-FFF2-40B4-BE49-F238E27FC236}">
-                <a16:creationId xmlns:a16="http://schemas.microsoft.com/office/drawing/2014/main" id="{92EE1744-31B5-4843-AA80-DAEDC08B41FA}"/>
-              </a:ext>
-            </a:extLst>
-          </p:cNvPr>
-          <p:cNvPicPr>
-            <a:picLocks noChangeAspect="1"/>
-          </p:cNvPicPr>
-          <p:nvPr/>
-        </p:nvPicPr>
-        <p:blipFill rotWithShape="1">
-          <a:blip r:embed="rId2"/>
-          <a:srcRect t="1056" r="-4" b="1405"/>
-          <a:stretch/>
-        </p:blipFill>
-        <p:spPr>
-          <a:xfrm>
-            <a:off x="643469" y="-183458"/>
-            <a:ext cx="4082817" cy="3489541"/>
-          </a:xfrm>
-          <a:custGeom>
-            <a:avLst/>
-            <a:gdLst/>
-            <a:ahLst/>
-            <a:cxnLst/>
-            <a:rect l="l" t="t" r="r" b="b"/>
-            <a:pathLst>
-              <a:path w="4555700" h="2733294">
-                <a:moveTo>
-                  <a:pt x="82217" y="0"/>
-                </a:moveTo>
-                <a:lnTo>
-                  <a:pt x="4473483" y="0"/>
-                </a:lnTo>
-                <a:cubicBezTo>
-                  <a:pt x="4518890" y="0"/>
-                  <a:pt x="4555700" y="36810"/>
-                  <a:pt x="4555700" y="82217"/>
-                </a:cubicBezTo>
-                <a:lnTo>
-                  <a:pt x="4555700" y="2651077"/>
-                </a:lnTo>
-                <a:cubicBezTo>
-                  <a:pt x="4555700" y="2696484"/>
-                  <a:pt x="4518890" y="2733294"/>
-                  <a:pt x="4473483" y="2733294"/>
-                </a:cubicBezTo>
-                <a:lnTo>
-                  <a:pt x="82217" y="2733294"/>
-                </a:lnTo>
-                <a:cubicBezTo>
-                  <a:pt x="36810" y="2733294"/>
-                  <a:pt x="0" y="2696484"/>
-                  <a:pt x="0" y="2651077"/>
-                </a:cubicBezTo>
-                <a:lnTo>
-                  <a:pt x="0" y="82217"/>
-                </a:lnTo>
-                <a:cubicBezTo>
-                  <a:pt x="0" y="36810"/>
-                  <a:pt x="36810" y="0"/>
-                  <a:pt x="82217" y="0"/>
-                </a:cubicBezTo>
-                <a:close/>
-              </a:path>
-            </a:pathLst>
-          </a:custGeom>
-        </p:spPr>
-      </p:pic>
-      <p:sp>
-        <p:nvSpPr>
-          <p:cNvPr id="27" name="Arc 26">
-            <a:extLst>
-              <a:ext uri="{FF2B5EF4-FFF2-40B4-BE49-F238E27FC236}">
-                <a16:creationId xmlns:a16="http://schemas.microsoft.com/office/drawing/2014/main" id="{533DF362-939D-4EEE-8DC4-6B54607E5611}"/>
-              </a:ext>
-              <a:ext uri="{C183D7F6-B498-43B3-948B-1728B52AA6E4}">
-                <adec:decorative xmlns:adec="http://schemas.microsoft.com/office/drawing/2017/decorative" val="1"/>
-              </a:ext>
-            </a:extLst>
-          </p:cNvPr>
-          <p:cNvSpPr>
-            <a:spLocks noGrp="1" noRot="1" noChangeAspect="1" noMove="1" noResize="1" noEditPoints="1" noAdjustHandles="1" noChangeArrowheads="1" noChangeShapeType="1" noTextEdit="1"/>
-          </p:cNvSpPr>
-          <p:nvPr>
-            <p:extLst>
-              <p:ext uri="{386F3935-93C4-4BCD-93E2-E3B085C9AB24}">
-                <p16:designElem xmlns:p16="http://schemas.microsoft.com/office/powerpoint/2015/main" val="1"/>
-              </p:ext>
-            </p:extLst>
-          </p:nvPr>
-        </p:nvSpPr>
-        <p:spPr>
-          <a:xfrm rot="1095198">
-            <a:off x="1539683" y="162676"/>
-            <a:ext cx="4083433" cy="4083433"/>
-          </a:xfrm>
-          <a:prstGeom prst="arc">
-            <a:avLst>
-              <a:gd name="adj1" fmla="val 17445962"/>
-              <a:gd name="adj2" fmla="val 0"/>
-            </a:avLst>
-          </a:prstGeom>
-          <a:ln w="127000" cap="rnd">
-            <a:solidFill>
-              <a:schemeClr val="accent4"/>
-            </a:solidFill>
-            <a:prstDash val="dash"/>
-          </a:ln>
-        </p:spPr>
-        <p:style>
-          <a:lnRef idx="1">
-            <a:schemeClr val="accent1"/>
-          </a:lnRef>
-          <a:fillRef idx="0">
-            <a:schemeClr val="accent1"/>
-          </a:fillRef>
-          <a:effectRef idx="0">
-            <a:schemeClr val="accent1"/>
-          </a:effectRef>
-          <a:fontRef idx="minor">
-            <a:schemeClr val="tx1"/>
-          </a:fontRef>
-        </p:style>
-        <p:txBody>
-          <a:bodyPr rtlCol="0" anchor="ctr"/>
-          <a:lstStyle/>
-          <a:p>
-            <a:pPr marL="0" marR="0" lvl="0" indent="0" algn="ctr" defTabSz="914400" rtl="0" eaLnBrk="1" fontAlgn="auto" latinLnBrk="0" hangingPunct="1">
-              <a:lnSpc>
-                <a:spcPct val="100000"/>
-              </a:lnSpc>
-              <a:spcBef>
-                <a:spcPts val="0"/>
-              </a:spcBef>
-              <a:spcAft>
-                <a:spcPts val="0"/>
-              </a:spcAft>
-              <a:buClrTx/>
-              <a:buSzTx/>
-              <a:buFontTx/>
-              <a:buNone/>
-              <a:tabLst/>
-              <a:defRPr/>
-            </a:pPr>
-            <a:endParaRPr kumimoji="0" lang="en-US" sz="1800" b="0" i="0" u="none" strike="noStrike" kern="1200" cap="none" spc="0" normalizeH="0" baseline="0" noProof="0" dirty="0">
-              <a:ln>
-                <a:noFill/>
-              </a:ln>
-              <a:solidFill>
-                <a:prstClr val="black"/>
-              </a:solidFill>
-              <a:effectLst/>
-              <a:uLnTx/>
-              <a:uFillTx/>
-              <a:latin typeface="Calibri" panose="020F0502020204030204"/>
-              <a:ea typeface="+mn-ea"/>
-              <a:cs typeface="+mn-cs"/>
-            </a:endParaRPr>
-          </a:p>
-        </p:txBody>
-      </p:sp>
-      <p:pic>
-        <p:nvPicPr>
-          <p:cNvPr id="4" name="Imagen 3">
-            <a:extLst>
-              <a:ext uri="{FF2B5EF4-FFF2-40B4-BE49-F238E27FC236}">
-                <a16:creationId xmlns:a16="http://schemas.microsoft.com/office/drawing/2014/main" id="{FD6198D9-D40F-40D5-A076-944AF2E50C10}"/>
-              </a:ext>
-            </a:extLst>
-          </p:cNvPr>
-          <p:cNvPicPr>
-            <a:picLocks noChangeAspect="1"/>
-          </p:cNvPicPr>
-          <p:nvPr/>
-        </p:nvPicPr>
-        <p:blipFill rotWithShape="1">
-          <a:blip r:embed="rId3"/>
-          <a:srcRect l="9133" r="3" b="3"/>
-          <a:stretch/>
-        </p:blipFill>
-        <p:spPr>
-          <a:xfrm>
-            <a:off x="1336431" y="3390789"/>
-            <a:ext cx="3669581" cy="3532355"/>
-          </a:xfrm>
-          <a:custGeom>
-            <a:avLst/>
-            <a:gdLst/>
-            <a:ahLst/>
-            <a:cxnLst/>
-            <a:rect l="l" t="t" r="r" b="b"/>
-            <a:pathLst>
-              <a:path w="4438338" h="2323972">
-                <a:moveTo>
-                  <a:pt x="69905" y="0"/>
-                </a:moveTo>
-                <a:lnTo>
-                  <a:pt x="4368433" y="0"/>
-                </a:lnTo>
-                <a:cubicBezTo>
-                  <a:pt x="4407040" y="0"/>
-                  <a:pt x="4438338" y="31298"/>
-                  <a:pt x="4438338" y="69905"/>
-                </a:cubicBezTo>
-                <a:lnTo>
-                  <a:pt x="4438338" y="2254067"/>
-                </a:lnTo>
-                <a:cubicBezTo>
-                  <a:pt x="4438338" y="2292674"/>
-                  <a:pt x="4407040" y="2323972"/>
-                  <a:pt x="4368433" y="2323972"/>
-                </a:cubicBezTo>
-                <a:lnTo>
-                  <a:pt x="69905" y="2323972"/>
-                </a:lnTo>
-                <a:cubicBezTo>
-                  <a:pt x="31298" y="2323972"/>
-                  <a:pt x="0" y="2292674"/>
-                  <a:pt x="0" y="2254067"/>
-                </a:cubicBezTo>
-                <a:lnTo>
-                  <a:pt x="0" y="69905"/>
-                </a:lnTo>
-                <a:cubicBezTo>
-                  <a:pt x="0" y="31298"/>
-                  <a:pt x="31298" y="0"/>
-                  <a:pt x="69905" y="0"/>
-                </a:cubicBezTo>
-                <a:close/>
-              </a:path>
-            </a:pathLst>
-          </a:custGeom>
-        </p:spPr>
-      </p:pic>
-      <p:sp>
-        <p:nvSpPr>
-          <p:cNvPr id="20" name="CuadroTexto 19">
-            <a:extLst>
-              <a:ext uri="{FF2B5EF4-FFF2-40B4-BE49-F238E27FC236}">
-                <a16:creationId xmlns:a16="http://schemas.microsoft.com/office/drawing/2014/main" id="{C681433E-F19D-451F-B40B-068E696D8128}"/>
-              </a:ext>
-            </a:extLst>
-          </p:cNvPr>
-          <p:cNvSpPr txBox="1"/>
-          <p:nvPr/>
-        </p:nvSpPr>
-        <p:spPr>
-          <a:xfrm>
-            <a:off x="5729202" y="3265893"/>
-            <a:ext cx="6250763" cy="3005951"/>
-          </a:xfrm>
-          <a:prstGeom prst="rect">
-            <a:avLst/>
-          </a:prstGeom>
-          <a:noFill/>
-        </p:spPr>
-        <p:txBody>
-          <a:bodyPr wrap="square">
-            <a:spAutoFit/>
-          </a:bodyPr>
-          <a:lstStyle/>
-          <a:p>
-            <a:pPr algn="l">
-              <a:lnSpc>
-                <a:spcPct val="150000"/>
-              </a:lnSpc>
-            </a:pPr>
-            <a:r>
-              <a:rPr lang="es-ES" sz="1600" b="1" i="0" dirty="0">
-                <a:solidFill>
-                  <a:srgbClr val="E6591A"/>
-                </a:solidFill>
-                <a:effectLst/>
-                <a:latin typeface="Roboto" panose="02000000000000000000" pitchFamily="2" charset="0"/>
-              </a:rPr>
-              <a:t>Naranja</a:t>
-            </a:r>
-            <a:r>
-              <a:rPr lang="es-ES" sz="1600" b="0" i="0" dirty="0">
-                <a:solidFill>
-                  <a:srgbClr val="212121"/>
-                </a:solidFill>
-                <a:effectLst/>
-                <a:latin typeface="Roboto" panose="02000000000000000000" pitchFamily="2" charset="0"/>
-              </a:rPr>
-              <a:t> </a:t>
-            </a:r>
-            <a:r>
-              <a:rPr lang="es-ES" sz="1600" dirty="0">
-                <a:solidFill>
-                  <a:srgbClr val="212121"/>
-                </a:solidFill>
-                <a:latin typeface="Roboto" panose="02000000000000000000" pitchFamily="2" charset="0"/>
-              </a:rPr>
-              <a:t>A</a:t>
-            </a:r>
-            <a:r>
-              <a:rPr lang="es-ES" sz="1600" b="0" i="0" dirty="0">
-                <a:solidFill>
-                  <a:srgbClr val="212121"/>
-                </a:solidFill>
-                <a:effectLst/>
-                <a:latin typeface="Roboto" panose="02000000000000000000" pitchFamily="2" charset="0"/>
-              </a:rPr>
-              <a:t>lta materia orgánica, </a:t>
-            </a:r>
-            <a:r>
-              <a:rPr lang="es-ES" sz="1600" b="0" i="0" dirty="0" err="1">
-                <a:solidFill>
-                  <a:srgbClr val="212121"/>
-                </a:solidFill>
-                <a:effectLst/>
-                <a:latin typeface="Roboto" panose="02000000000000000000" pitchFamily="2" charset="0"/>
-              </a:rPr>
-              <a:t>ph</a:t>
-            </a:r>
-            <a:r>
-              <a:rPr lang="es-ES" sz="1600" b="0" i="0" dirty="0">
-                <a:solidFill>
-                  <a:srgbClr val="212121"/>
-                </a:solidFill>
-                <a:effectLst/>
-                <a:latin typeface="Roboto" panose="02000000000000000000" pitchFamily="2" charset="0"/>
-              </a:rPr>
-              <a:t> medio-bajo y CIC bajo.</a:t>
-            </a:r>
-          </a:p>
-          <a:p>
-            <a:pPr algn="l">
-              <a:lnSpc>
-                <a:spcPct val="150000"/>
-              </a:lnSpc>
-            </a:pPr>
-            <a:r>
-              <a:rPr lang="es-ES" sz="1600" b="1" i="0" dirty="0">
-                <a:solidFill>
-                  <a:srgbClr val="FCA904"/>
-                </a:solidFill>
-                <a:effectLst/>
-                <a:latin typeface="Roboto" panose="02000000000000000000" pitchFamily="2" charset="0"/>
-              </a:rPr>
-              <a:t>Amarillo oscuro</a:t>
-            </a:r>
-            <a:r>
-              <a:rPr lang="es-ES" sz="1600" b="0" i="0" dirty="0">
-                <a:solidFill>
-                  <a:srgbClr val="FCA904"/>
-                </a:solidFill>
-                <a:effectLst/>
-                <a:latin typeface="Roboto" panose="02000000000000000000" pitchFamily="2" charset="0"/>
-              </a:rPr>
-              <a:t> </a:t>
-            </a:r>
-            <a:r>
-              <a:rPr lang="es-ES" sz="1600" dirty="0">
-                <a:solidFill>
-                  <a:srgbClr val="212121"/>
-                </a:solidFill>
-                <a:latin typeface="Roboto" panose="02000000000000000000" pitchFamily="2" charset="0"/>
-              </a:rPr>
-              <a:t>B</a:t>
-            </a:r>
-            <a:r>
-              <a:rPr lang="es-ES" sz="1600" b="0" i="0" dirty="0">
-                <a:solidFill>
-                  <a:srgbClr val="212121"/>
-                </a:solidFill>
-                <a:effectLst/>
-                <a:latin typeface="Roboto" panose="02000000000000000000" pitchFamily="2" charset="0"/>
-              </a:rPr>
-              <a:t>aja materia orgánica, </a:t>
-            </a:r>
-            <a:r>
-              <a:rPr lang="es-ES" sz="1600" b="0" i="0" dirty="0" err="1">
-                <a:solidFill>
-                  <a:srgbClr val="212121"/>
-                </a:solidFill>
-                <a:effectLst/>
-                <a:latin typeface="Roboto" panose="02000000000000000000" pitchFamily="2" charset="0"/>
-              </a:rPr>
-              <a:t>ph</a:t>
-            </a:r>
-            <a:r>
-              <a:rPr lang="es-ES" sz="1600" b="0" i="0" dirty="0">
-                <a:solidFill>
-                  <a:srgbClr val="212121"/>
-                </a:solidFill>
-                <a:effectLst/>
-                <a:latin typeface="Roboto" panose="02000000000000000000" pitchFamily="2" charset="0"/>
-              </a:rPr>
-              <a:t> medio y CIC baja.</a:t>
-            </a:r>
-          </a:p>
-          <a:p>
-            <a:pPr algn="l">
-              <a:lnSpc>
-                <a:spcPct val="150000"/>
-              </a:lnSpc>
-            </a:pPr>
-            <a:r>
-              <a:rPr lang="es-ES" sz="1600" b="1" i="0" dirty="0">
-                <a:solidFill>
-                  <a:srgbClr val="FFFF00"/>
-                </a:solidFill>
-                <a:effectLst/>
-                <a:latin typeface="Roboto" panose="02000000000000000000" pitchFamily="2" charset="0"/>
-              </a:rPr>
-              <a:t>Amarillo claro</a:t>
-            </a:r>
-            <a:r>
-              <a:rPr lang="es-ES" sz="1600" b="0" i="0" dirty="0">
-                <a:solidFill>
-                  <a:srgbClr val="FFFF00"/>
-                </a:solidFill>
-                <a:effectLst/>
-                <a:latin typeface="Roboto" panose="02000000000000000000" pitchFamily="2" charset="0"/>
-              </a:rPr>
-              <a:t> </a:t>
-            </a:r>
-            <a:r>
-              <a:rPr lang="es-ES" sz="1600" dirty="0">
-                <a:solidFill>
-                  <a:srgbClr val="212121"/>
-                </a:solidFill>
-                <a:latin typeface="Roboto" panose="02000000000000000000" pitchFamily="2" charset="0"/>
-              </a:rPr>
-              <a:t>M</a:t>
-            </a:r>
-            <a:r>
-              <a:rPr lang="es-ES" sz="1600" b="0" i="0" dirty="0">
-                <a:solidFill>
-                  <a:srgbClr val="212121"/>
-                </a:solidFill>
-                <a:effectLst/>
-                <a:latin typeface="Roboto" panose="02000000000000000000" pitchFamily="2" charset="0"/>
-              </a:rPr>
-              <a:t>ateria orgánica media, </a:t>
-            </a:r>
-            <a:r>
-              <a:rPr lang="es-ES" sz="1600" b="0" i="0" dirty="0" err="1">
-                <a:solidFill>
-                  <a:srgbClr val="212121"/>
-                </a:solidFill>
-                <a:effectLst/>
-                <a:latin typeface="Roboto" panose="02000000000000000000" pitchFamily="2" charset="0"/>
-              </a:rPr>
-              <a:t>ph</a:t>
-            </a:r>
-            <a:r>
-              <a:rPr lang="es-ES" sz="1600" b="0" i="0" dirty="0">
-                <a:solidFill>
-                  <a:srgbClr val="212121"/>
-                </a:solidFill>
-                <a:effectLst/>
-                <a:latin typeface="Roboto" panose="02000000000000000000" pitchFamily="2" charset="0"/>
-              </a:rPr>
-              <a:t> alto y alta CIC.</a:t>
-            </a:r>
-          </a:p>
-          <a:p>
-            <a:pPr algn="l">
-              <a:lnSpc>
-                <a:spcPct val="150000"/>
-              </a:lnSpc>
-            </a:pPr>
-            <a:r>
-              <a:rPr lang="es-ES" sz="1600" b="1" i="0" dirty="0">
-                <a:solidFill>
-                  <a:srgbClr val="002060"/>
-                </a:solidFill>
-                <a:effectLst/>
-                <a:latin typeface="Roboto" panose="02000000000000000000" pitchFamily="2" charset="0"/>
-              </a:rPr>
-              <a:t>Azul</a:t>
-            </a:r>
-            <a:r>
-              <a:rPr lang="es-ES" sz="1600" b="0" i="0" dirty="0">
-                <a:solidFill>
-                  <a:srgbClr val="002060"/>
-                </a:solidFill>
-                <a:effectLst/>
-                <a:latin typeface="Roboto" panose="02000000000000000000" pitchFamily="2" charset="0"/>
-              </a:rPr>
-              <a:t> </a:t>
-            </a:r>
-            <a:r>
-              <a:rPr lang="es-ES" sz="1600" b="0" i="0" dirty="0">
-                <a:solidFill>
-                  <a:schemeClr val="tx1">
-                    <a:lumMod val="85000"/>
-                    <a:lumOff val="15000"/>
-                  </a:schemeClr>
-                </a:solidFill>
-                <a:effectLst/>
-                <a:latin typeface="Roboto" panose="02000000000000000000" pitchFamily="2" charset="0"/>
-              </a:rPr>
-              <a:t>Materia orgánica baja-media, </a:t>
-            </a:r>
-            <a:r>
-              <a:rPr lang="es-ES" sz="1600" b="0" i="0" dirty="0" err="1">
-                <a:solidFill>
-                  <a:schemeClr val="tx1">
-                    <a:lumMod val="85000"/>
-                    <a:lumOff val="15000"/>
-                  </a:schemeClr>
-                </a:solidFill>
-                <a:effectLst/>
-                <a:latin typeface="Roboto" panose="02000000000000000000" pitchFamily="2" charset="0"/>
-              </a:rPr>
-              <a:t>ph</a:t>
-            </a:r>
-            <a:r>
-              <a:rPr lang="es-ES" sz="1600" b="0" i="0" dirty="0">
-                <a:solidFill>
-                  <a:schemeClr val="tx1">
-                    <a:lumMod val="85000"/>
-                    <a:lumOff val="15000"/>
-                  </a:schemeClr>
-                </a:solidFill>
-                <a:effectLst/>
-                <a:latin typeface="Roboto" panose="02000000000000000000" pitchFamily="2" charset="0"/>
-              </a:rPr>
-              <a:t> medio y CIC baja-media.</a:t>
-            </a:r>
-          </a:p>
-          <a:p>
-            <a:pPr algn="l">
-              <a:lnSpc>
-                <a:spcPct val="150000"/>
-              </a:lnSpc>
-            </a:pPr>
-            <a:r>
-              <a:rPr lang="es-ES" sz="1600" b="1" i="0" dirty="0">
-                <a:solidFill>
-                  <a:srgbClr val="FF3399"/>
-                </a:solidFill>
-                <a:effectLst/>
-                <a:latin typeface="Roboto" panose="02000000000000000000" pitchFamily="2" charset="0"/>
-              </a:rPr>
-              <a:t>Rosado</a:t>
-            </a:r>
-            <a:r>
-              <a:rPr lang="es-ES" sz="1600" b="0" i="0" dirty="0">
-                <a:solidFill>
-                  <a:srgbClr val="212121"/>
-                </a:solidFill>
-                <a:effectLst/>
-                <a:latin typeface="Roboto" panose="02000000000000000000" pitchFamily="2" charset="0"/>
-              </a:rPr>
-              <a:t> Materia orgánica baja-media, </a:t>
-            </a:r>
-            <a:r>
-              <a:rPr lang="es-ES" sz="1600" b="0" i="0" dirty="0" err="1">
-                <a:solidFill>
-                  <a:srgbClr val="212121"/>
-                </a:solidFill>
-                <a:effectLst/>
-                <a:latin typeface="Roboto" panose="02000000000000000000" pitchFamily="2" charset="0"/>
-              </a:rPr>
-              <a:t>ph</a:t>
-            </a:r>
-            <a:r>
-              <a:rPr lang="es-ES" sz="1600" b="0" i="0" dirty="0">
-                <a:solidFill>
-                  <a:srgbClr val="212121"/>
-                </a:solidFill>
-                <a:effectLst/>
-                <a:latin typeface="Roboto" panose="02000000000000000000" pitchFamily="2" charset="0"/>
-              </a:rPr>
-              <a:t> alto y CIC media.</a:t>
-            </a:r>
-          </a:p>
-          <a:p>
-            <a:pPr algn="l">
-              <a:lnSpc>
-                <a:spcPct val="150000"/>
-              </a:lnSpc>
-            </a:pPr>
-            <a:r>
-              <a:rPr lang="es-ES" sz="1600" b="1" i="0" dirty="0">
-                <a:solidFill>
-                  <a:schemeClr val="accent6">
-                    <a:lumMod val="60000"/>
-                    <a:lumOff val="40000"/>
-                  </a:schemeClr>
-                </a:solidFill>
-                <a:effectLst/>
-                <a:latin typeface="Roboto" panose="02000000000000000000" pitchFamily="2" charset="0"/>
-              </a:rPr>
-              <a:t>Morado claro</a:t>
-            </a:r>
-            <a:r>
-              <a:rPr lang="es-ES" sz="1600" b="0" i="0" dirty="0">
-                <a:solidFill>
-                  <a:schemeClr val="accent6">
-                    <a:lumMod val="60000"/>
-                    <a:lumOff val="40000"/>
-                  </a:schemeClr>
-                </a:solidFill>
-                <a:effectLst/>
-                <a:latin typeface="Roboto" panose="02000000000000000000" pitchFamily="2" charset="0"/>
-              </a:rPr>
-              <a:t> </a:t>
-            </a:r>
-            <a:r>
-              <a:rPr lang="es-ES" sz="1600" b="0" i="0" dirty="0">
-                <a:solidFill>
-                  <a:srgbClr val="212121"/>
-                </a:solidFill>
-                <a:effectLst/>
-                <a:latin typeface="Roboto" panose="02000000000000000000" pitchFamily="2" charset="0"/>
-              </a:rPr>
-              <a:t>Materia orgánica baja-media , </a:t>
-            </a:r>
-            <a:r>
-              <a:rPr lang="es-ES" sz="1600" b="0" i="0" dirty="0" err="1">
-                <a:solidFill>
-                  <a:srgbClr val="212121"/>
-                </a:solidFill>
-                <a:effectLst/>
-                <a:latin typeface="Roboto" panose="02000000000000000000" pitchFamily="2" charset="0"/>
-              </a:rPr>
-              <a:t>ph</a:t>
-            </a:r>
-            <a:r>
-              <a:rPr lang="es-ES" sz="1600" b="0" i="0" dirty="0">
-                <a:solidFill>
-                  <a:srgbClr val="212121"/>
-                </a:solidFill>
-                <a:effectLst/>
-                <a:latin typeface="Roboto" panose="02000000000000000000" pitchFamily="2" charset="0"/>
-              </a:rPr>
-              <a:t> medio y CIC baja.</a:t>
-            </a:r>
-          </a:p>
-          <a:p>
-            <a:pPr algn="l">
-              <a:lnSpc>
-                <a:spcPct val="150000"/>
-              </a:lnSpc>
-            </a:pPr>
-            <a:r>
-              <a:rPr lang="es-ES" sz="1600" b="1" i="0" dirty="0">
-                <a:solidFill>
-                  <a:schemeClr val="accent6">
-                    <a:lumMod val="75000"/>
-                  </a:schemeClr>
-                </a:solidFill>
-                <a:effectLst/>
-                <a:latin typeface="Roboto" panose="02000000000000000000" pitchFamily="2" charset="0"/>
-              </a:rPr>
-              <a:t>Morado oscuro</a:t>
-            </a:r>
-            <a:r>
-              <a:rPr lang="es-ES" sz="1600" b="0" i="0" dirty="0">
-                <a:solidFill>
-                  <a:schemeClr val="accent6">
-                    <a:lumMod val="75000"/>
-                  </a:schemeClr>
-                </a:solidFill>
-                <a:effectLst/>
-                <a:latin typeface="Roboto" panose="02000000000000000000" pitchFamily="2" charset="0"/>
-              </a:rPr>
-              <a:t> </a:t>
-            </a:r>
-            <a:r>
-              <a:rPr lang="es-ES" sz="1600" dirty="0">
-                <a:solidFill>
-                  <a:srgbClr val="212121"/>
-                </a:solidFill>
-                <a:latin typeface="Roboto" panose="02000000000000000000" pitchFamily="2" charset="0"/>
-              </a:rPr>
-              <a:t>M</a:t>
-            </a:r>
-            <a:r>
-              <a:rPr lang="es-ES" sz="1600" b="0" i="0" dirty="0">
-                <a:solidFill>
-                  <a:srgbClr val="212121"/>
-                </a:solidFill>
-                <a:effectLst/>
-                <a:latin typeface="Roboto" panose="02000000000000000000" pitchFamily="2" charset="0"/>
-              </a:rPr>
-              <a:t>ateria orgánica baja-media, </a:t>
-            </a:r>
-            <a:r>
-              <a:rPr lang="es-ES" sz="1600" b="0" i="0" dirty="0" err="1">
-                <a:solidFill>
-                  <a:srgbClr val="212121"/>
-                </a:solidFill>
-                <a:effectLst/>
-                <a:latin typeface="Roboto" panose="02000000000000000000" pitchFamily="2" charset="0"/>
-              </a:rPr>
-              <a:t>ph</a:t>
-            </a:r>
-            <a:r>
-              <a:rPr lang="es-ES" sz="1600" b="0" i="0" dirty="0">
-                <a:solidFill>
-                  <a:srgbClr val="212121"/>
-                </a:solidFill>
-                <a:effectLst/>
-                <a:latin typeface="Roboto" panose="02000000000000000000" pitchFamily="2" charset="0"/>
-              </a:rPr>
-              <a:t> medio-alto y CIC variable (alta-media-baja).</a:t>
-            </a:r>
-          </a:p>
-        </p:txBody>
-      </p:sp>
-      <p:sp>
-        <p:nvSpPr>
-          <p:cNvPr id="21" name="Título 1">
-            <a:extLst>
-              <a:ext uri="{FF2B5EF4-FFF2-40B4-BE49-F238E27FC236}">
-                <a16:creationId xmlns:a16="http://schemas.microsoft.com/office/drawing/2014/main" id="{51746E10-5ED2-455E-AC59-615811B0D6FD}"/>
+          <p:cNvPr id="4" name="Título 1">
+            <a:extLst>
+              <a:ext uri="{FF2B5EF4-FFF2-40B4-BE49-F238E27FC236}">
+                <a16:creationId xmlns:a16="http://schemas.microsoft.com/office/drawing/2014/main" id="{93EEC0A0-7FD4-488B-80CC-18F7714B6A12}"/>
               </a:ext>
             </a:extLst>
           </p:cNvPr>
@@ -12706,8 +12807,8 @@
         </p:nvSpPr>
         <p:spPr>
           <a:xfrm>
-            <a:off x="6303694" y="638584"/>
-            <a:ext cx="5397237" cy="1325563"/>
+            <a:off x="3209051" y="0"/>
+            <a:ext cx="10862731" cy="1325563"/>
           </a:xfrm>
           <a:prstGeom prst="rect">
             <a:avLst/>
@@ -12748,23 +12849,106 @@
           </a:p>
         </p:txBody>
       </p:sp>
+      <p:pic>
+        <p:nvPicPr>
+          <p:cNvPr id="1026" name="Picture 2">
+            <a:extLst>
+              <a:ext uri="{FF2B5EF4-FFF2-40B4-BE49-F238E27FC236}">
+                <a16:creationId xmlns:a16="http://schemas.microsoft.com/office/drawing/2014/main" id="{04975B86-5331-43E2-9188-97F37F75E080}"/>
+              </a:ext>
+            </a:extLst>
+          </p:cNvPr>
+          <p:cNvPicPr>
+            <a:picLocks noChangeAspect="1" noChangeArrowheads="1"/>
+          </p:cNvPicPr>
+          <p:nvPr/>
+        </p:nvPicPr>
+        <p:blipFill>
+          <a:blip r:embed="rId2">
+            <a:extLst>
+              <a:ext uri="{28A0092B-C50C-407E-A947-70E740481C1C}">
+                <a14:useLocalDpi xmlns:a14="http://schemas.microsoft.com/office/drawing/2010/main" val="0"/>
+              </a:ext>
+            </a:extLst>
+          </a:blip>
+          <a:srcRect/>
+          <a:stretch>
+            <a:fillRect/>
+          </a:stretch>
+        </p:blipFill>
+        <p:spPr bwMode="auto">
+          <a:xfrm>
+            <a:off x="0" y="1533525"/>
+            <a:ext cx="12192000" cy="4400550"/>
+          </a:xfrm>
+          <a:prstGeom prst="rect">
+            <a:avLst/>
+          </a:prstGeom>
+          <a:noFill/>
+          <a:extLst>
+            <a:ext uri="{909E8E84-426E-40DD-AFC4-6F175D3DCCD1}">
+              <a14:hiddenFill xmlns:a14="http://schemas.microsoft.com/office/drawing/2010/main">
+                <a:solidFill>
+                  <a:srgbClr val="FFFFFF"/>
+                </a:solidFill>
+              </a14:hiddenFill>
+            </a:ext>
+          </a:extLst>
+        </p:spPr>
+      </p:pic>
+      <p:cxnSp>
+        <p:nvCxnSpPr>
+          <p:cNvPr id="6" name="Conector recto 5">
+            <a:extLst>
+              <a:ext uri="{FF2B5EF4-FFF2-40B4-BE49-F238E27FC236}">
+                <a16:creationId xmlns:a16="http://schemas.microsoft.com/office/drawing/2014/main" id="{38D6C43B-9A9D-4C60-BFDB-E7AA305603FE}"/>
+              </a:ext>
+            </a:extLst>
+          </p:cNvPr>
+          <p:cNvCxnSpPr/>
+          <p:nvPr/>
+        </p:nvCxnSpPr>
+        <p:spPr>
+          <a:xfrm>
+            <a:off x="212035" y="4041911"/>
+            <a:ext cx="11979965" cy="0"/>
+          </a:xfrm>
+          <a:prstGeom prst="line">
+            <a:avLst/>
+          </a:prstGeom>
+        </p:spPr>
+        <p:style>
+          <a:lnRef idx="1">
+            <a:schemeClr val="accent1"/>
+          </a:lnRef>
+          <a:fillRef idx="0">
+            <a:schemeClr val="accent1"/>
+          </a:fillRef>
+          <a:effectRef idx="0">
+            <a:schemeClr val="accent1"/>
+          </a:effectRef>
+          <a:fontRef idx="minor">
+            <a:schemeClr val="tx1"/>
+          </a:fontRef>
+        </p:style>
+      </p:cxnSp>
     </p:spTree>
     <p:extLst>
       <p:ext uri="{BB962C8B-B14F-4D97-AF65-F5344CB8AC3E}">
-        <p14:creationId xmlns:p14="http://schemas.microsoft.com/office/powerpoint/2010/main" val="4034275016"/>
+        <p14:creationId xmlns:p14="http://schemas.microsoft.com/office/powerpoint/2010/main" val="787327498"/>
       </p:ext>
     </p:extLst>
   </p:cSld>
   <p:clrMapOvr>
     <a:masterClrMapping/>
   </p:clrMapOvr>
-  <mc:AlternateContent xmlns:mc="http://schemas.openxmlformats.org/markup-compatibility/2006">
-    <mc:Choice xmlns:p159="http://schemas.microsoft.com/office/powerpoint/2015/09/main" Requires="p159">
+  <mc:AlternateContent xmlns:mc="http://schemas.openxmlformats.org/markup-compatibility/2006" xmlns:p159="http://schemas.microsoft.com/office/powerpoint/2015/09/main">
+    <mc:Choice Requires="p159">
       <p:transition xmlns:p14="http://schemas.microsoft.com/office/powerpoint/2010/main" spd="slow" p14:dur="2000">
         <p159:morph option="byObject"/>
       </p:transition>
     </mc:Choice>
-    <mc:Fallback>
+    <mc:Fallback xmlns="">
       <p:transition spd="slow">
         <p:fade/>
       </p:transition>
